--- a/W.A.D.I.T.O.H.T .pptx
+++ b/W.A.D.I.T.O.H.T .pptx
@@ -37054,7 +37054,7 @@
                 <a:latin typeface="Cambria" panose="02040503050406030204" pitchFamily="18" charset="0"/>
                 <a:ea typeface="Cambria" panose="02040503050406030204" pitchFamily="18" charset="0"/>
               </a:rPr>
-              <a:t>Md. Ashfaq                  		             1JB19EC053</a:t>
+              <a:t>Md. Ashfaq              		             1JB19EC053</a:t>
             </a:r>
           </a:p>
           <a:p>
@@ -43138,6 +43138,14 @@
 <file path=ppt/slides/slide5.xml><?xml version="1.0" encoding="utf-8"?>
 <p:sld xmlns:a="http://schemas.openxmlformats.org/drawingml/2006/main" xmlns:r="http://schemas.openxmlformats.org/officeDocument/2006/relationships" xmlns:p="http://schemas.openxmlformats.org/presentationml/2006/main">
   <p:cSld>
+    <p:bg>
+      <p:bgPr>
+        <a:solidFill>
+          <a:schemeClr val="bg1"/>
+        </a:solidFill>
+        <a:effectLst/>
+      </p:bgPr>
+    </p:bg>
     <p:spTree>
       <p:nvGrpSpPr>
         <p:cNvPr id="1" name=""/>
@@ -43154,10 +43162,10 @@
       </p:grpSpPr>
       <p:sp>
         <p:nvSpPr>
-          <p:cNvPr id="49" name="Rectangle 48">
+          <p:cNvPr id="74" name="Rectangle 73">
             <a:extLst>
               <a:ext uri="{FF2B5EF4-FFF2-40B4-BE49-F238E27FC236}">
-                <a16:creationId xmlns:a16="http://schemas.microsoft.com/office/drawing/2014/main" id="{14BC3F7A-23AC-47BD-9139-D0ED188CE7B3}"/>
+                <a16:creationId xmlns:a16="http://schemas.microsoft.com/office/drawing/2014/main" id="{E53A7DF6-5C56-401F-B89F-7DE792C737A0}"/>
               </a:ext>
               <a:ext uri="{C183D7F6-B498-43B3-948B-1728B52AA6E4}">
                 <adec:decorative xmlns:adec="http://schemas.microsoft.com/office/drawing/2017/decorative" val="1"/>
@@ -43177,8 +43185,8 @@
         </p:nvSpPr>
         <p:spPr>
           <a:xfrm>
-            <a:off x="4651672" y="0"/>
-            <a:ext cx="7540328" cy="6857999"/>
+            <a:off x="6066502" y="0"/>
+            <a:ext cx="6125497" cy="6857999"/>
           </a:xfrm>
           <a:prstGeom prst="rect">
             <a:avLst/>
@@ -43188,15 +43196,6 @@
               <a:alphaModFix amt="60000"/>
               <a:lum bright="70000" contrast="-70000"/>
               <a:extLst>
-                <a:ext uri="{BEBA8EAE-BF5A-486C-A8C5-ECC9F3942E4B}">
-                  <a14:imgProps xmlns:a14="http://schemas.microsoft.com/office/drawing/2010/main">
-                    <a14:imgLayer r:embed="rId3">
-                      <a14:imgEffect>
-                        <a14:sharpenSoften amount="61000"/>
-                      </a14:imgEffect>
-                    </a14:imgLayer>
-                  </a14:imgProps>
-                </a:ext>
                 <a:ext uri="{28A0092B-C50C-407E-A947-70E740481C1C}">
                   <a14:useLocalDpi xmlns:a14="http://schemas.microsoft.com/office/drawing/2010/main" val="0"/>
                 </a:ext>
@@ -43246,8 +43245,8 @@
         </p:nvSpPr>
         <p:spPr>
           <a:xfrm>
-            <a:off x="4768770" y="-395044"/>
-            <a:ext cx="6730277" cy="1609344"/>
+            <a:off x="5919811" y="-118872"/>
+            <a:ext cx="5299586" cy="1609344"/>
           </a:xfrm>
           <a:ln>
             <a:noFill/>
@@ -43260,7 +43259,7 @@
           <a:lstStyle/>
           <a:p>
             <a:r>
-              <a:rPr lang="en-IN" sz="3200" b="1" dirty="0">
+              <a:rPr lang="en-IN" sz="4000" b="1" dirty="0">
                 <a:latin typeface="Times New Roman" panose="02020603050405020304" pitchFamily="18" charset="0"/>
                 <a:cs typeface="Times New Roman" panose="02020603050405020304" pitchFamily="18" charset="0"/>
               </a:rPr>
@@ -43269,9 +43268,38 @@
           </a:p>
         </p:txBody>
       </p:sp>
+      <p:pic>
+        <p:nvPicPr>
+          <p:cNvPr id="68" name="Picture 54" descr="Aerial view of a city skyline">
+            <a:extLst>
+              <a:ext uri="{FF2B5EF4-FFF2-40B4-BE49-F238E27FC236}">
+                <a16:creationId xmlns:a16="http://schemas.microsoft.com/office/drawing/2014/main" id="{C9C851BE-0938-7332-E835-54D24ACA01A9}"/>
+              </a:ext>
+            </a:extLst>
+          </p:cNvPr>
+          <p:cNvPicPr>
+            <a:picLocks noChangeAspect="1"/>
+          </p:cNvPicPr>
+          <p:nvPr/>
+        </p:nvPicPr>
+        <p:blipFill rotWithShape="1">
+          <a:blip r:embed="rId3"/>
+          <a:srcRect l="20759" r="21973" b="-1"/>
+          <a:stretch/>
+        </p:blipFill>
+        <p:spPr>
+          <a:xfrm>
+            <a:off x="633999" y="640080"/>
+            <a:ext cx="4794199" cy="5588101"/>
+          </a:xfrm>
+          <a:prstGeom prst="rect">
+            <a:avLst/>
+          </a:prstGeom>
+        </p:spPr>
+      </p:pic>
       <p:sp>
         <p:nvSpPr>
-          <p:cNvPr id="3" name="Content Placeholder 2"/>
+          <p:cNvPr id="69" name="Content Placeholder 2"/>
           <p:cNvSpPr>
             <a:spLocks noGrp="1"/>
           </p:cNvSpPr>
@@ -43281,40 +43309,27 @@
         </p:nvSpPr>
         <p:spPr>
           <a:xfrm>
-            <a:off x="4768770" y="856527"/>
-            <a:ext cx="6931615" cy="5315673"/>
+            <a:off x="5574888" y="995423"/>
+            <a:ext cx="6485931" cy="5176777"/>
           </a:xfrm>
         </p:spPr>
         <p:txBody>
           <a:bodyPr>
-            <a:normAutofit/>
+            <a:normAutofit fontScale="85000" lnSpcReduction="20000"/>
           </a:bodyPr>
           <a:lstStyle/>
           <a:p>
             <a:pPr marL="0" indent="0">
               <a:buNone/>
             </a:pPr>
-            <a:endParaRPr lang="en-IN" sz="800" dirty="0">
+            <a:endParaRPr lang="en-IN" sz="1300" dirty="0">
               <a:latin typeface="Times New Roman" panose="02020603050405020304" pitchFamily="18" charset="0"/>
               <a:cs typeface="Times New Roman" panose="02020603050405020304" pitchFamily="18" charset="0"/>
             </a:endParaRPr>
           </a:p>
           <a:p>
             <a:r>
-              <a:rPr lang="en-US" sz="1800" b="0" i="0" u="none" strike="noStrike" dirty="0">
-                <a:solidFill>
-                  <a:srgbClr val="967E96"/>
-                </a:solidFill>
-                <a:effectLst/>
-                <a:latin typeface="Calibri" panose="020F0502020204030204" pitchFamily="34" charset="0"/>
-              </a:rPr>
-              <a:t>§</a:t>
-            </a:r>
-            <a:r>
-              <a:rPr lang="en-US" sz="1800" b="0" i="0" u="none" strike="noStrike" dirty="0">
-                <a:solidFill>
-                  <a:srgbClr val="000000"/>
-                </a:solidFill>
+              <a:rPr lang="en-US" sz="2300" b="0" i="0" u="none" strike="noStrike" dirty="0">
                 <a:effectLst/>
                 <a:latin typeface="Calibri" panose="020F0502020204030204" pitchFamily="34" charset="0"/>
               </a:rPr>
@@ -43323,30 +43338,21 @@
           </a:p>
           <a:p>
             <a:r>
-              <a:rPr lang="en-US" sz="1800" b="0" i="0" u="none" strike="noStrike" dirty="0">
-                <a:solidFill>
-                  <a:srgbClr val="000000"/>
-                </a:solidFill>
+              <a:rPr lang="en-US" sz="2300" b="0" i="0" u="none" strike="noStrike" dirty="0">
                 <a:effectLst/>
                 <a:latin typeface="Calibri" panose="020F0502020204030204" pitchFamily="34" charset="0"/>
               </a:rPr>
               <a:t> It has been noted that the high frequency </a:t>
             </a:r>
             <a:r>
-              <a:rPr lang="en-US" sz="1800" b="0" i="0" u="none" strike="noStrike" dirty="0" err="1">
-                <a:solidFill>
-                  <a:srgbClr val="000000"/>
-                </a:solidFill>
+              <a:rPr lang="en-US" sz="2300" b="0" i="0" u="none" strike="noStrike" dirty="0" err="1">
                 <a:effectLst/>
                 <a:latin typeface="Calibri" panose="020F0502020204030204" pitchFamily="34" charset="0"/>
               </a:rPr>
               <a:t>WiFi</a:t>
             </a:r>
             <a:r>
-              <a:rPr lang="en-US" sz="1800" b="0" i="0" u="none" strike="noStrike" dirty="0">
-                <a:solidFill>
-                  <a:srgbClr val="000000"/>
-                </a:solidFill>
+              <a:rPr lang="en-US" sz="2300" b="0" i="0" u="none" strike="noStrike" dirty="0">
                 <a:effectLst/>
                 <a:latin typeface="Calibri" panose="020F0502020204030204" pitchFamily="34" charset="0"/>
               </a:rPr>
@@ -43355,10 +43361,7 @@
           </a:p>
           <a:p>
             <a:r>
-              <a:rPr lang="en-US" sz="1800" b="0" i="0" u="none" strike="noStrike" dirty="0">
-                <a:solidFill>
-                  <a:srgbClr val="000000"/>
-                </a:solidFill>
+              <a:rPr lang="en-US" sz="2300" b="0" i="0" u="none" strike="noStrike" dirty="0">
                 <a:effectLst/>
                 <a:latin typeface="Calibri" panose="020F0502020204030204" pitchFamily="34" charset="0"/>
               </a:rPr>
@@ -43367,10 +43370,7 @@
           </a:p>
           <a:p>
             <a:r>
-              <a:rPr lang="en-US" sz="1800" b="0" i="0" u="none" strike="noStrike" dirty="0">
-                <a:solidFill>
-                  <a:srgbClr val="000000"/>
-                </a:solidFill>
+              <a:rPr lang="en-US" sz="2300" b="0" i="0" u="none" strike="noStrike" dirty="0">
                 <a:effectLst/>
                 <a:latin typeface="Calibri" panose="020F0502020204030204" pitchFamily="34" charset="0"/>
               </a:rPr>
@@ -43379,22 +43379,22 @@
           </a:p>
           <a:p>
             <a:r>
-              <a:rPr lang="en-US" sz="1800" dirty="0">
+              <a:rPr lang="en-US" sz="2300" dirty="0">
                 <a:latin typeface="Calibri" panose="020F0502020204030204" pitchFamily="34" charset="0"/>
                 <a:cs typeface="Calibri" panose="020F0502020204030204" pitchFamily="34" charset="0"/>
               </a:rPr>
               <a:t>There are very clear and practical affordances of data over sound. From its seamless integration into existing hardware and frictionless connections, to its ability to work offline in even the most extreme environments, there's myriad potential use cases for data-over-sound</a:t>
             </a:r>
             <a:r>
-              <a:rPr lang="en-US" sz="1050" dirty="0"/>
+              <a:rPr lang="en-US" sz="2300" dirty="0"/>
               <a:t>.</a:t>
             </a:r>
           </a:p>
           <a:p>
-            <a:endParaRPr lang="en-US" sz="1050" dirty="0"/>
+            <a:endParaRPr lang="en-US" sz="1300" dirty="0"/>
           </a:p>
           <a:p>
-            <a:endParaRPr lang="en-IN" sz="800" dirty="0">
+            <a:endParaRPr lang="en-IN" sz="1300" dirty="0">
               <a:latin typeface="Times New Roman" panose="02020603050405020304" pitchFamily="18" charset="0"/>
               <a:cs typeface="Times New Roman" panose="02020603050405020304" pitchFamily="18" charset="0"/>
             </a:endParaRPr>
@@ -43413,7 +43413,7 @@
         </p:nvSpPr>
         <p:spPr>
           <a:xfrm>
-            <a:off x="4932558" y="6272784"/>
+            <a:off x="1088136" y="6272784"/>
             <a:ext cx="6327648" cy="365125"/>
           </a:xfrm>
         </p:spPr>
@@ -43437,10 +43437,10 @@
       </p:sp>
       <p:grpSp>
         <p:nvGrpSpPr>
-          <p:cNvPr id="51" name="Group 50">
+          <p:cNvPr id="76" name="Group 75">
             <a:extLst>
               <a:ext uri="{FF2B5EF4-FFF2-40B4-BE49-F238E27FC236}">
-                <a16:creationId xmlns:a16="http://schemas.microsoft.com/office/drawing/2014/main" id="{454A6ACB-54FF-44BC-B34D-9CF96DDE4C88}"/>
+                <a16:creationId xmlns:a16="http://schemas.microsoft.com/office/drawing/2014/main" id="{0B369065-5B4F-4793-95A5-86951A1A25A1}"/>
               </a:ext>
               <a:ext uri="{C183D7F6-B498-43B3-948B-1728B52AA6E4}">
                 <adec:decorative xmlns:adec="http://schemas.microsoft.com/office/drawing/2017/decorative" val="1"/>
@@ -43468,10 +43468,10 @@
         </p:grpSpPr>
         <p:sp>
           <p:nvSpPr>
-            <p:cNvPr id="52" name="Oval 51">
+            <p:cNvPr id="77" name="Oval 76">
               <a:extLst>
                 <a:ext uri="{FF2B5EF4-FFF2-40B4-BE49-F238E27FC236}">
-                  <a16:creationId xmlns:a16="http://schemas.microsoft.com/office/drawing/2014/main" id="{9FAED6AC-6318-487B-BA63-219A94BF5422}"/>
+                  <a16:creationId xmlns:a16="http://schemas.microsoft.com/office/drawing/2014/main" id="{83037A8F-4243-42B1-8C5E-4824EC32E6C4}"/>
                 </a:ext>
                 <a:ext uri="{C183D7F6-B498-43B3-948B-1728B52AA6E4}">
                   <adec:decorative xmlns:adec="http://schemas.microsoft.com/office/drawing/2017/decorative" val="1"/>
@@ -43554,10 +43554,10 @@
         </p:sp>
         <p:sp>
           <p:nvSpPr>
-            <p:cNvPr id="53" name="Oval 52">
+            <p:cNvPr id="78" name="Oval 77">
               <a:extLst>
                 <a:ext uri="{FF2B5EF4-FFF2-40B4-BE49-F238E27FC236}">
-                  <a16:creationId xmlns:a16="http://schemas.microsoft.com/office/drawing/2014/main" id="{AD7E0217-8C8E-44A9-9E1A-4BC08FDB70E0}"/>
+                  <a16:creationId xmlns:a16="http://schemas.microsoft.com/office/drawing/2014/main" id="{A45DBFBC-F1FA-4709-9073-6D01CDE6C694}"/>
                 </a:ext>
                 <a:ext uri="{C183D7F6-B498-43B3-948B-1728B52AA6E4}">
                   <adec:decorative xmlns:adec="http://schemas.microsoft.com/office/drawing/2017/decorative" val="1"/>
@@ -43913,7 +43913,7 @@
         </p:nvSpPr>
         <p:spPr>
           <a:xfrm>
-            <a:off x="715672" y="3225010"/>
+            <a:off x="685153" y="3458634"/>
             <a:ext cx="10853009" cy="2936382"/>
           </a:xfrm>
         </p:spPr>
@@ -43924,8 +43924,48 @@
           <a:lstStyle/>
           <a:p>
             <a:pPr algn="ctr"/>
+            <a:br>
+              <a:rPr lang="en-US" sz="1600" b="1" kern="1200" dirty="0">
+                <a:solidFill>
+                  <a:schemeClr val="tx1"/>
+                </a:solidFill>
+                <a:latin typeface="+mj-lt"/>
+                <a:ea typeface="+mj-ea"/>
+                <a:cs typeface="+mj-cs"/>
+              </a:rPr>
+            </a:br>
+            <a:br>
+              <a:rPr lang="en-US" sz="1600" b="1" kern="1200" dirty="0">
+                <a:solidFill>
+                  <a:schemeClr val="tx1"/>
+                </a:solidFill>
+                <a:latin typeface="+mj-lt"/>
+                <a:ea typeface="+mj-ea"/>
+                <a:cs typeface="+mj-cs"/>
+              </a:rPr>
+            </a:br>
+            <a:br>
+              <a:rPr lang="en-US" sz="1600" b="1" kern="1200" dirty="0">
+                <a:solidFill>
+                  <a:schemeClr val="tx1"/>
+                </a:solidFill>
+                <a:latin typeface="+mj-lt"/>
+                <a:ea typeface="+mj-ea"/>
+                <a:cs typeface="+mj-cs"/>
+              </a:rPr>
+            </a:br>
+            <a:br>
+              <a:rPr lang="en-US" sz="1600" b="1" kern="1200" dirty="0">
+                <a:solidFill>
+                  <a:schemeClr val="tx1"/>
+                </a:solidFill>
+                <a:latin typeface="+mj-lt"/>
+                <a:ea typeface="+mj-ea"/>
+                <a:cs typeface="+mj-cs"/>
+              </a:rPr>
+            </a:br>
             <a:r>
-              <a:rPr lang="en-US" sz="1400" b="1" kern="1200" dirty="0">
+              <a:rPr lang="en-US" sz="1600" b="1" kern="1200" dirty="0">
                 <a:solidFill>
                   <a:schemeClr val="tx1"/>
                 </a:solidFill>
@@ -43936,27 +43976,27 @@
               <a:t>We try to propose a new network architecture that is devoid of pairing, connecting like </a:t>
             </a:r>
             <a:r>
-              <a:rPr lang="en-US" sz="1400" b="1" dirty="0"/>
+              <a:rPr lang="en-US" sz="1600" b="1" dirty="0"/>
               <a:t>Bluetooth, </a:t>
             </a:r>
             <a:r>
-              <a:rPr lang="en-US" sz="1400" b="1" dirty="0" err="1"/>
+              <a:rPr lang="en-US" sz="1600" b="1" dirty="0" err="1"/>
               <a:t>wifi</a:t>
             </a:r>
             <a:r>
-              <a:rPr lang="en-US" sz="1400" b="1" dirty="0"/>
+              <a:rPr lang="en-US" sz="1600" b="1" dirty="0"/>
               <a:t> </a:t>
             </a:r>
             <a:r>
-              <a:rPr lang="en-US" sz="1400" b="1" dirty="0" err="1"/>
+              <a:rPr lang="en-US" sz="1600" b="1" dirty="0" err="1"/>
               <a:t>etc</a:t>
             </a:r>
             <a:r>
-              <a:rPr lang="en-US" sz="1400" b="1" dirty="0"/>
+              <a:rPr lang="en-US" sz="1600" b="1" dirty="0"/>
               <a:t> and is </a:t>
             </a:r>
             <a:r>
-              <a:rPr lang="en-US" sz="1400" b="1" kern="1200" dirty="0">
+              <a:rPr lang="en-US" sz="1600" b="1" kern="1200" dirty="0">
                 <a:solidFill>
                   <a:schemeClr val="tx1"/>
                 </a:solidFill>
@@ -43967,7 +44007,7 @@
               <a:t>designed to work with the low frequency, ubiquitous signals such as sound. The architecture can work in peer-to-peer ad-hoc networks mode, infrastructure mode, broadcast mode (for remote telemetry) etc. using wideband multi-channel transmission</a:t>
             </a:r>
             <a:br>
-              <a:rPr lang="en-US" sz="1400" b="1" kern="1200" dirty="0">
+              <a:rPr lang="en-US" sz="1600" b="1" kern="1200" dirty="0">
                 <a:solidFill>
                   <a:schemeClr val="tx1"/>
                 </a:solidFill>
@@ -43977,7 +44017,7 @@
               </a:rPr>
             </a:br>
             <a:br>
-              <a:rPr lang="en-US" sz="1400" b="1" kern="1200" dirty="0">
+              <a:rPr lang="en-US" sz="1600" b="1" kern="1200" dirty="0">
                 <a:solidFill>
                   <a:schemeClr val="tx1"/>
                 </a:solidFill>
@@ -43987,38 +44027,7 @@
               </a:rPr>
             </a:br>
             <a:r>
-              <a:rPr lang="en-US" sz="1400" b="1" kern="1200" dirty="0">
-                <a:solidFill>
-                  <a:schemeClr val="tx1"/>
-                </a:solidFill>
-                <a:latin typeface="+mj-lt"/>
-                <a:ea typeface="+mj-ea"/>
-                <a:cs typeface="+mj-cs"/>
-              </a:rPr>
-              <a:t>Using an ubiquitous signal such as sound makes the entire process very cost effective as it eliminates the need of expensive transceivers. </a:t>
-            </a:r>
-            <a:br>
-              <a:rPr lang="en-US" sz="1400" b="1" kern="1200" dirty="0">
-                <a:solidFill>
-                  <a:schemeClr val="tx1"/>
-                </a:solidFill>
-                <a:latin typeface="+mj-lt"/>
-                <a:ea typeface="+mj-ea"/>
-                <a:cs typeface="+mj-cs"/>
-              </a:rPr>
-            </a:br>
-            <a:br>
-              <a:rPr lang="en-US" sz="1400" b="1" kern="1200" dirty="0">
-                <a:solidFill>
-                  <a:schemeClr val="tx1"/>
-                </a:solidFill>
-                <a:latin typeface="+mj-lt"/>
-                <a:ea typeface="+mj-ea"/>
-                <a:cs typeface="+mj-cs"/>
-              </a:rPr>
-            </a:br>
-            <a:r>
-              <a:rPr lang="en-US" sz="1400" b="1" kern="1200" dirty="0">
+              <a:rPr lang="en-US" sz="1600" b="1" kern="1200" dirty="0">
                 <a:solidFill>
                   <a:schemeClr val="tx1"/>
                 </a:solidFill>
@@ -44029,7 +44038,7 @@
               <a:t>The rural environment does not have these financial resources, and with some added technological limitations that makes it almost impossible to adopt the urban technologies leaves this front struggling to establish basic minimal connectivity. </a:t>
             </a:r>
             <a:br>
-              <a:rPr lang="en-US" sz="1400" b="1" kern="1200" dirty="0">
+              <a:rPr lang="en-US" sz="1600" b="1" kern="1200" dirty="0">
                 <a:solidFill>
                   <a:schemeClr val="tx1"/>
                 </a:solidFill>
@@ -44039,7 +44048,7 @@
               </a:rPr>
             </a:br>
             <a:br>
-              <a:rPr lang="en-US" sz="1400" b="1" kern="1200" dirty="0">
+              <a:rPr lang="en-US" sz="1600" b="1" kern="1200" dirty="0">
                 <a:solidFill>
                   <a:schemeClr val="tx1"/>
                 </a:solidFill>
@@ -44049,7 +44058,7 @@
               </a:rPr>
             </a:br>
             <a:r>
-              <a:rPr lang="en-US" sz="1400" b="1" kern="1200" dirty="0">
+              <a:rPr lang="en-US" sz="1600" b="1" kern="1200" dirty="0">
                 <a:solidFill>
                   <a:schemeClr val="tx1"/>
                 </a:solidFill>
@@ -44060,7 +44069,7 @@
               <a:t>The terrain and sparse user base of the jungle type of environment makes it extremely ineffective to set up wired infrastructure for network connectivity and hence the better option in terms of cost effectiveness and reach is using wireless. However, the dense growth of bushes drastically reduces the range of high frequency RF signals used by </a:t>
             </a:r>
             <a:r>
-              <a:rPr lang="en-US" sz="1400" b="1" kern="1200" dirty="0" err="1">
+              <a:rPr lang="en-US" sz="1600" b="1" kern="1200" dirty="0" err="1">
                 <a:solidFill>
                   <a:schemeClr val="tx1"/>
                 </a:solidFill>
@@ -44071,7 +44080,7 @@
               <a:t>WiFi</a:t>
             </a:r>
             <a:r>
-              <a:rPr lang="en-US" sz="1400" b="1" kern="1200" dirty="0">
+              <a:rPr lang="en-US" sz="1600" b="1" kern="1200" dirty="0">
                 <a:solidFill>
                   <a:schemeClr val="tx1"/>
                 </a:solidFill>
@@ -44082,7 +44091,7 @@
               <a:t>, 3G etc. </a:t>
             </a:r>
             <a:br>
-              <a:rPr lang="en-US" sz="1400" b="1" kern="1200" dirty="0">
+              <a:rPr lang="en-US" sz="1600" b="1" kern="1200" dirty="0">
                 <a:solidFill>
                   <a:schemeClr val="tx1"/>
                 </a:solidFill>
@@ -44092,7 +44101,7 @@
               </a:rPr>
             </a:br>
             <a:br>
-              <a:rPr lang="en-US" sz="1400" b="1" kern="1200" dirty="0">
+              <a:rPr lang="en-US" sz="1600" b="1" kern="1200" dirty="0">
                 <a:solidFill>
                   <a:schemeClr val="tx1"/>
                 </a:solidFill>
@@ -44102,7 +44111,7 @@
               </a:rPr>
             </a:br>
             <a:r>
-              <a:rPr lang="en-US" sz="1400" b="1" kern="1200" dirty="0">
+              <a:rPr lang="en-US" sz="1600" b="1" kern="1200" dirty="0">
                 <a:solidFill>
                   <a:schemeClr val="tx1"/>
                 </a:solidFill>
@@ -44113,7 +44122,7 @@
               <a:t>These are also high energy signals, greatly depreciating the usability as the terrains pose serious limitations to the rages of these signals. It is therefore desirous to have a low energy, low frequency, ubiquitous signal. </a:t>
             </a:r>
             <a:br>
-              <a:rPr lang="en-US" sz="1400" b="1" kern="1200" dirty="0">
+              <a:rPr lang="en-US" sz="1600" b="1" kern="1200" dirty="0">
                 <a:solidFill>
                   <a:schemeClr val="tx1"/>
                 </a:solidFill>
@@ -44123,7 +44132,7 @@
               </a:rPr>
             </a:br>
             <a:br>
-              <a:rPr lang="en-US" sz="1400" b="1" kern="1200" dirty="0">
+              <a:rPr lang="en-US" sz="1600" b="1" kern="1200" dirty="0">
                 <a:solidFill>
                   <a:schemeClr val="tx1"/>
                 </a:solidFill>
@@ -44133,7 +44142,7 @@
               </a:rPr>
             </a:br>
             <a:r>
-              <a:rPr lang="en-US" sz="1400" b="1" kern="1200" dirty="0">
+              <a:rPr lang="en-US" sz="1600" b="1" kern="1200" dirty="0">
                 <a:solidFill>
                   <a:schemeClr val="tx1"/>
                 </a:solidFill>
@@ -44144,7 +44153,7 @@
               <a:t>High volumes of data can be communicated through data transmission systems such as a local or wide area network (for example, the Internet), a terrestrial communication system or a satellite communication system. These systems require complicated hardware and/or software and are designed for high data rates and/or long transmission ranges. For transfers of data at close proximity or short distances, such as between a personal computer and personal data assistants (PDAs), the systems above may be an inconvenient communication medium for users because of the complexity, delay and often the cost involved in accessing the systems.</a:t>
             </a:r>
             <a:br>
-              <a:rPr lang="en-US" sz="1400" b="1" kern="1200" dirty="0">
+              <a:rPr lang="en-US" sz="1600" b="1" kern="1200" dirty="0">
                 <a:solidFill>
                   <a:schemeClr val="tx1"/>
                 </a:solidFill>
@@ -44154,7 +44163,7 @@
               </a:rPr>
             </a:br>
             <a:br>
-              <a:rPr lang="en-US" sz="1400" b="1" kern="1200" dirty="0">
+              <a:rPr lang="en-US" sz="1600" b="1" kern="1200" dirty="0">
                 <a:solidFill>
                   <a:schemeClr val="tx1"/>
                 </a:solidFill>
@@ -44164,7 +44173,7 @@
               </a:rPr>
             </a:br>
             <a:br>
-              <a:rPr lang="en-US" sz="1400" b="1" kern="1200" dirty="0">
+              <a:rPr lang="en-US" sz="1600" b="1" kern="1200" dirty="0">
                 <a:solidFill>
                   <a:schemeClr val="tx1"/>
                 </a:solidFill>
@@ -44174,7 +44183,7 @@
               </a:rPr>
             </a:br>
             <a:r>
-              <a:rPr lang="en-US" sz="1400" b="1" kern="1200" dirty="0">
+              <a:rPr lang="en-US" sz="1600" b="1" kern="1200" dirty="0">
                 <a:solidFill>
                   <a:schemeClr val="tx1"/>
                 </a:solidFill>
@@ -44185,7 +44194,7 @@
               <a:t>The ubiquity of sound also leaves us open to handle a lot of “noise” as well. The previous studies have analyzed and proven that sound can be used as a carrier signal for wireless data communication, studied the noise profiles in various environment to gather idea on efficient signal-to-noise ratios and to aid identification of appropriate channels for communication, and a survey to identify sound perception of various frequencies by humans so that the channel used for data transmission causes minimal intrusion to the environment of use.</a:t>
             </a:r>
             <a:br>
-              <a:rPr lang="en-US" sz="1400" b="1" kern="1200" dirty="0">
+              <a:rPr lang="en-US" sz="1600" b="1" kern="1200" dirty="0">
                 <a:solidFill>
                   <a:schemeClr val="tx1"/>
                 </a:solidFill>
@@ -44195,7 +44204,7 @@
               </a:rPr>
             </a:br>
             <a:br>
-              <a:rPr lang="en-US" sz="1400" b="1" kern="1200" dirty="0">
+              <a:rPr lang="en-US" sz="1600" b="1" kern="1200" dirty="0">
                 <a:solidFill>
                   <a:schemeClr val="tx1"/>
                 </a:solidFill>
@@ -44205,7 +44214,7 @@
               </a:rPr>
             </a:br>
             <a:r>
-              <a:rPr lang="en-US" sz="1400" b="1" kern="1200" dirty="0">
+              <a:rPr lang="en-US" sz="1600" b="1" kern="1200" dirty="0">
                 <a:solidFill>
                   <a:schemeClr val="tx1"/>
                 </a:solidFill>

--- a/W.A.D.I.T.O.H.T .pptx
+++ b/W.A.D.I.T.O.H.T .pptx
@@ -43913,7 +43913,7 @@
         </p:nvSpPr>
         <p:spPr>
           <a:xfrm>
-            <a:off x="685153" y="3458634"/>
+            <a:off x="633932" y="3820265"/>
             <a:ext cx="10853009" cy="2936382"/>
           </a:xfrm>
         </p:spPr>
@@ -43924,75 +43924,45 @@
           <a:lstStyle/>
           <a:p>
             <a:pPr algn="ctr"/>
-            <a:br>
-              <a:rPr lang="en-US" sz="1600" b="1" kern="1200" dirty="0">
-                <a:solidFill>
-                  <a:schemeClr val="tx1"/>
-                </a:solidFill>
-                <a:latin typeface="+mj-lt"/>
-                <a:ea typeface="+mj-ea"/>
-                <a:cs typeface="+mj-cs"/>
-              </a:rPr>
-            </a:br>
-            <a:br>
-              <a:rPr lang="en-US" sz="1600" b="1" kern="1200" dirty="0">
-                <a:solidFill>
-                  <a:schemeClr val="tx1"/>
-                </a:solidFill>
-                <a:latin typeface="+mj-lt"/>
-                <a:ea typeface="+mj-ea"/>
-                <a:cs typeface="+mj-cs"/>
-              </a:rPr>
-            </a:br>
-            <a:br>
-              <a:rPr lang="en-US" sz="1600" b="1" kern="1200" dirty="0">
-                <a:solidFill>
-                  <a:schemeClr val="tx1"/>
-                </a:solidFill>
-                <a:latin typeface="+mj-lt"/>
-                <a:ea typeface="+mj-ea"/>
-                <a:cs typeface="+mj-cs"/>
-              </a:rPr>
-            </a:br>
-            <a:br>
-              <a:rPr lang="en-US" sz="1600" b="1" kern="1200" dirty="0">
-                <a:solidFill>
-                  <a:schemeClr val="tx1"/>
-                </a:solidFill>
-                <a:latin typeface="+mj-lt"/>
-                <a:ea typeface="+mj-ea"/>
-                <a:cs typeface="+mj-cs"/>
-              </a:rPr>
-            </a:br>
             <a:r>
               <a:rPr lang="en-US" sz="1600" b="1" kern="1200" dirty="0">
                 <a:solidFill>
                   <a:schemeClr val="tx1"/>
                 </a:solidFill>
-                <a:latin typeface="+mj-lt"/>
+                <a:latin typeface="+mn-lt"/>
                 <a:ea typeface="+mj-ea"/>
                 <a:cs typeface="+mj-cs"/>
               </a:rPr>
               <a:t>We try to propose a new network architecture that is devoid of pairing, connecting like </a:t>
             </a:r>
             <a:r>
-              <a:rPr lang="en-US" sz="1600" b="1" dirty="0"/>
+              <a:rPr lang="en-US" sz="1600" b="1" dirty="0">
+                <a:latin typeface="+mn-lt"/>
+              </a:rPr>
               <a:t>Bluetooth, </a:t>
             </a:r>
             <a:r>
-              <a:rPr lang="en-US" sz="1600" b="1" dirty="0" err="1"/>
+              <a:rPr lang="en-US" sz="1600" b="1" dirty="0" err="1">
+                <a:latin typeface="+mn-lt"/>
+              </a:rPr>
               <a:t>wifi</a:t>
             </a:r>
             <a:r>
-              <a:rPr lang="en-US" sz="1600" b="1" dirty="0"/>
+              <a:rPr lang="en-US" sz="1600" b="1" dirty="0">
+                <a:latin typeface="+mn-lt"/>
+              </a:rPr>
               <a:t> </a:t>
             </a:r>
             <a:r>
-              <a:rPr lang="en-US" sz="1600" b="1" dirty="0" err="1"/>
+              <a:rPr lang="en-US" sz="1600" b="1" dirty="0" err="1">
+                <a:latin typeface="+mn-lt"/>
+              </a:rPr>
               <a:t>etc</a:t>
             </a:r>
             <a:r>
-              <a:rPr lang="en-US" sz="1600" b="1" dirty="0"/>
+              <a:rPr lang="en-US" sz="1600" b="1" dirty="0">
+                <a:latin typeface="+mn-lt"/>
+              </a:rPr>
               <a:t> and is </a:t>
             </a:r>
             <a:r>
@@ -44000,7 +43970,7 @@
                 <a:solidFill>
                   <a:schemeClr val="tx1"/>
                 </a:solidFill>
-                <a:latin typeface="+mj-lt"/>
+                <a:latin typeface="+mn-lt"/>
                 <a:ea typeface="+mj-ea"/>
                 <a:cs typeface="+mj-cs"/>
               </a:rPr>
@@ -44011,7 +43981,7 @@
                 <a:solidFill>
                   <a:schemeClr val="tx1"/>
                 </a:solidFill>
-                <a:latin typeface="+mj-lt"/>
+                <a:latin typeface="+mn-lt"/>
                 <a:ea typeface="+mj-ea"/>
                 <a:cs typeface="+mj-cs"/>
               </a:rPr>
@@ -44021,7 +43991,7 @@
                 <a:solidFill>
                   <a:schemeClr val="tx1"/>
                 </a:solidFill>
-                <a:latin typeface="+mj-lt"/>
+                <a:latin typeface="+mn-lt"/>
                 <a:ea typeface="+mj-ea"/>
                 <a:cs typeface="+mj-cs"/>
               </a:rPr>
@@ -44031,7 +44001,7 @@
                 <a:solidFill>
                   <a:schemeClr val="tx1"/>
                 </a:solidFill>
-                <a:latin typeface="+mj-lt"/>
+                <a:latin typeface="+mn-lt"/>
                 <a:ea typeface="+mj-ea"/>
                 <a:cs typeface="+mj-cs"/>
               </a:rPr>
@@ -44042,7 +44012,7 @@
                 <a:solidFill>
                   <a:schemeClr val="tx1"/>
                 </a:solidFill>
-                <a:latin typeface="+mj-lt"/>
+                <a:latin typeface="+mn-lt"/>
                 <a:ea typeface="+mj-ea"/>
                 <a:cs typeface="+mj-cs"/>
               </a:rPr>
@@ -44052,7 +44022,7 @@
                 <a:solidFill>
                   <a:schemeClr val="tx1"/>
                 </a:solidFill>
-                <a:latin typeface="+mj-lt"/>
+                <a:latin typeface="+mn-lt"/>
                 <a:ea typeface="+mj-ea"/>
                 <a:cs typeface="+mj-cs"/>
               </a:rPr>
@@ -44062,7 +44032,7 @@
                 <a:solidFill>
                   <a:schemeClr val="tx1"/>
                 </a:solidFill>
-                <a:latin typeface="+mj-lt"/>
+                <a:latin typeface="+mn-lt"/>
                 <a:ea typeface="+mj-ea"/>
                 <a:cs typeface="+mj-cs"/>
               </a:rPr>
@@ -44073,7 +44043,7 @@
                 <a:solidFill>
                   <a:schemeClr val="tx1"/>
                 </a:solidFill>
-                <a:latin typeface="+mj-lt"/>
+                <a:latin typeface="+mn-lt"/>
                 <a:ea typeface="+mj-ea"/>
                 <a:cs typeface="+mj-cs"/>
               </a:rPr>
@@ -44084,7 +44054,7 @@
                 <a:solidFill>
                   <a:schemeClr val="tx1"/>
                 </a:solidFill>
-                <a:latin typeface="+mj-lt"/>
+                <a:latin typeface="+mn-lt"/>
                 <a:ea typeface="+mj-ea"/>
                 <a:cs typeface="+mj-cs"/>
               </a:rPr>
@@ -44095,7 +44065,7 @@
                 <a:solidFill>
                   <a:schemeClr val="tx1"/>
                 </a:solidFill>
-                <a:latin typeface="+mj-lt"/>
+                <a:latin typeface="+mn-lt"/>
                 <a:ea typeface="+mj-ea"/>
                 <a:cs typeface="+mj-cs"/>
               </a:rPr>
@@ -44105,7 +44075,7 @@
                 <a:solidFill>
                   <a:schemeClr val="tx1"/>
                 </a:solidFill>
-                <a:latin typeface="+mj-lt"/>
+                <a:latin typeface="+mn-lt"/>
                 <a:ea typeface="+mj-ea"/>
                 <a:cs typeface="+mj-cs"/>
               </a:rPr>
@@ -44115,7 +44085,7 @@
                 <a:solidFill>
                   <a:schemeClr val="tx1"/>
                 </a:solidFill>
-                <a:latin typeface="+mj-lt"/>
+                <a:latin typeface="+mn-lt"/>
                 <a:ea typeface="+mj-ea"/>
                 <a:cs typeface="+mj-cs"/>
               </a:rPr>
@@ -44126,7 +44096,7 @@
                 <a:solidFill>
                   <a:schemeClr val="tx1"/>
                 </a:solidFill>
-                <a:latin typeface="+mj-lt"/>
+                <a:latin typeface="+mn-lt"/>
                 <a:ea typeface="+mj-ea"/>
                 <a:cs typeface="+mj-cs"/>
               </a:rPr>
@@ -44136,7 +44106,7 @@
                 <a:solidFill>
                   <a:schemeClr val="tx1"/>
                 </a:solidFill>
-                <a:latin typeface="+mj-lt"/>
+                <a:latin typeface="+mn-lt"/>
                 <a:ea typeface="+mj-ea"/>
                 <a:cs typeface="+mj-cs"/>
               </a:rPr>
@@ -44146,40 +44116,20 @@
                 <a:solidFill>
                   <a:schemeClr val="tx1"/>
                 </a:solidFill>
-                <a:latin typeface="+mj-lt"/>
+                <a:latin typeface="+mn-lt"/>
                 <a:ea typeface="+mj-ea"/>
                 <a:cs typeface="+mj-cs"/>
               </a:rPr>
               <a:t>High volumes of data can be communicated through data transmission systems such as a local or wide area network (for example, the Internet), a terrestrial communication system or a satellite communication system. These systems require complicated hardware and/or software and are designed for high data rates and/or long transmission ranges. For transfers of data at close proximity or short distances, such as between a personal computer and personal data assistants (PDAs), the systems above may be an inconvenient communication medium for users because of the complexity, delay and often the cost involved in accessing the systems.</a:t>
             </a:r>
             <a:br>
-              <a:rPr lang="en-US" sz="1600" b="1" kern="1200" dirty="0">
-                <a:solidFill>
-                  <a:schemeClr val="tx1"/>
-                </a:solidFill>
-                <a:latin typeface="+mj-lt"/>
-                <a:ea typeface="+mj-ea"/>
-                <a:cs typeface="+mj-cs"/>
+              <a:rPr lang="en-US" sz="1600" b="1" dirty="0">
+                <a:latin typeface="+mn-lt"/>
               </a:rPr>
             </a:br>
             <a:br>
-              <a:rPr lang="en-US" sz="1600" b="1" kern="1200" dirty="0">
-                <a:solidFill>
-                  <a:schemeClr val="tx1"/>
-                </a:solidFill>
-                <a:latin typeface="+mj-lt"/>
-                <a:ea typeface="+mj-ea"/>
-                <a:cs typeface="+mj-cs"/>
-              </a:rPr>
-            </a:br>
-            <a:br>
-              <a:rPr lang="en-US" sz="1600" b="1" kern="1200" dirty="0">
-                <a:solidFill>
-                  <a:schemeClr val="tx1"/>
-                </a:solidFill>
-                <a:latin typeface="+mj-lt"/>
-                <a:ea typeface="+mj-ea"/>
-                <a:cs typeface="+mj-cs"/>
+              <a:rPr lang="en-US" sz="1600" b="1" dirty="0">
+                <a:latin typeface="+mn-lt"/>
               </a:rPr>
             </a:br>
             <a:r>
@@ -44187,7 +44137,7 @@
                 <a:solidFill>
                   <a:schemeClr val="tx1"/>
                 </a:solidFill>
-                <a:latin typeface="+mj-lt"/>
+                <a:latin typeface="+mn-lt"/>
                 <a:ea typeface="+mj-ea"/>
                 <a:cs typeface="+mj-cs"/>
               </a:rPr>
@@ -44198,7 +44148,7 @@
                 <a:solidFill>
                   <a:schemeClr val="tx1"/>
                 </a:solidFill>
-                <a:latin typeface="+mj-lt"/>
+                <a:latin typeface="+mn-lt"/>
                 <a:ea typeface="+mj-ea"/>
                 <a:cs typeface="+mj-cs"/>
               </a:rPr>
@@ -44208,7 +44158,7 @@
                 <a:solidFill>
                   <a:schemeClr val="tx1"/>
                 </a:solidFill>
-                <a:latin typeface="+mj-lt"/>
+                <a:latin typeface="+mn-lt"/>
                 <a:ea typeface="+mj-ea"/>
                 <a:cs typeface="+mj-cs"/>
               </a:rPr>
@@ -44218,11 +44168,25 @@
                 <a:solidFill>
                   <a:schemeClr val="tx1"/>
                 </a:solidFill>
-                <a:latin typeface="+mj-lt"/>
+                <a:highlight>
+                  <a:srgbClr val="FFFF00"/>
+                </a:highlight>
+                <a:latin typeface="+mn-lt"/>
                 <a:ea typeface="+mj-ea"/>
                 <a:cs typeface="+mj-cs"/>
               </a:rPr>
-              <a:t>Our architecture proposes signal (sound), as a technology to send data and have made it easier and faster to share and/or transfer information. </a:t>
+              <a:t>Our architecture proposes signal (sound), as a technology to send data and have made it easier and faster to share and/or transfer information</a:t>
+            </a:r>
+            <a:r>
+              <a:rPr lang="en-US" sz="1600" b="1" kern="1200" dirty="0">
+                <a:solidFill>
+                  <a:schemeClr val="tx1"/>
+                </a:solidFill>
+                <a:latin typeface="+mn-lt"/>
+                <a:ea typeface="+mj-ea"/>
+                <a:cs typeface="+mj-cs"/>
+              </a:rPr>
+              <a:t>. </a:t>
             </a:r>
           </a:p>
         </p:txBody>
@@ -48399,14 +48363,14 @@
           <p:nvPr>
             <p:extLst>
               <p:ext uri="{D42A27DB-BD31-4B8C-83A1-F6EECF244321}">
-                <p14:modId xmlns:p14="http://schemas.microsoft.com/office/powerpoint/2010/main" val="1043387742"/>
+                <p14:modId xmlns:p14="http://schemas.microsoft.com/office/powerpoint/2010/main" val="161240996"/>
               </p:ext>
             </p:extLst>
           </p:nvPr>
         </p:nvGraphicFramePr>
         <p:xfrm>
-          <a:off x="14629" y="684855"/>
-          <a:ext cx="8944545" cy="8839009"/>
+          <a:off x="28453" y="220091"/>
+          <a:ext cx="8944545" cy="8199857"/>
         </p:xfrm>
         <a:graphic>
           <a:graphicData uri="http://schemas.openxmlformats.org/drawingml/2006/table">
@@ -48451,7 +48415,7 @@
                   </a:extLst>
                 </a:gridCol>
               </a:tblGrid>
-              <a:tr h="601567">
+              <a:tr h="448751">
                 <a:tc>
                   <a:txBody>
                     <a:bodyPr/>
@@ -48609,7 +48573,7 @@
                   </a:ext>
                 </a:extLst>
               </a:tr>
-              <a:tr h="0">
+              <a:tr h="693902">
                 <a:tc>
                   <a:txBody>
                     <a:bodyPr/>
@@ -48719,7 +48683,7 @@
                   </a:ext>
                 </a:extLst>
               </a:tr>
-              <a:tr h="0">
+              <a:tr h="1477339">
                 <a:tc>
                   <a:txBody>
                     <a:bodyPr/>
@@ -48938,7 +48902,7 @@
                   </a:ext>
                 </a:extLst>
               </a:tr>
-              <a:tr h="601567">
+              <a:tr h="2489591">
                 <a:tc>
                   <a:txBody>
                     <a:bodyPr/>
@@ -49081,7 +49045,7 @@
                   </a:ext>
                 </a:extLst>
               </a:tr>
-              <a:tr h="601567">
+              <a:tr h="441779">
                 <a:tc>
                   <a:txBody>
                     <a:bodyPr/>
@@ -49110,7 +49074,7 @@
                     <a:bodyPr/>
                     <a:lstStyle/>
                     <a:p>
-                      <a:endParaRPr lang="en-IN"/>
+                      <a:endParaRPr lang="en-IN" dirty="0"/>
                     </a:p>
                   </a:txBody>
                   <a:tcPr/>
@@ -49141,7 +49105,7 @@
                   </a:ext>
                 </a:extLst>
               </a:tr>
-              <a:tr h="601567">
+              <a:tr h="441779">
                 <a:tc>
                   <a:txBody>
                     <a:bodyPr/>
@@ -49201,7 +49165,7 @@
                   </a:ext>
                 </a:extLst>
               </a:tr>
-              <a:tr h="601567">
+              <a:tr h="441779">
                 <a:tc>
                   <a:txBody>
                     <a:bodyPr/>
@@ -49261,7 +49225,7 @@
                   </a:ext>
                 </a:extLst>
               </a:tr>
-              <a:tr h="601567">
+              <a:tr h="441779">
                 <a:tc>
                   <a:txBody>
                     <a:bodyPr/>
@@ -49290,7 +49254,7 @@
                     <a:bodyPr/>
                     <a:lstStyle/>
                     <a:p>
-                      <a:endParaRPr lang="en-IN"/>
+                      <a:endParaRPr lang="en-IN" dirty="0"/>
                     </a:p>
                   </a:txBody>
                   <a:tcPr/>

--- a/W.A.D.I.T.O.H.T .pptx
+++ b/W.A.D.I.T.O.H.T .pptx
@@ -7,10 +7,10 @@
     <p:sldMasterId id="2147483783" r:id="rId3"/>
   </p:sldMasterIdLst>
   <p:notesMasterIdLst>
-    <p:notesMasterId r:id="rId21"/>
+    <p:notesMasterId r:id="rId22"/>
   </p:notesMasterIdLst>
   <p:handoutMasterIdLst>
-    <p:handoutMasterId r:id="rId22"/>
+    <p:handoutMasterId r:id="rId23"/>
   </p:handoutMasterIdLst>
   <p:sldIdLst>
     <p:sldId id="257" r:id="rId4"/>
@@ -20,16 +20,17 @@
     <p:sldId id="476" r:id="rId8"/>
     <p:sldId id="489" r:id="rId9"/>
     <p:sldId id="481" r:id="rId10"/>
-    <p:sldId id="494" r:id="rId11"/>
-    <p:sldId id="493" r:id="rId12"/>
-    <p:sldId id="477" r:id="rId13"/>
-    <p:sldId id="478" r:id="rId14"/>
-    <p:sldId id="482" r:id="rId15"/>
-    <p:sldId id="484" r:id="rId16"/>
-    <p:sldId id="490" r:id="rId17"/>
-    <p:sldId id="259" r:id="rId18"/>
-    <p:sldId id="486" r:id="rId19"/>
-    <p:sldId id="473" r:id="rId20"/>
+    <p:sldId id="497" r:id="rId11"/>
+    <p:sldId id="494" r:id="rId12"/>
+    <p:sldId id="493" r:id="rId13"/>
+    <p:sldId id="477" r:id="rId14"/>
+    <p:sldId id="478" r:id="rId15"/>
+    <p:sldId id="482" r:id="rId16"/>
+    <p:sldId id="484" r:id="rId17"/>
+    <p:sldId id="490" r:id="rId18"/>
+    <p:sldId id="259" r:id="rId19"/>
+    <p:sldId id="486" r:id="rId20"/>
+    <p:sldId id="473" r:id="rId21"/>
   </p:sldIdLst>
   <p:sldSz cx="12192000" cy="6858000"/>
   <p:notesSz cx="6858000" cy="9144000"/>
@@ -140,6 +141,7 @@
             <p14:sldId id="476"/>
             <p14:sldId id="489"/>
             <p14:sldId id="481"/>
+            <p14:sldId id="497"/>
             <p14:sldId id="494"/>
             <p14:sldId id="493"/>
             <p14:sldId id="477"/>
@@ -8334,61 +8336,6 @@
         </a:p>
       </dgm:t>
     </dgm:pt>
-    <dgm:pt modelId="{C8E903CE-0CFD-4D68-A857-80E14557005E}">
-      <dgm:prSet custT="1"/>
-      <dgm:spPr/>
-      <dgm:t>
-        <a:bodyPr lIns="108000" tIns="648000" rIns="288000" anchor="t" anchorCtr="0"/>
-        <a:lstStyle/>
-        <a:p>
-          <a:pPr marL="0" lvl="0" indent="0" algn="l" defTabSz="533400">
-            <a:lnSpc>
-              <a:spcPts val="1500"/>
-            </a:lnSpc>
-            <a:spcBef>
-              <a:spcPct val="0"/>
-            </a:spcBef>
-            <a:spcAft>
-              <a:spcPts val="0"/>
-            </a:spcAft>
-            <a:buNone/>
-          </a:pPr>
-          <a:r>
-            <a:rPr lang="en-US" sz="1200" kern="1200" dirty="0">
-              <a:solidFill>
-                <a:srgbClr val="FF0000"/>
-              </a:solidFill>
-              <a:latin typeface="+mn-lt"/>
-              <a:ea typeface="+mn-ea"/>
-              <a:cs typeface="+mn-cs"/>
-            </a:rPr>
-            <a:t>Creating a simulation for demonstration on all stages and making it prototype ready</a:t>
-          </a:r>
-        </a:p>
-      </dgm:t>
-    </dgm:pt>
-    <dgm:pt modelId="{D5890537-0D77-4DA1-A100-62C393623468}" type="parTrans" cxnId="{17BD67AD-4331-49EC-BC4A-29404E891597}">
-      <dgm:prSet/>
-      <dgm:spPr/>
-      <dgm:t>
-        <a:bodyPr/>
-        <a:lstStyle/>
-        <a:p>
-          <a:endParaRPr lang="en-US"/>
-        </a:p>
-      </dgm:t>
-    </dgm:pt>
-    <dgm:pt modelId="{862799CE-00F4-4DD6-894E-A487503F8DE6}" type="sibTrans" cxnId="{17BD67AD-4331-49EC-BC4A-29404E891597}">
-      <dgm:prSet/>
-      <dgm:spPr/>
-      <dgm:t>
-        <a:bodyPr/>
-        <a:lstStyle/>
-        <a:p>
-          <a:endParaRPr lang="en-US"/>
-        </a:p>
-      </dgm:t>
-    </dgm:pt>
     <dgm:pt modelId="{349299C9-846E-4827-813A-349CCCE20782}">
       <dgm:prSet phldrT="[Text]" custT="1"/>
       <dgm:spPr/>
@@ -8611,7 +8558,7 @@
               </a:effectLst>
               <a:latin typeface="+mj-lt"/>
             </a:rPr>
-            <a:t>STAGE 06: 25</a:t>
+            <a:t>STAGE 06: 20</a:t>
           </a:r>
           <a:r>
             <a:rPr lang="en-US" b="1" baseline="30000" dirty="0">
@@ -8675,6 +8622,72 @@
         <a:lstStyle/>
         <a:p>
           <a:endParaRPr lang="en-IN"/>
+        </a:p>
+      </dgm:t>
+    </dgm:pt>
+    <dgm:pt modelId="{C8E903CE-0CFD-4D68-A857-80E14557005E}">
+      <dgm:prSet custT="1"/>
+      <dgm:spPr/>
+      <dgm:t>
+        <a:bodyPr lIns="108000" tIns="648000" rIns="288000" anchor="t" anchorCtr="0"/>
+        <a:lstStyle/>
+        <a:p>
+          <a:pPr marL="0" lvl="0" indent="0" algn="l" defTabSz="533400">
+            <a:lnSpc>
+              <a:spcPts val="1500"/>
+            </a:lnSpc>
+            <a:spcBef>
+              <a:spcPct val="0"/>
+            </a:spcBef>
+            <a:spcAft>
+              <a:spcPts val="0"/>
+            </a:spcAft>
+            <a:buNone/>
+          </a:pPr>
+          <a:r>
+            <a:rPr lang="en-US" sz="1200" kern="1200">
+              <a:solidFill>
+                <a:srgbClr val="FF0000"/>
+              </a:solidFill>
+              <a:latin typeface="+mn-lt"/>
+              <a:ea typeface="+mn-ea"/>
+              <a:cs typeface="+mn-cs"/>
+            </a:rPr>
+            <a:t>Creating </a:t>
+          </a:r>
+          <a:r>
+            <a:rPr lang="en-US" sz="1200" kern="1200" dirty="0">
+              <a:solidFill>
+                <a:srgbClr val="FF0000"/>
+              </a:solidFill>
+              <a:latin typeface="+mn-lt"/>
+              <a:ea typeface="+mn-ea"/>
+              <a:cs typeface="+mn-cs"/>
+            </a:rPr>
+            <a:t>a simulation for demonstration on all stages and making it prototype ready</a:t>
+          </a:r>
+        </a:p>
+      </dgm:t>
+    </dgm:pt>
+    <dgm:pt modelId="{862799CE-00F4-4DD6-894E-A487503F8DE6}" type="sibTrans" cxnId="{17BD67AD-4331-49EC-BC4A-29404E891597}">
+      <dgm:prSet/>
+      <dgm:spPr/>
+      <dgm:t>
+        <a:bodyPr/>
+        <a:lstStyle/>
+        <a:p>
+          <a:endParaRPr lang="en-US"/>
+        </a:p>
+      </dgm:t>
+    </dgm:pt>
+    <dgm:pt modelId="{D5890537-0D77-4DA1-A100-62C393623468}" type="parTrans" cxnId="{17BD67AD-4331-49EC-BC4A-29404E891597}">
+      <dgm:prSet/>
+      <dgm:spPr/>
+      <dgm:t>
+        <a:bodyPr/>
+        <a:lstStyle/>
+        <a:p>
+          <a:endParaRPr lang="en-US"/>
         </a:p>
       </dgm:t>
     </dgm:pt>
@@ -13750,6 +13763,17 @@
             <a:buNone/>
           </a:pPr>
           <a:r>
+            <a:rPr lang="en-US" sz="1200" kern="1200">
+              <a:solidFill>
+                <a:srgbClr val="FF0000"/>
+              </a:solidFill>
+              <a:latin typeface="+mn-lt"/>
+              <a:ea typeface="+mn-ea"/>
+              <a:cs typeface="+mn-cs"/>
+            </a:rPr>
+            <a:t>Creating </a:t>
+          </a:r>
+          <a:r>
             <a:rPr lang="en-US" sz="1200" kern="1200" dirty="0">
               <a:solidFill>
                 <a:srgbClr val="FF0000"/>
@@ -13758,7 +13782,7 @@
               <a:ea typeface="+mn-ea"/>
               <a:cs typeface="+mn-cs"/>
             </a:rPr>
-            <a:t>Creating a simulation for demonstration on all stages and making it prototype ready</a:t>
+            <a:t>a simulation for demonstration on all stages and making it prototype ready</a:t>
           </a:r>
         </a:p>
       </dsp:txBody>
@@ -13897,7 +13921,7 @@
               </a:effectLst>
               <a:latin typeface="+mj-lt"/>
             </a:rPr>
-            <a:t>STAGE 06: 25</a:t>
+            <a:t>STAGE 06: 20</a:t>
           </a:r>
           <a:r>
             <a:rPr lang="en-US" sz="1400" b="1" kern="1200" baseline="30000" dirty="0">
@@ -24008,7 +24032,7 @@
           <a:p>
             <a:fld id="{7A9242EA-EF1A-4A06-8C7D-0BF799736D46}" type="datetimeFigureOut">
               <a:rPr lang="en-IN" smtClean="0"/>
-              <a:t>20-10-2022</a:t>
+              <a:t>03-01-2023</a:t>
             </a:fld>
             <a:endParaRPr lang="en-IN"/>
           </a:p>
@@ -24185,7 +24209,7 @@
           <a:p>
             <a:fld id="{A1BE8B24-04F2-4AA7-BE91-655A8E3F1557}" type="datetimeFigureOut">
               <a:rPr lang="en-IN" smtClean="0"/>
-              <a:t>20-10-2022</a:t>
+              <a:t>03-01-2023</a:t>
             </a:fld>
             <a:endParaRPr lang="en-IN"/>
           </a:p>
@@ -25333,7 +25357,7 @@
           <a:p>
             <a:fld id="{63CF9E53-1173-4E82-8D05-9D27C8C2DADD}" type="datetime1">
               <a:rPr lang="en-IN" smtClean="0"/>
-              <a:t>20-10-2022</a:t>
+              <a:t>03-01-2023</a:t>
             </a:fld>
             <a:endParaRPr lang="en-IN"/>
           </a:p>
@@ -25536,7 +25560,7 @@
           <a:p>
             <a:fld id="{11FDC815-133B-4306-8642-8EB1DE40C180}" type="datetime1">
               <a:rPr lang="en-IN" smtClean="0"/>
-              <a:t>20-10-2022</a:t>
+              <a:t>03-01-2023</a:t>
             </a:fld>
             <a:endParaRPr lang="en-IN"/>
           </a:p>
@@ -25749,7 +25773,7 @@
           <a:p>
             <a:fld id="{180678DA-4065-4A50-8A80-086CA9903959}" type="datetime1">
               <a:rPr lang="en-IN" smtClean="0"/>
-              <a:t>20-10-2022</a:t>
+              <a:t>03-01-2023</a:t>
             </a:fld>
             <a:endParaRPr lang="en-IN"/>
           </a:p>
@@ -25894,7 +25918,7 @@
           <a:p>
             <a:fld id="{BBBBB666-B211-4BDB-BF4E-0372931C04A8}" type="datetime1">
               <a:rPr lang="en-IN" smtClean="0"/>
-              <a:t>20-10-2022</a:t>
+              <a:t>03-01-2023</a:t>
             </a:fld>
             <a:endParaRPr lang="en-IN"/>
           </a:p>
@@ -26119,7 +26143,7 @@
           <a:p>
             <a:fld id="{FBF340A6-5638-4B91-9675-BA35005FD42A}" type="datetime1">
               <a:rPr lang="en-IN" smtClean="0"/>
-              <a:t>20-10-2022</a:t>
+              <a:t>03-01-2023</a:t>
             </a:fld>
             <a:endParaRPr lang="en-IN"/>
           </a:p>
@@ -26330,7 +26354,7 @@
           <a:p>
             <a:fld id="{0707A03B-CC63-43FA-A9F5-E07BC1898298}" type="datetime1">
               <a:rPr lang="en-IN" smtClean="0"/>
-              <a:t>20-10-2022</a:t>
+              <a:t>03-01-2023</a:t>
             </a:fld>
             <a:endParaRPr lang="en-IN"/>
           </a:p>
@@ -26617,7 +26641,7 @@
           <a:p>
             <a:fld id="{6E72F787-9B43-44D3-AFB5-8AE54D3ABF73}" type="datetime1">
               <a:rPr lang="en-IN" smtClean="0"/>
-              <a:t>20-10-2022</a:t>
+              <a:t>03-01-2023</a:t>
             </a:fld>
             <a:endParaRPr lang="en-IN"/>
           </a:p>
@@ -26896,7 +26920,7 @@
           <a:p>
             <a:fld id="{3E6BC695-68F2-44C0-8332-B3F8D92FDBA3}" type="datetime1">
               <a:rPr lang="en-IN" smtClean="0"/>
-              <a:t>20-10-2022</a:t>
+              <a:t>03-01-2023</a:t>
             </a:fld>
             <a:endParaRPr lang="en-IN"/>
           </a:p>
@@ -27322,7 +27346,7 @@
           <a:p>
             <a:fld id="{868A8313-022C-401B-B171-ADFF4E968507}" type="datetime1">
               <a:rPr lang="en-IN" smtClean="0"/>
-              <a:t>20-10-2022</a:t>
+              <a:t>03-01-2023</a:t>
             </a:fld>
             <a:endParaRPr lang="en-IN"/>
           </a:p>
@@ -27475,7 +27499,7 @@
           <a:p>
             <a:fld id="{0D383CFC-D33C-4642-8731-95DF78284B31}" type="datetime1">
               <a:rPr lang="en-IN" smtClean="0"/>
-              <a:t>20-10-2022</a:t>
+              <a:t>03-01-2023</a:t>
             </a:fld>
             <a:endParaRPr lang="en-IN"/>
           </a:p>
@@ -27599,7 +27623,7 @@
           <a:p>
             <a:fld id="{874F5905-00DE-4638-B955-0A7AAD2F5B6D}" type="datetime1">
               <a:rPr lang="en-IN" smtClean="0"/>
-              <a:t>20-10-2022</a:t>
+              <a:t>03-01-2023</a:t>
             </a:fld>
             <a:endParaRPr lang="en-IN"/>
           </a:p>
@@ -27810,7 +27834,7 @@
           <a:p>
             <a:fld id="{0838DCF6-756D-49D7-8906-EB79C7D16F52}" type="datetime1">
               <a:rPr lang="en-IN" smtClean="0"/>
-              <a:t>20-10-2022</a:t>
+              <a:t>03-01-2023</a:t>
             </a:fld>
             <a:endParaRPr lang="en-IN"/>
           </a:p>
@@ -28126,7 +28150,7 @@
           <a:p>
             <a:fld id="{19EFE2B3-7415-455D-AC6B-4BD765356696}" type="datetime1">
               <a:rPr lang="en-IN" smtClean="0"/>
-              <a:t>20-10-2022</a:t>
+              <a:t>03-01-2023</a:t>
             </a:fld>
             <a:endParaRPr lang="en-IN"/>
           </a:p>
@@ -28426,7 +28450,7 @@
           <a:p>
             <a:fld id="{0EB3195F-4A39-4289-A791-B0E4C41B3AB8}" type="datetime1">
               <a:rPr lang="en-IN" smtClean="0"/>
-              <a:t>20-10-2022</a:t>
+              <a:t>03-01-2023</a:t>
             </a:fld>
             <a:endParaRPr lang="en-IN"/>
           </a:p>
@@ -28637,7 +28661,7 @@
           <a:p>
             <a:fld id="{692D29DB-D077-4E5A-A830-9B58644EAD12}" type="datetime1">
               <a:rPr lang="en-IN" smtClean="0"/>
-              <a:t>20-10-2022</a:t>
+              <a:t>03-01-2023</a:t>
             </a:fld>
             <a:endParaRPr lang="en-IN"/>
           </a:p>
@@ -28858,7 +28882,7 @@
           <a:p>
             <a:fld id="{747293EA-44FA-4A53-A1E7-2F55C3FE87DB}" type="datetime1">
               <a:rPr lang="en-IN" smtClean="0"/>
-              <a:t>20-10-2022</a:t>
+              <a:t>03-01-2023</a:t>
             </a:fld>
             <a:endParaRPr lang="en-IN"/>
           </a:p>
@@ -29347,7 +29371,7 @@
           <a:p>
             <a:fld id="{C0225336-0462-44AF-9BD0-9455D85DF1DC}" type="datetime1">
               <a:rPr lang="en-IN" smtClean="0"/>
-              <a:t>20-10-2022</a:t>
+              <a:t>03-01-2023</a:t>
             </a:fld>
             <a:endParaRPr lang="en-US"/>
           </a:p>
@@ -29530,7 +29554,7 @@
           <a:p>
             <a:fld id="{576EF438-1A32-47D8-91D7-69A02172247A}" type="datetime1">
               <a:rPr lang="en-IN" smtClean="0"/>
-              <a:t>20-10-2022</a:t>
+              <a:t>03-01-2023</a:t>
             </a:fld>
             <a:endParaRPr lang="en-US"/>
           </a:p>
@@ -29859,7 +29883,7 @@
           <a:p>
             <a:fld id="{E8E28879-0B6D-40F0-82FE-FDA26B08A91E}" type="datetime1">
               <a:rPr lang="en-IN" smtClean="0"/>
-              <a:t>20-10-2022</a:t>
+              <a:t>03-01-2023</a:t>
             </a:fld>
             <a:endParaRPr lang="en-US"/>
           </a:p>
@@ -30259,7 +30283,7 @@
           <a:p>
             <a:fld id="{82FBAF30-C7D2-4757-B574-3E0865F596D3}" type="datetime1">
               <a:rPr lang="en-IN" smtClean="0"/>
-              <a:t>20-10-2022</a:t>
+              <a:t>03-01-2023</a:t>
             </a:fld>
             <a:endParaRPr lang="en-US"/>
           </a:p>
@@ -30697,7 +30721,7 @@
           <a:p>
             <a:fld id="{D3330786-FEF3-47C5-B71D-4A72F7633E68}" type="datetime1">
               <a:rPr lang="en-IN" smtClean="0"/>
-              <a:t>20-10-2022</a:t>
+              <a:t>03-01-2023</a:t>
             </a:fld>
             <a:endParaRPr lang="en-US"/>
           </a:p>
@@ -30819,7 +30843,7 @@
           <a:p>
             <a:fld id="{530FB1C6-3269-4725-9225-79594EFA8F59}" type="datetime1">
               <a:rPr lang="en-IN" smtClean="0"/>
-              <a:t>20-10-2022</a:t>
+              <a:t>03-01-2023</a:t>
             </a:fld>
             <a:endParaRPr lang="en-US"/>
           </a:p>
@@ -31087,7 +31111,7 @@
           <a:p>
             <a:fld id="{D6686B01-EE85-4CDB-982F-2B905273AD6B}" type="datetime1">
               <a:rPr lang="en-IN" smtClean="0"/>
-              <a:t>20-10-2022</a:t>
+              <a:t>03-01-2023</a:t>
             </a:fld>
             <a:endParaRPr lang="en-IN"/>
           </a:p>
@@ -31197,7 +31221,7 @@
           <a:p>
             <a:fld id="{D6FF774A-DE56-46C8-9B53-2A74EAC1EBF6}" type="datetime1">
               <a:rPr lang="en-IN" smtClean="0"/>
-              <a:t>20-10-2022</a:t>
+              <a:t>03-01-2023</a:t>
             </a:fld>
             <a:endParaRPr lang="en-US"/>
           </a:p>
@@ -31551,7 +31575,7 @@
           <a:p>
             <a:fld id="{2F955F85-B899-4928-93E5-6A959CD28317}" type="datetime1">
               <a:rPr lang="en-IN" smtClean="0"/>
-              <a:t>20-10-2022</a:t>
+              <a:t>03-01-2023</a:t>
             </a:fld>
             <a:endParaRPr lang="en-US"/>
           </a:p>
@@ -31990,7 +32014,7 @@
           <a:p>
             <a:fld id="{93625264-8879-461E-9EA2-E34C75F3E7C8}" type="datetime1">
               <a:rPr lang="en-IN" smtClean="0"/>
-              <a:t>20-10-2022</a:t>
+              <a:t>03-01-2023</a:t>
             </a:fld>
             <a:endParaRPr lang="en-US"/>
           </a:p>
@@ -32231,7 +32255,7 @@
           <a:p>
             <a:fld id="{4E9E9F5C-647F-4B39-9A19-477780087F83}" type="datetime1">
               <a:rPr lang="en-IN" smtClean="0"/>
-              <a:t>20-10-2022</a:t>
+              <a:t>03-01-2023</a:t>
             </a:fld>
             <a:endParaRPr lang="en-US"/>
           </a:p>
@@ -32415,7 +32439,7 @@
           <a:p>
             <a:fld id="{68C4A623-289A-468C-984C-F10396D03669}" type="datetime1">
               <a:rPr lang="en-IN" smtClean="0"/>
-              <a:t>20-10-2022</a:t>
+              <a:t>03-01-2023</a:t>
             </a:fld>
             <a:endParaRPr lang="en-US"/>
           </a:p>
@@ -33054,7 +33078,7 @@
           <a:p>
             <a:fld id="{092CDA3D-B7F5-4407-9329-0E04FC0DFD84}" type="datetime1">
               <a:rPr lang="en-IN" smtClean="0"/>
-              <a:t>20-10-2022</a:t>
+              <a:t>03-01-2023</a:t>
             </a:fld>
             <a:endParaRPr lang="en-IN"/>
           </a:p>
@@ -33472,7 +33496,7 @@
           <a:p>
             <a:fld id="{8F21D2E1-B2F6-48FE-8C6B-BCF5B281AB79}" type="datetime1">
               <a:rPr lang="en-IN" smtClean="0"/>
-              <a:t>20-10-2022</a:t>
+              <a:t>03-01-2023</a:t>
             </a:fld>
             <a:endParaRPr lang="en-IN"/>
           </a:p>
@@ -33617,7 +33641,7 @@
           <a:p>
             <a:fld id="{7EF88859-ED05-49C2-A16D-45E23474EA70}" type="datetime1">
               <a:rPr lang="en-IN" smtClean="0"/>
-              <a:t>20-10-2022</a:t>
+              <a:t>03-01-2023</a:t>
             </a:fld>
             <a:endParaRPr lang="en-IN"/>
           </a:p>
@@ -33733,7 +33757,7 @@
           <a:p>
             <a:fld id="{F8A3F123-37CD-40D8-AC3D-A89D5650D711}" type="datetime1">
               <a:rPr lang="en-IN" smtClean="0"/>
-              <a:t>20-10-2022</a:t>
+              <a:t>03-01-2023</a:t>
             </a:fld>
             <a:endParaRPr lang="en-IN"/>
           </a:p>
@@ -34049,7 +34073,7 @@
           <a:p>
             <a:fld id="{12EE0CD3-B75A-41E5-AC49-26DBCE26DB24}" type="datetime1">
               <a:rPr lang="en-IN" smtClean="0"/>
-              <a:t>20-10-2022</a:t>
+              <a:t>03-01-2023</a:t>
             </a:fld>
             <a:endParaRPr lang="en-IN"/>
           </a:p>
@@ -34341,7 +34365,7 @@
           <a:p>
             <a:fld id="{E6DEB671-FA62-4C35-A51F-B03D0F2C8B4F}" type="datetime1">
               <a:rPr lang="en-IN" smtClean="0"/>
-              <a:t>20-10-2022</a:t>
+              <a:t>03-01-2023</a:t>
             </a:fld>
             <a:endParaRPr lang="en-IN"/>
           </a:p>
@@ -34592,7 +34616,7 @@
           <a:p>
             <a:fld id="{AAA2A5C1-AAD3-4E23-B40A-7680AEEEB571}" type="datetime1">
               <a:rPr lang="en-IN" smtClean="0"/>
-              <a:t>20-10-2022</a:t>
+              <a:t>03-01-2023</a:t>
             </a:fld>
             <a:endParaRPr lang="en-IN"/>
           </a:p>
@@ -35172,7 +35196,7 @@
           <a:p>
             <a:fld id="{EEC69EB1-C2D4-40F0-8854-01F98C38B8F8}" type="datetime1">
               <a:rPr lang="en-IN" smtClean="0"/>
-              <a:t>20-10-2022</a:t>
+              <a:t>03-01-2023</a:t>
             </a:fld>
             <a:endParaRPr lang="en-IN"/>
           </a:p>
@@ -35687,7 +35711,7 @@
           <a:p>
             <a:fld id="{AAA2A5C1-AAD3-4E23-B40A-7680AEEEB571}" type="datetime1">
               <a:rPr lang="en-IN" smtClean="0"/>
-              <a:t>20-10-2022</a:t>
+              <a:t>03-01-2023</a:t>
             </a:fld>
             <a:endParaRPr lang="en-IN"/>
           </a:p>
@@ -37476,7 +37500,7 @@
             <a:pPr algn="ctr"/>
             <a:r>
               <a:rPr lang="en-IN" sz="2000" b="1" dirty="0"/>
-              <a:t>Review-1 – Major-Project (18ECP78) </a:t>
+              <a:t>Review-2 – Major-Project (18ECP78) </a:t>
             </a:r>
             <a:r>
               <a:rPr lang="en-IN" b="1" dirty="0"/>
@@ -37547,6 +37571,509 @@
 </file>
 
 <file path=ppt/slides/slide10.xml><?xml version="1.0" encoding="utf-8"?>
+<p:sld xmlns:a="http://schemas.openxmlformats.org/drawingml/2006/main" xmlns:r="http://schemas.openxmlformats.org/officeDocument/2006/relationships" xmlns:p="http://schemas.openxmlformats.org/presentationml/2006/main">
+  <p:cSld>
+    <p:bg>
+      <p:bgPr>
+        <a:solidFill>
+          <a:schemeClr val="bg1"/>
+        </a:solidFill>
+        <a:effectLst/>
+      </p:bgPr>
+    </p:bg>
+    <p:spTree>
+      <p:nvGrpSpPr>
+        <p:cNvPr id="1" name=""/>
+        <p:cNvGrpSpPr/>
+        <p:nvPr/>
+      </p:nvGrpSpPr>
+      <p:grpSpPr>
+        <a:xfrm>
+          <a:off x="0" y="0"/>
+          <a:ext cx="0" cy="0"/>
+          <a:chOff x="0" y="0"/>
+          <a:chExt cx="0" cy="0"/>
+        </a:xfrm>
+      </p:grpSpPr>
+      <p:sp useBgFill="1">
+        <p:nvSpPr>
+          <p:cNvPr id="22" name="Rectangle 21">
+            <a:extLst>
+              <a:ext uri="{FF2B5EF4-FFF2-40B4-BE49-F238E27FC236}">
+                <a16:creationId xmlns:a16="http://schemas.microsoft.com/office/drawing/2014/main" id="{04812C46-200A-4DEB-A05E-3ED6C68C2387}"/>
+              </a:ext>
+              <a:ext uri="{C183D7F6-B498-43B3-948B-1728B52AA6E4}">
+                <adec:decorative xmlns:adec="http://schemas.microsoft.com/office/drawing/2017/decorative" val="1"/>
+              </a:ext>
+            </a:extLst>
+          </p:cNvPr>
+          <p:cNvSpPr>
+            <a:spLocks noGrp="1" noRot="1" noChangeAspect="1" noMove="1" noResize="1" noEditPoints="1" noAdjustHandles="1" noChangeArrowheads="1" noChangeShapeType="1" noTextEdit="1"/>
+          </p:cNvSpPr>
+          <p:nvPr>
+            <p:extLst>
+              <p:ext uri="{386F3935-93C4-4BCD-93E2-E3B085C9AB24}">
+                <p16:designElem xmlns:p16="http://schemas.microsoft.com/office/powerpoint/2015/main" val="1"/>
+              </p:ext>
+            </p:extLst>
+          </p:nvPr>
+        </p:nvSpPr>
+        <p:spPr>
+          <a:xfrm>
+            <a:off x="-1" y="0"/>
+            <a:ext cx="12188952" cy="6858000"/>
+          </a:xfrm>
+          <a:prstGeom prst="rect">
+            <a:avLst/>
+          </a:prstGeom>
+          <a:ln>
+            <a:noFill/>
+          </a:ln>
+        </p:spPr>
+        <p:style>
+          <a:lnRef idx="2">
+            <a:schemeClr val="accent1">
+              <a:shade val="50000"/>
+            </a:schemeClr>
+          </a:lnRef>
+          <a:fillRef idx="1">
+            <a:schemeClr val="accent1"/>
+          </a:fillRef>
+          <a:effectRef idx="0">
+            <a:schemeClr val="accent1"/>
+          </a:effectRef>
+          <a:fontRef idx="minor">
+            <a:schemeClr val="lt1"/>
+          </a:fontRef>
+        </p:style>
+        <p:txBody>
+          <a:bodyPr rtlCol="0" anchor="ctr"/>
+          <a:lstStyle/>
+          <a:p>
+            <a:pPr algn="ctr"/>
+            <a:endParaRPr lang="en-US"/>
+          </a:p>
+        </p:txBody>
+      </p:sp>
+      <p:pic>
+        <p:nvPicPr>
+          <p:cNvPr id="16" name="Picture 6">
+            <a:extLst>
+              <a:ext uri="{FF2B5EF4-FFF2-40B4-BE49-F238E27FC236}">
+                <a16:creationId xmlns:a16="http://schemas.microsoft.com/office/drawing/2014/main" id="{F0709888-58C6-14A8-44E9-D1012AB370E0}"/>
+              </a:ext>
+            </a:extLst>
+          </p:cNvPr>
+          <p:cNvPicPr>
+            <a:picLocks noChangeAspect="1"/>
+          </p:cNvPicPr>
+          <p:nvPr/>
+        </p:nvPicPr>
+        <p:blipFill rotWithShape="1">
+          <a:blip r:embed="rId2"/>
+          <a:srcRect l="3887" r="16802"/>
+          <a:stretch/>
+        </p:blipFill>
+        <p:spPr>
+          <a:xfrm>
+            <a:off x="0" y="10"/>
+            <a:ext cx="12191999" cy="6857990"/>
+          </a:xfrm>
+          <a:prstGeom prst="rect">
+            <a:avLst/>
+          </a:prstGeom>
+        </p:spPr>
+      </p:pic>
+      <p:sp>
+        <p:nvSpPr>
+          <p:cNvPr id="24" name="Rectangle 23">
+            <a:extLst>
+              <a:ext uri="{FF2B5EF4-FFF2-40B4-BE49-F238E27FC236}">
+                <a16:creationId xmlns:a16="http://schemas.microsoft.com/office/drawing/2014/main" id="{D1EA859B-E555-4109-94F3-6700E046E008}"/>
+              </a:ext>
+              <a:ext uri="{C183D7F6-B498-43B3-948B-1728B52AA6E4}">
+                <adec:decorative xmlns:adec="http://schemas.microsoft.com/office/drawing/2017/decorative" val="1"/>
+              </a:ext>
+            </a:extLst>
+          </p:cNvPr>
+          <p:cNvSpPr>
+            <a:spLocks noGrp="1" noRot="1" noChangeAspect="1" noMove="1" noResize="1" noEditPoints="1" noAdjustHandles="1" noChangeArrowheads="1" noChangeShapeType="1" noTextEdit="1"/>
+          </p:cNvSpPr>
+          <p:nvPr>
+            <p:extLst>
+              <p:ext uri="{386F3935-93C4-4BCD-93E2-E3B085C9AB24}">
+                <p16:designElem xmlns:p16="http://schemas.microsoft.com/office/powerpoint/2015/main" val="1"/>
+              </p:ext>
+            </p:extLst>
+          </p:nvPr>
+        </p:nvSpPr>
+        <p:spPr>
+          <a:xfrm flipH="1">
+            <a:off x="5125019" y="0"/>
+            <a:ext cx="7066978" cy="6858000"/>
+          </a:xfrm>
+          <a:prstGeom prst="rect">
+            <a:avLst/>
+          </a:prstGeom>
+          <a:gradFill>
+            <a:gsLst>
+              <a:gs pos="48000">
+                <a:schemeClr val="bg1"/>
+              </a:gs>
+              <a:gs pos="35000">
+                <a:schemeClr val="bg1">
+                  <a:alpha val="77000"/>
+                </a:schemeClr>
+              </a:gs>
+              <a:gs pos="19000">
+                <a:schemeClr val="bg1">
+                  <a:alpha val="38000"/>
+                </a:schemeClr>
+              </a:gs>
+              <a:gs pos="0">
+                <a:schemeClr val="bg1">
+                  <a:alpha val="0"/>
+                </a:schemeClr>
+              </a:gs>
+              <a:gs pos="100000">
+                <a:schemeClr val="bg1"/>
+              </a:gs>
+            </a:gsLst>
+            <a:lin ang="10800000" scaled="0"/>
+          </a:gradFill>
+          <a:ln>
+            <a:noFill/>
+          </a:ln>
+        </p:spPr>
+        <p:style>
+          <a:lnRef idx="2">
+            <a:schemeClr val="accent1">
+              <a:shade val="50000"/>
+            </a:schemeClr>
+          </a:lnRef>
+          <a:fillRef idx="1">
+            <a:schemeClr val="accent1"/>
+          </a:fillRef>
+          <a:effectRef idx="0">
+            <a:schemeClr val="accent1"/>
+          </a:effectRef>
+          <a:fontRef idx="minor">
+            <a:schemeClr val="lt1"/>
+          </a:fontRef>
+        </p:style>
+        <p:txBody>
+          <a:bodyPr rtlCol="0" anchor="ctr"/>
+          <a:lstStyle/>
+          <a:p>
+            <a:pPr algn="ctr"/>
+            <a:endParaRPr lang="en-US" dirty="0"/>
+          </a:p>
+        </p:txBody>
+      </p:sp>
+      <p:sp>
+        <p:nvSpPr>
+          <p:cNvPr id="2" name="Title 1">
+            <a:extLst>
+              <a:ext uri="{FF2B5EF4-FFF2-40B4-BE49-F238E27FC236}">
+                <a16:creationId xmlns:a16="http://schemas.microsoft.com/office/drawing/2014/main" id="{E02EEEEA-4C4B-4616-ADC0-34B2661467FE}"/>
+              </a:ext>
+            </a:extLst>
+          </p:cNvPr>
+          <p:cNvSpPr>
+            <a:spLocks noGrp="1"/>
+          </p:cNvSpPr>
+          <p:nvPr>
+            <p:ph type="title"/>
+          </p:nvPr>
+        </p:nvSpPr>
+        <p:spPr>
+          <a:xfrm>
+            <a:off x="7867512" y="328312"/>
+            <a:ext cx="4542202" cy="1899912"/>
+          </a:xfrm>
+        </p:spPr>
+        <p:txBody>
+          <a:bodyPr>
+            <a:normAutofit/>
+          </a:bodyPr>
+          <a:lstStyle/>
+          <a:p>
+            <a:r>
+              <a:rPr lang="en-IN" sz="7200" dirty="0">
+                <a:latin typeface="Agency FB" panose="020B0503020202020204" pitchFamily="34" charset="0"/>
+              </a:rPr>
+              <a:t>  Challenges</a:t>
+            </a:r>
+          </a:p>
+        </p:txBody>
+      </p:sp>
+      <p:sp>
+        <p:nvSpPr>
+          <p:cNvPr id="17" name="Content Placeholder 2">
+            <a:extLst>
+              <a:ext uri="{FF2B5EF4-FFF2-40B4-BE49-F238E27FC236}">
+                <a16:creationId xmlns:a16="http://schemas.microsoft.com/office/drawing/2014/main" id="{776D3921-A774-F137-EEE5-FD1868A329FF}"/>
+              </a:ext>
+            </a:extLst>
+          </p:cNvPr>
+          <p:cNvSpPr>
+            <a:spLocks noGrp="1"/>
+          </p:cNvSpPr>
+          <p:nvPr>
+            <p:ph idx="1"/>
+          </p:nvPr>
+        </p:nvSpPr>
+        <p:spPr>
+          <a:xfrm>
+            <a:off x="7531610" y="1813560"/>
+            <a:ext cx="3959350" cy="4363403"/>
+          </a:xfrm>
+        </p:spPr>
+        <p:txBody>
+          <a:bodyPr>
+            <a:normAutofit/>
+          </a:bodyPr>
+          <a:lstStyle/>
+          <a:p>
+            <a:endParaRPr lang="en-IN" dirty="0">
+              <a:effectLst/>
+            </a:endParaRPr>
+          </a:p>
+          <a:p>
+            <a:pPr marL="742950" lvl="1" indent="-285750" algn="just">
+              <a:lnSpc>
+                <a:spcPct val="115000"/>
+              </a:lnSpc>
+              <a:spcAft>
+                <a:spcPts val="1000"/>
+              </a:spcAft>
+              <a:buFont typeface="Symbol" panose="05050102010706020507" pitchFamily="18" charset="2"/>
+              <a:buChar char=""/>
+            </a:pPr>
+            <a:r>
+              <a:rPr lang="en-US" sz="1800" dirty="0">
+                <a:effectLst/>
+                <a:latin typeface="Times New Roman" panose="02020603050405020304" pitchFamily="18" charset="0"/>
+                <a:ea typeface="Calibri" panose="020F0502020204030204" pitchFamily="34" charset="0"/>
+                <a:cs typeface="Times New Roman" panose="02020603050405020304" pitchFamily="18" charset="0"/>
+              </a:rPr>
+              <a:t>Difficult to transmit sound over large distances.</a:t>
+            </a:r>
+            <a:endParaRPr lang="en-IN" sz="1800" dirty="0">
+              <a:effectLst/>
+              <a:latin typeface="Calibri" panose="020F0502020204030204" pitchFamily="34" charset="0"/>
+              <a:ea typeface="Calibri" panose="020F0502020204030204" pitchFamily="34" charset="0"/>
+              <a:cs typeface="Times New Roman" panose="02020603050405020304" pitchFamily="18" charset="0"/>
+            </a:endParaRPr>
+          </a:p>
+          <a:p>
+            <a:pPr marL="742950" lvl="1" indent="-285750" algn="just">
+              <a:lnSpc>
+                <a:spcPct val="115000"/>
+              </a:lnSpc>
+              <a:spcAft>
+                <a:spcPts val="1000"/>
+              </a:spcAft>
+              <a:buFont typeface="Symbol" panose="05050102010706020507" pitchFamily="18" charset="2"/>
+              <a:buChar char=""/>
+            </a:pPr>
+            <a:r>
+              <a:rPr lang="en-US" sz="1800" dirty="0">
+                <a:effectLst/>
+                <a:latin typeface="Times New Roman" panose="02020603050405020304" pitchFamily="18" charset="0"/>
+                <a:ea typeface="Calibri" panose="020F0502020204030204" pitchFamily="34" charset="0"/>
+                <a:cs typeface="Times New Roman" panose="02020603050405020304" pitchFamily="18" charset="0"/>
+              </a:rPr>
+              <a:t>Degradation and dampening of sound with terrain change.</a:t>
+            </a:r>
+            <a:endParaRPr lang="en-IN" sz="1800" dirty="0">
+              <a:effectLst/>
+              <a:latin typeface="Calibri" panose="020F0502020204030204" pitchFamily="34" charset="0"/>
+              <a:ea typeface="Calibri" panose="020F0502020204030204" pitchFamily="34" charset="0"/>
+              <a:cs typeface="Times New Roman" panose="02020603050405020304" pitchFamily="18" charset="0"/>
+            </a:endParaRPr>
+          </a:p>
+          <a:p>
+            <a:pPr marL="742950" lvl="1" indent="-285750" algn="just">
+              <a:lnSpc>
+                <a:spcPct val="115000"/>
+              </a:lnSpc>
+              <a:spcAft>
+                <a:spcPts val="1000"/>
+              </a:spcAft>
+              <a:buFont typeface="Symbol" panose="05050102010706020507" pitchFamily="18" charset="2"/>
+              <a:buChar char=""/>
+            </a:pPr>
+            <a:r>
+              <a:rPr lang="en-US" sz="1800" dirty="0">
+                <a:effectLst/>
+                <a:latin typeface="Times New Roman" panose="02020603050405020304" pitchFamily="18" charset="0"/>
+                <a:ea typeface="Calibri" panose="020F0502020204030204" pitchFamily="34" charset="0"/>
+                <a:cs typeface="Times New Roman" panose="02020603050405020304" pitchFamily="18" charset="0"/>
+              </a:rPr>
+              <a:t>Only 64x64 </a:t>
+            </a:r>
+            <a:r>
+              <a:rPr lang="en-US" sz="1800" dirty="0" err="1">
+                <a:effectLst/>
+                <a:latin typeface="Times New Roman" panose="02020603050405020304" pitchFamily="18" charset="0"/>
+                <a:ea typeface="Calibri" panose="020F0502020204030204" pitchFamily="34" charset="0"/>
+                <a:cs typeface="Times New Roman" panose="02020603050405020304" pitchFamily="18" charset="0"/>
+              </a:rPr>
+              <a:t>px</a:t>
+            </a:r>
+            <a:r>
+              <a:rPr lang="en-US" sz="1800" dirty="0">
+                <a:effectLst/>
+                <a:latin typeface="Times New Roman" panose="02020603050405020304" pitchFamily="18" charset="0"/>
+                <a:ea typeface="Calibri" panose="020F0502020204030204" pitchFamily="34" charset="0"/>
+                <a:cs typeface="Times New Roman" panose="02020603050405020304" pitchFamily="18" charset="0"/>
+              </a:rPr>
+              <a:t> image can be converted to sound, any higher or lower it creates interference with intended application.</a:t>
+            </a:r>
+            <a:endParaRPr lang="en-IN" sz="1800" dirty="0">
+              <a:effectLst/>
+              <a:latin typeface="Calibri" panose="020F0502020204030204" pitchFamily="34" charset="0"/>
+              <a:ea typeface="Calibri" panose="020F0502020204030204" pitchFamily="34" charset="0"/>
+              <a:cs typeface="Times New Roman" panose="02020603050405020304" pitchFamily="18" charset="0"/>
+            </a:endParaRPr>
+          </a:p>
+          <a:p>
+            <a:pPr marL="742950" lvl="1" indent="-285750" algn="just">
+              <a:lnSpc>
+                <a:spcPct val="115000"/>
+              </a:lnSpc>
+              <a:spcAft>
+                <a:spcPts val="1000"/>
+              </a:spcAft>
+              <a:buFont typeface="Symbol" panose="05050102010706020507" pitchFamily="18" charset="2"/>
+              <a:buChar char=""/>
+            </a:pPr>
+            <a:r>
+              <a:rPr lang="en-US" sz="1800" dirty="0">
+                <a:effectLst/>
+                <a:latin typeface="Times New Roman" panose="02020603050405020304" pitchFamily="18" charset="0"/>
+                <a:ea typeface="Calibri" panose="020F0502020204030204" pitchFamily="34" charset="0"/>
+                <a:cs typeface="Times New Roman" panose="02020603050405020304" pitchFamily="18" charset="0"/>
+              </a:rPr>
+              <a:t>Conversion of image and video data is taking 10 -30min.</a:t>
+            </a:r>
+            <a:endParaRPr lang="en-IN" sz="1800" dirty="0">
+              <a:effectLst/>
+              <a:latin typeface="Calibri" panose="020F0502020204030204" pitchFamily="34" charset="0"/>
+              <a:ea typeface="Calibri" panose="020F0502020204030204" pitchFamily="34" charset="0"/>
+              <a:cs typeface="Times New Roman" panose="02020603050405020304" pitchFamily="18" charset="0"/>
+            </a:endParaRPr>
+          </a:p>
+        </p:txBody>
+      </p:sp>
+      <p:sp>
+        <p:nvSpPr>
+          <p:cNvPr id="4" name="Footer Placeholder 3">
+            <a:extLst>
+              <a:ext uri="{FF2B5EF4-FFF2-40B4-BE49-F238E27FC236}">
+                <a16:creationId xmlns:a16="http://schemas.microsoft.com/office/drawing/2014/main" id="{9E085CD6-23E6-7136-6B02-C765EE2BB2FC}"/>
+              </a:ext>
+            </a:extLst>
+          </p:cNvPr>
+          <p:cNvSpPr>
+            <a:spLocks noGrp="1"/>
+          </p:cNvSpPr>
+          <p:nvPr>
+            <p:ph type="ftr" sz="quarter" idx="11"/>
+          </p:nvPr>
+        </p:nvSpPr>
+        <p:spPr>
+          <a:xfrm>
+            <a:off x="4038600" y="6356350"/>
+            <a:ext cx="4114800" cy="365125"/>
+          </a:xfrm>
+        </p:spPr>
+        <p:txBody>
+          <a:bodyPr>
+            <a:normAutofit/>
+          </a:bodyPr>
+          <a:lstStyle/>
+          <a:p>
+            <a:pPr>
+              <a:lnSpc>
+                <a:spcPct val="90000"/>
+              </a:lnSpc>
+              <a:spcAft>
+                <a:spcPts val="600"/>
+              </a:spcAft>
+            </a:pPr>
+            <a:r>
+              <a:rPr lang="en-IN">
+                <a:solidFill>
+                  <a:srgbClr val="FFFFFF"/>
+                </a:solidFill>
+              </a:rPr>
+              <a:t>Dept. of ECE, SJBIT</a:t>
+            </a:r>
+          </a:p>
+        </p:txBody>
+      </p:sp>
+      <p:sp>
+        <p:nvSpPr>
+          <p:cNvPr id="5" name="Slide Number Placeholder 4">
+            <a:extLst>
+              <a:ext uri="{FF2B5EF4-FFF2-40B4-BE49-F238E27FC236}">
+                <a16:creationId xmlns:a16="http://schemas.microsoft.com/office/drawing/2014/main" id="{435FED4D-61FE-CCA1-3A93-756E0B4CC422}"/>
+              </a:ext>
+            </a:extLst>
+          </p:cNvPr>
+          <p:cNvSpPr>
+            <a:spLocks noGrp="1"/>
+          </p:cNvSpPr>
+          <p:nvPr>
+            <p:ph type="sldNum" sz="quarter" idx="12"/>
+          </p:nvPr>
+        </p:nvSpPr>
+        <p:spPr>
+          <a:xfrm>
+            <a:off x="8610600" y="6356350"/>
+            <a:ext cx="2743200" cy="365125"/>
+          </a:xfrm>
+        </p:spPr>
+        <p:txBody>
+          <a:bodyPr>
+            <a:normAutofit/>
+          </a:bodyPr>
+          <a:lstStyle/>
+          <a:p>
+            <a:pPr>
+              <a:spcAft>
+                <a:spcPts val="600"/>
+              </a:spcAft>
+            </a:pPr>
+            <a:fld id="{98BE86A0-2B3E-4B29-89C1-BAE9784D7065}" type="slidenum">
+              <a:rPr lang="en-IN" smtClean="0"/>
+              <a:pPr>
+                <a:spcAft>
+                  <a:spcPts val="600"/>
+                </a:spcAft>
+              </a:pPr>
+              <a:t>9</a:t>
+            </a:fld>
+            <a:endParaRPr lang="en-IN"/>
+          </a:p>
+        </p:txBody>
+      </p:sp>
+    </p:spTree>
+    <p:extLst>
+      <p:ext uri="{BB962C8B-B14F-4D97-AF65-F5344CB8AC3E}">
+        <p14:creationId xmlns:p14="http://schemas.microsoft.com/office/powerpoint/2010/main" val="2347157513"/>
+      </p:ext>
+    </p:extLst>
+  </p:cSld>
+  <p:clrMapOvr>
+    <a:masterClrMapping/>
+  </p:clrMapOvr>
+</p:sld>
+</file>
+
+<file path=ppt/slides/slide11.xml><?xml version="1.0" encoding="utf-8"?>
 <p:sld xmlns:a="http://schemas.openxmlformats.org/drawingml/2006/main" xmlns:r="http://schemas.openxmlformats.org/officeDocument/2006/relationships" xmlns:p="http://schemas.openxmlformats.org/presentationml/2006/main">
   <p:cSld>
     <p:bg>
@@ -37754,7 +38281,7 @@
                   <a:spcPts val="600"/>
                 </a:spcAft>
               </a:pPr>
-              <a:t>9</a:t>
+              <a:t>10</a:t>
             </a:fld>
             <a:endParaRPr lang="en-US"/>
           </a:p>
@@ -37804,7 +38331,7 @@
 </p:sld>
 </file>
 
-<file path=ppt/slides/slide11.xml><?xml version="1.0" encoding="utf-8"?>
+<file path=ppt/slides/slide12.xml><?xml version="1.0" encoding="utf-8"?>
 <p:sld xmlns:a="http://schemas.openxmlformats.org/drawingml/2006/main" xmlns:r="http://schemas.openxmlformats.org/officeDocument/2006/relationships" xmlns:p="http://schemas.openxmlformats.org/presentationml/2006/main">
   <p:cSld>
     <p:spTree>
@@ -38560,7 +39087,7 @@
                   <a:spcPts val="600"/>
                 </a:spcAft>
               </a:pPr>
-              <a:t>10</a:t>
+              <a:t>11</a:t>
             </a:fld>
             <a:endParaRPr lang="en-US"/>
           </a:p>
@@ -38610,7 +39137,7 @@
 </p:sld>
 </file>
 
-<file path=ppt/slides/slide12.xml><?xml version="1.0" encoding="utf-8"?>
+<file path=ppt/slides/slide13.xml><?xml version="1.0" encoding="utf-8"?>
 <p:sld xmlns:a="http://schemas.openxmlformats.org/drawingml/2006/main" xmlns:r="http://schemas.openxmlformats.org/officeDocument/2006/relationships" xmlns:p="http://schemas.openxmlformats.org/presentationml/2006/main">
   <p:cSld>
     <p:spTree>
@@ -38879,7 +39406,7 @@
                   <a:spcPts val="600"/>
                 </a:spcAft>
               </a:pPr>
-              <a:t>11</a:t>
+              <a:t>12</a:t>
             </a:fld>
             <a:endParaRPr lang="en-US"/>
           </a:p>
@@ -38934,7 +39461,7 @@
 </p:sld>
 </file>
 
-<file path=ppt/slides/slide13.xml><?xml version="1.0" encoding="utf-8"?>
+<file path=ppt/slides/slide14.xml><?xml version="1.0" encoding="utf-8"?>
 <p:sld xmlns:a="http://schemas.openxmlformats.org/drawingml/2006/main" xmlns:r="http://schemas.openxmlformats.org/officeDocument/2006/relationships" xmlns:p="http://schemas.openxmlformats.org/presentationml/2006/main">
   <p:cSld>
     <p:spTree>
@@ -39067,7 +39594,7 @@
             <a:fld id="{DD7ACEB4-2473-4E5A-98D7-034FDA90FB20}" type="slidenum">
               <a:rPr lang="en-US" smtClean="0"/>
               <a:pPr/>
-              <a:t>12</a:t>
+              <a:t>13</a:t>
             </a:fld>
             <a:endParaRPr lang="en-US"/>
           </a:p>
@@ -39452,7 +39979,7 @@
 </p:sld>
 </file>
 
-<file path=ppt/slides/slide14.xml><?xml version="1.0" encoding="utf-8"?>
+<file path=ppt/slides/slide15.xml><?xml version="1.0" encoding="utf-8"?>
 <p:sld xmlns:a="http://schemas.openxmlformats.org/drawingml/2006/main" xmlns:r="http://schemas.openxmlformats.org/officeDocument/2006/relationships" xmlns:p="http://schemas.openxmlformats.org/presentationml/2006/main">
   <p:cSld>
     <p:spTree>
@@ -40165,7 +40692,7 @@
                   <a:spcPts val="600"/>
                 </a:spcAft>
               </a:pPr>
-              <a:t>13</a:t>
+              <a:t>14</a:t>
             </a:fld>
             <a:endParaRPr lang="en-US"/>
           </a:p>
@@ -40184,7 +40711,7 @@
 </p:sld>
 </file>
 
-<file path=ppt/slides/slide15.xml><?xml version="1.0" encoding="utf-8"?>
+<file path=ppt/slides/slide16.xml><?xml version="1.0" encoding="utf-8"?>
 <p:sld xmlns:a="http://schemas.openxmlformats.org/drawingml/2006/main" xmlns:r="http://schemas.openxmlformats.org/officeDocument/2006/relationships" xmlns:p="http://schemas.openxmlformats.org/presentationml/2006/main">
   <p:cSld>
     <p:spTree>
@@ -40216,7 +40743,7 @@
           <p:nvPr>
             <p:extLst>
               <p:ext uri="{D42A27DB-BD31-4B8C-83A1-F6EECF244321}">
-                <p14:modId xmlns:p14="http://schemas.microsoft.com/office/powerpoint/2010/main" val="3156186160"/>
+                <p14:modId xmlns:p14="http://schemas.microsoft.com/office/powerpoint/2010/main" val="2718283249"/>
               </p:ext>
             </p:extLst>
           </p:nvPr>
@@ -40859,7 +41386,7 @@
 </p:sld>
 </file>
 
-<file path=ppt/slides/slide16.xml><?xml version="1.0" encoding="utf-8"?>
+<file path=ppt/slides/slide17.xml><?xml version="1.0" encoding="utf-8"?>
 <p:sld xmlns:a="http://schemas.openxmlformats.org/drawingml/2006/main" xmlns:r="http://schemas.openxmlformats.org/officeDocument/2006/relationships" xmlns:p="http://schemas.openxmlformats.org/presentationml/2006/main">
   <p:cSld>
     <p:spTree>
@@ -41390,7 +41917,7 @@
                   <a:spcPts val="600"/>
                 </a:spcAft>
               </a:pPr>
-              <a:t>15</a:t>
+              <a:t>16</a:t>
             </a:fld>
             <a:endParaRPr lang="en-US"/>
           </a:p>
@@ -41438,7 +41965,7 @@
 </p:sld>
 </file>
 
-<file path=ppt/slides/slide17.xml><?xml version="1.0" encoding="utf-8"?>
+<file path=ppt/slides/slide18.xml><?xml version="1.0" encoding="utf-8"?>
 <p:sld xmlns:a="http://schemas.openxmlformats.org/drawingml/2006/main" xmlns:r="http://schemas.openxmlformats.org/officeDocument/2006/relationships" xmlns:p="http://schemas.openxmlformats.org/presentationml/2006/main">
   <p:cSld>
     <p:spTree>
@@ -41530,7 +42057,7 @@
                   <a:spcPts val="600"/>
                 </a:spcAft>
               </a:pPr>
-              <a:t>16</a:t>
+              <a:t>17</a:t>
             </a:fld>
             <a:endParaRPr lang="en-IN"/>
           </a:p>
@@ -49094,7 +49621,7 @@
                     <a:bodyPr/>
                     <a:lstStyle/>
                     <a:p>
-                      <a:endParaRPr lang="en-IN"/>
+                      <a:endParaRPr lang="en-IN" dirty="0"/>
                     </a:p>
                   </a:txBody>
                   <a:tcPr/>
@@ -49303,6 +49830,2636 @@
 </file>
 
 <file path=ppt/slides/slide8.xml><?xml version="1.0" encoding="utf-8"?>
+<p:sld xmlns:a="http://schemas.openxmlformats.org/drawingml/2006/main" xmlns:r="http://schemas.openxmlformats.org/officeDocument/2006/relationships" xmlns:p="http://schemas.openxmlformats.org/presentationml/2006/main">
+  <p:cSld>
+    <p:spTree>
+      <p:nvGrpSpPr>
+        <p:cNvPr id="1" name=""/>
+        <p:cNvGrpSpPr/>
+        <p:nvPr/>
+      </p:nvGrpSpPr>
+      <p:grpSpPr>
+        <a:xfrm>
+          <a:off x="0" y="0"/>
+          <a:ext cx="0" cy="0"/>
+          <a:chOff x="0" y="0"/>
+          <a:chExt cx="0" cy="0"/>
+        </a:xfrm>
+      </p:grpSpPr>
+      <p:sp>
+        <p:nvSpPr>
+          <p:cNvPr id="57" name="Rectangle 56">
+            <a:extLst>
+              <a:ext uri="{FF2B5EF4-FFF2-40B4-BE49-F238E27FC236}">
+                <a16:creationId xmlns:a16="http://schemas.microsoft.com/office/drawing/2014/main" id="{0288A6F5-8D1F-4A9E-A403-66331D0DD236}"/>
+              </a:ext>
+              <a:ext uri="{C183D7F6-B498-43B3-948B-1728B52AA6E4}">
+                <adec:decorative xmlns:adec="http://schemas.microsoft.com/office/drawing/2017/decorative" val="1"/>
+              </a:ext>
+            </a:extLst>
+          </p:cNvPr>
+          <p:cNvSpPr>
+            <a:spLocks noGrp="1" noRot="1" noChangeAspect="1" noMove="1" noResize="1" noEditPoints="1" noAdjustHandles="1" noChangeArrowheads="1" noChangeShapeType="1" noTextEdit="1"/>
+          </p:cNvSpPr>
+          <p:nvPr>
+            <p:extLst>
+              <p:ext uri="{386F3935-93C4-4BCD-93E2-E3B085C9AB24}">
+                <p16:designElem xmlns:p16="http://schemas.microsoft.com/office/powerpoint/2015/main" val="1"/>
+              </p:ext>
+            </p:extLst>
+          </p:nvPr>
+        </p:nvSpPr>
+        <p:spPr>
+          <a:xfrm>
+            <a:off x="920834" y="1346946"/>
+            <a:ext cx="10222992" cy="80683"/>
+          </a:xfrm>
+          <a:prstGeom prst="rect">
+            <a:avLst/>
+          </a:prstGeom>
+          <a:blipFill dpi="0" rotWithShape="1">
+            <a:blip r:embed="rId2">
+              <a:alphaModFix amt="80000"/>
+              <a:lum bright="70000" contrast="-70000"/>
+              <a:extLst>
+                <a:ext uri="{BEBA8EAE-BF5A-486C-A8C5-ECC9F3942E4B}">
+                  <a14:imgProps xmlns:a14="http://schemas.microsoft.com/office/drawing/2010/main">
+                    <a14:imgLayer r:embed="rId3">
+                      <a14:imgEffect>
+                        <a14:sharpenSoften amount="61000"/>
+                      </a14:imgEffect>
+                    </a14:imgLayer>
+                  </a14:imgProps>
+                </a:ext>
+                <a:ext uri="{28A0092B-C50C-407E-A947-70E740481C1C}">
+                  <a14:useLocalDpi xmlns:a14="http://schemas.microsoft.com/office/drawing/2010/main" val="0"/>
+                </a:ext>
+              </a:extLst>
+            </a:blip>
+            <a:srcRect/>
+            <a:tile tx="0" ty="-762000" sx="92000" sy="89000" flip="xy" algn="ctr"/>
+          </a:blipFill>
+          <a:ln>
+            <a:noFill/>
+          </a:ln>
+        </p:spPr>
+        <p:style>
+          <a:lnRef idx="2">
+            <a:schemeClr val="accent1">
+              <a:shade val="50000"/>
+            </a:schemeClr>
+          </a:lnRef>
+          <a:fillRef idx="1">
+            <a:schemeClr val="accent1"/>
+          </a:fillRef>
+          <a:effectRef idx="0">
+            <a:schemeClr val="accent1"/>
+          </a:effectRef>
+          <a:fontRef idx="minor">
+            <a:schemeClr val="lt1"/>
+          </a:fontRef>
+        </p:style>
+        <p:txBody>
+          <a:bodyPr rtlCol="0" anchor="ctr"/>
+          <a:lstStyle/>
+          <a:p>
+            <a:pPr algn="ctr"/>
+            <a:endParaRPr lang="en-US"/>
+          </a:p>
+        </p:txBody>
+      </p:sp>
+      <p:sp>
+        <p:nvSpPr>
+          <p:cNvPr id="59" name="Rectangle 58">
+            <a:extLst>
+              <a:ext uri="{FF2B5EF4-FFF2-40B4-BE49-F238E27FC236}">
+                <a16:creationId xmlns:a16="http://schemas.microsoft.com/office/drawing/2014/main" id="{09024FCB-4926-410B-85FF-191ADB1EE68F}"/>
+              </a:ext>
+              <a:ext uri="{C183D7F6-B498-43B3-948B-1728B52AA6E4}">
+                <adec:decorative xmlns:adec="http://schemas.microsoft.com/office/drawing/2017/decorative" val="1"/>
+              </a:ext>
+            </a:extLst>
+          </p:cNvPr>
+          <p:cNvSpPr>
+            <a:spLocks noGrp="1" noRot="1" noChangeAspect="1" noMove="1" noResize="1" noEditPoints="1" noAdjustHandles="1" noChangeArrowheads="1" noChangeShapeType="1" noTextEdit="1"/>
+          </p:cNvSpPr>
+          <p:nvPr>
+            <p:extLst>
+              <p:ext uri="{386F3935-93C4-4BCD-93E2-E3B085C9AB24}">
+                <p16:designElem xmlns:p16="http://schemas.microsoft.com/office/powerpoint/2015/main" val="1"/>
+              </p:ext>
+            </p:extLst>
+          </p:nvPr>
+        </p:nvSpPr>
+        <p:spPr>
+          <a:xfrm>
+            <a:off x="920834" y="4282762"/>
+            <a:ext cx="10222992" cy="80683"/>
+          </a:xfrm>
+          <a:prstGeom prst="rect">
+            <a:avLst/>
+          </a:prstGeom>
+          <a:blipFill dpi="0" rotWithShape="1">
+            <a:blip r:embed="rId2">
+              <a:alphaModFix amt="80000"/>
+              <a:lum bright="70000" contrast="-70000"/>
+              <a:extLst>
+                <a:ext uri="{BEBA8EAE-BF5A-486C-A8C5-ECC9F3942E4B}">
+                  <a14:imgProps xmlns:a14="http://schemas.microsoft.com/office/drawing/2010/main">
+                    <a14:imgLayer r:embed="rId3">
+                      <a14:imgEffect>
+                        <a14:sharpenSoften amount="61000"/>
+                      </a14:imgEffect>
+                    </a14:imgLayer>
+                  </a14:imgProps>
+                </a:ext>
+                <a:ext uri="{28A0092B-C50C-407E-A947-70E740481C1C}">
+                  <a14:useLocalDpi xmlns:a14="http://schemas.microsoft.com/office/drawing/2010/main" val="0"/>
+                </a:ext>
+              </a:extLst>
+            </a:blip>
+            <a:srcRect/>
+            <a:tile tx="0" ty="-717550" sx="92000" sy="89000" flip="xy" algn="ctr"/>
+          </a:blipFill>
+          <a:ln>
+            <a:noFill/>
+          </a:ln>
+        </p:spPr>
+        <p:style>
+          <a:lnRef idx="2">
+            <a:schemeClr val="accent1">
+              <a:shade val="50000"/>
+            </a:schemeClr>
+          </a:lnRef>
+          <a:fillRef idx="1">
+            <a:schemeClr val="accent1"/>
+          </a:fillRef>
+          <a:effectRef idx="0">
+            <a:schemeClr val="accent1"/>
+          </a:effectRef>
+          <a:fontRef idx="minor">
+            <a:schemeClr val="lt1"/>
+          </a:fontRef>
+        </p:style>
+        <p:txBody>
+          <a:bodyPr rtlCol="0" anchor="ctr"/>
+          <a:lstStyle/>
+          <a:p>
+            <a:pPr algn="ctr"/>
+            <a:endParaRPr lang="en-US"/>
+          </a:p>
+        </p:txBody>
+      </p:sp>
+      <p:sp>
+        <p:nvSpPr>
+          <p:cNvPr id="61" name="Rectangle 60">
+            <a:extLst>
+              <a:ext uri="{FF2B5EF4-FFF2-40B4-BE49-F238E27FC236}">
+                <a16:creationId xmlns:a16="http://schemas.microsoft.com/office/drawing/2014/main" id="{C07D6E4A-46B6-44CC-AC6E-2DD00DABA64C}"/>
+              </a:ext>
+              <a:ext uri="{C183D7F6-B498-43B3-948B-1728B52AA6E4}">
+                <adec:decorative xmlns:adec="http://schemas.microsoft.com/office/drawing/2017/decorative" val="1"/>
+              </a:ext>
+            </a:extLst>
+          </p:cNvPr>
+          <p:cNvSpPr>
+            <a:spLocks noGrp="1" noRot="1" noChangeAspect="1" noMove="1" noResize="1" noEditPoints="1" noAdjustHandles="1" noChangeArrowheads="1" noChangeShapeType="1" noTextEdit="1"/>
+          </p:cNvSpPr>
+          <p:nvPr>
+            <p:extLst>
+              <p:ext uri="{386F3935-93C4-4BCD-93E2-E3B085C9AB24}">
+                <p16:designElem xmlns:p16="http://schemas.microsoft.com/office/powerpoint/2015/main" val="1"/>
+              </p:ext>
+            </p:extLst>
+          </p:nvPr>
+        </p:nvSpPr>
+        <p:spPr>
+          <a:xfrm>
+            <a:off x="920834" y="1484779"/>
+            <a:ext cx="10222992" cy="2743200"/>
+          </a:xfrm>
+          <a:prstGeom prst="rect">
+            <a:avLst/>
+          </a:prstGeom>
+          <a:blipFill dpi="0" rotWithShape="1">
+            <a:blip r:embed="rId2">
+              <a:alphaModFix amt="80000"/>
+              <a:lum bright="70000" contrast="-70000"/>
+              <a:extLst>
+                <a:ext uri="{BEBA8EAE-BF5A-486C-A8C5-ECC9F3942E4B}">
+                  <a14:imgProps xmlns:a14="http://schemas.microsoft.com/office/drawing/2010/main">
+                    <a14:imgLayer r:embed="rId3">
+                      <a14:imgEffect>
+                        <a14:sharpenSoften amount="61000"/>
+                      </a14:imgEffect>
+                    </a14:imgLayer>
+                  </a14:imgProps>
+                </a:ext>
+                <a:ext uri="{28A0092B-C50C-407E-A947-70E740481C1C}">
+                  <a14:useLocalDpi xmlns:a14="http://schemas.microsoft.com/office/drawing/2010/main" val="0"/>
+                </a:ext>
+              </a:extLst>
+            </a:blip>
+            <a:srcRect/>
+            <a:tile tx="0" ty="-704850" sx="92000" sy="89000" flip="xy" algn="ctr"/>
+          </a:blipFill>
+          <a:ln>
+            <a:noFill/>
+          </a:ln>
+        </p:spPr>
+        <p:style>
+          <a:lnRef idx="2">
+            <a:schemeClr val="accent1">
+              <a:shade val="50000"/>
+            </a:schemeClr>
+          </a:lnRef>
+          <a:fillRef idx="1">
+            <a:schemeClr val="accent1"/>
+          </a:fillRef>
+          <a:effectRef idx="0">
+            <a:schemeClr val="accent1"/>
+          </a:effectRef>
+          <a:fontRef idx="minor">
+            <a:schemeClr val="lt1"/>
+          </a:fontRef>
+        </p:style>
+        <p:txBody>
+          <a:bodyPr rtlCol="0" anchor="ctr"/>
+          <a:lstStyle/>
+          <a:p>
+            <a:pPr algn="ctr"/>
+            <a:endParaRPr lang="en-US"/>
+          </a:p>
+        </p:txBody>
+      </p:sp>
+      <p:grpSp>
+        <p:nvGrpSpPr>
+          <p:cNvPr id="63" name="Group 62">
+            <a:extLst>
+              <a:ext uri="{FF2B5EF4-FFF2-40B4-BE49-F238E27FC236}">
+                <a16:creationId xmlns:a16="http://schemas.microsoft.com/office/drawing/2014/main" id="{2AFD3B47-DA6C-4208-B8BE-7ECBC7ECB57D}"/>
+              </a:ext>
+              <a:ext uri="{C183D7F6-B498-43B3-948B-1728B52AA6E4}">
+                <adec:decorative xmlns:adec="http://schemas.microsoft.com/office/drawing/2017/decorative" val="1"/>
+              </a:ext>
+            </a:extLst>
+          </p:cNvPr>
+          <p:cNvGrpSpPr>
+            <a:grpSpLocks noGrp="1" noUngrp="1" noRot="1" noChangeAspect="1" noMove="1" noResize="1"/>
+          </p:cNvGrpSpPr>
+          <p:nvPr>
+            <p:extLst>
+              <p:ext uri="{386F3935-93C4-4BCD-93E2-E3B085C9AB24}">
+                <p16:designElem xmlns:p16="http://schemas.microsoft.com/office/powerpoint/2015/main" val="1"/>
+              </p:ext>
+            </p:extLst>
+          </p:nvPr>
+        </p:nvGrpSpPr>
+        <p:grpSpPr>
+          <a:xfrm>
+            <a:off x="9649215" y="4068923"/>
+            <a:ext cx="1080904" cy="1080902"/>
+            <a:chOff x="9685338" y="4460675"/>
+            <a:chExt cx="1080904" cy="1080902"/>
+          </a:xfrm>
+        </p:grpSpPr>
+        <p:sp>
+          <p:nvSpPr>
+            <p:cNvPr id="64" name="Oval 63">
+              <a:extLst>
+                <a:ext uri="{FF2B5EF4-FFF2-40B4-BE49-F238E27FC236}">
+                  <a16:creationId xmlns:a16="http://schemas.microsoft.com/office/drawing/2014/main" id="{380E4DF5-9537-49C7-A006-BCEC784A200B}"/>
+                </a:ext>
+                <a:ext uri="{C183D7F6-B498-43B3-948B-1728B52AA6E4}">
+                  <adec:decorative xmlns:adec="http://schemas.microsoft.com/office/drawing/2017/decorative" val="1"/>
+                </a:ext>
+              </a:extLst>
+            </p:cNvPr>
+            <p:cNvSpPr/>
+            <p:nvPr>
+              <p:extLst>
+                <p:ext uri="{386F3935-93C4-4BCD-93E2-E3B085C9AB24}">
+                  <p16:designElem xmlns:p16="http://schemas.microsoft.com/office/powerpoint/2015/main" val="1"/>
+                </p:ext>
+              </p:extLst>
+            </p:nvPr>
+          </p:nvSpPr>
+          <p:spPr>
+            <a:xfrm>
+              <a:off x="9685338" y="4460675"/>
+              <a:ext cx="1080904" cy="1080902"/>
+            </a:xfrm>
+            <a:prstGeom prst="ellipse">
+              <a:avLst/>
+            </a:prstGeom>
+            <a:blipFill dpi="0" rotWithShape="1">
+              <a:blip r:embed="rId4">
+                <a:duotone>
+                  <a:schemeClr val="accent2">
+                    <a:shade val="45000"/>
+                    <a:satMod val="135000"/>
+                  </a:schemeClr>
+                  <a:prstClr val="white"/>
+                </a:duotone>
+                <a:extLst>
+                  <a:ext uri="{BEBA8EAE-BF5A-486C-A8C5-ECC9F3942E4B}">
+                    <a14:imgProps xmlns:a14="http://schemas.microsoft.com/office/drawing/2010/main">
+                      <a14:imgLayer r:embed="rId5">
+                        <a14:imgEffect>
+                          <a14:saturation sat="95000"/>
+                        </a14:imgEffect>
+                      </a14:imgLayer>
+                    </a14:imgProps>
+                  </a:ext>
+                </a:extLst>
+              </a:blip>
+              <a:srcRect/>
+              <a:tile tx="0" ty="0" sx="85000" sy="85000" flip="none" algn="tl"/>
+            </a:blipFill>
+            <a:ln w="25400" cap="flat" cmpd="sng" algn="ctr">
+              <a:noFill/>
+              <a:prstDash val="solid"/>
+            </a:ln>
+            <a:effectLst/>
+          </p:spPr>
+          <p:txBody>
+            <a:bodyPr lIns="0" tIns="0" rIns="0" bIns="0" rtlCol="0" anchor="ctr"/>
+            <a:lstStyle/>
+            <a:p>
+              <a:pPr marL="0" marR="0" lvl="0" indent="0" algn="ctr" defTabSz="914400" eaLnBrk="1" fontAlgn="auto" latinLnBrk="0" hangingPunct="1">
+                <a:lnSpc>
+                  <a:spcPct val="100000"/>
+                </a:lnSpc>
+                <a:spcBef>
+                  <a:spcPts val="0"/>
+                </a:spcBef>
+                <a:spcAft>
+                  <a:spcPts val="0"/>
+                </a:spcAft>
+                <a:buClrTx/>
+                <a:buSzTx/>
+                <a:buFontTx/>
+                <a:buNone/>
+                <a:tabLst/>
+                <a:defRPr/>
+              </a:pPr>
+              <a:endParaRPr kumimoji="0" lang="en-US" sz="2000" b="0" i="0" u="none" strike="noStrike" kern="0" cap="none" spc="0" normalizeH="0" baseline="0" noProof="0" dirty="0">
+                <a:ln>
+                  <a:noFill/>
+                </a:ln>
+                <a:solidFill>
+                  <a:prstClr val="white"/>
+                </a:solidFill>
+                <a:effectLst/>
+                <a:uLnTx/>
+                <a:uFillTx/>
+                <a:latin typeface="Rockwell Extra Bold" pitchFamily="18" charset="0"/>
+                <a:ea typeface="+mn-ea"/>
+                <a:cs typeface="+mn-cs"/>
+              </a:endParaRPr>
+            </a:p>
+          </p:txBody>
+        </p:sp>
+        <p:sp>
+          <p:nvSpPr>
+            <p:cNvPr id="65" name="Oval 64">
+              <a:extLst>
+                <a:ext uri="{FF2B5EF4-FFF2-40B4-BE49-F238E27FC236}">
+                  <a16:creationId xmlns:a16="http://schemas.microsoft.com/office/drawing/2014/main" id="{830DD2DF-8124-4BFB-9ADA-DC59BF103CDE}"/>
+                </a:ext>
+                <a:ext uri="{C183D7F6-B498-43B3-948B-1728B52AA6E4}">
+                  <adec:decorative xmlns:adec="http://schemas.microsoft.com/office/drawing/2017/decorative" val="1"/>
+                </a:ext>
+              </a:extLst>
+            </p:cNvPr>
+            <p:cNvSpPr/>
+            <p:nvPr>
+              <p:extLst>
+                <p:ext uri="{386F3935-93C4-4BCD-93E2-E3B085C9AB24}">
+                  <p16:designElem xmlns:p16="http://schemas.microsoft.com/office/powerpoint/2015/main" val="1"/>
+                </p:ext>
+              </p:extLst>
+            </p:nvPr>
+          </p:nvSpPr>
+          <p:spPr>
+            <a:xfrm>
+              <a:off x="9793429" y="4568765"/>
+              <a:ext cx="864723" cy="864722"/>
+            </a:xfrm>
+            <a:prstGeom prst="ellipse">
+              <a:avLst/>
+            </a:prstGeom>
+            <a:noFill/>
+            <a:ln w="25400" cap="flat" cmpd="sng" algn="ctr">
+              <a:solidFill>
+                <a:sysClr val="window" lastClr="FFFFFF"/>
+              </a:solidFill>
+              <a:prstDash val="solid"/>
+            </a:ln>
+            <a:effectLst/>
+          </p:spPr>
+          <p:txBody>
+            <a:bodyPr rtlCol="0" anchor="ctr"/>
+            <a:lstStyle/>
+            <a:p>
+              <a:pPr marL="0" marR="0" lvl="0" indent="0" algn="ctr" defTabSz="914400" eaLnBrk="1" fontAlgn="auto" latinLnBrk="0" hangingPunct="1">
+                <a:lnSpc>
+                  <a:spcPct val="100000"/>
+                </a:lnSpc>
+                <a:spcBef>
+                  <a:spcPts val="0"/>
+                </a:spcBef>
+                <a:spcAft>
+                  <a:spcPts val="0"/>
+                </a:spcAft>
+                <a:buClrTx/>
+                <a:buSzTx/>
+                <a:buFontTx/>
+                <a:buNone/>
+                <a:tabLst/>
+                <a:defRPr/>
+              </a:pPr>
+              <a:endParaRPr kumimoji="0" lang="en-US" sz="1800" b="0" i="0" u="none" strike="noStrike" kern="0" cap="none" spc="0" normalizeH="0" baseline="0" noProof="0" dirty="0">
+                <a:ln>
+                  <a:noFill/>
+                </a:ln>
+                <a:solidFill>
+                  <a:prstClr val="white"/>
+                </a:solidFill>
+                <a:effectLst/>
+                <a:uLnTx/>
+                <a:uFillTx/>
+                <a:latin typeface="Calibri"/>
+                <a:ea typeface="+mn-ea"/>
+                <a:cs typeface="+mn-cs"/>
+              </a:endParaRPr>
+            </a:p>
+          </p:txBody>
+        </p:sp>
+      </p:grpSp>
+      <p:sp>
+        <p:nvSpPr>
+          <p:cNvPr id="67" name="Rectangle 66">
+            <a:extLst>
+              <a:ext uri="{FF2B5EF4-FFF2-40B4-BE49-F238E27FC236}">
+                <a16:creationId xmlns:a16="http://schemas.microsoft.com/office/drawing/2014/main" id="{0FED2FCE-8E47-4E4F-9374-DE924A3A2243}"/>
+              </a:ext>
+              <a:ext uri="{C183D7F6-B498-43B3-948B-1728B52AA6E4}">
+                <adec:decorative xmlns:adec="http://schemas.microsoft.com/office/drawing/2017/decorative" val="1"/>
+              </a:ext>
+            </a:extLst>
+          </p:cNvPr>
+          <p:cNvSpPr>
+            <a:spLocks noGrp="1" noRot="1" noChangeAspect="1" noMove="1" noResize="1" noEditPoints="1" noAdjustHandles="1" noChangeArrowheads="1" noChangeShapeType="1" noTextEdit="1"/>
+          </p:cNvSpPr>
+          <p:nvPr>
+            <p:extLst>
+              <p:ext uri="{386F3935-93C4-4BCD-93E2-E3B085C9AB24}">
+                <p16:designElem xmlns:p16="http://schemas.microsoft.com/office/powerpoint/2015/main" val="1"/>
+              </p:ext>
+            </p:extLst>
+          </p:nvPr>
+        </p:nvSpPr>
+        <p:spPr bwMode="white">
+          <a:xfrm>
+            <a:off x="0" y="0"/>
+            <a:ext cx="12188952" cy="6858001"/>
+          </a:xfrm>
+          <a:prstGeom prst="rect">
+            <a:avLst/>
+          </a:prstGeom>
+          <a:solidFill>
+            <a:schemeClr val="bg1"/>
+          </a:solidFill>
+          <a:ln>
+            <a:noFill/>
+          </a:ln>
+        </p:spPr>
+        <p:style>
+          <a:lnRef idx="2">
+            <a:schemeClr val="accent1">
+              <a:shade val="50000"/>
+            </a:schemeClr>
+          </a:lnRef>
+          <a:fillRef idx="1">
+            <a:schemeClr val="accent1"/>
+          </a:fillRef>
+          <a:effectRef idx="0">
+            <a:schemeClr val="accent1"/>
+          </a:effectRef>
+          <a:fontRef idx="minor">
+            <a:schemeClr val="lt1"/>
+          </a:fontRef>
+        </p:style>
+        <p:txBody>
+          <a:bodyPr rot="0" spcFirstLastPara="0" vert="horz" wrap="square" lIns="91440" tIns="45720" rIns="91440" bIns="45720" numCol="1" spcCol="0" rtlCol="0" fromWordArt="0" anchor="ctr" anchorCtr="0" forceAA="0" compatLnSpc="1">
+            <a:prstTxWarp prst="textNoShape">
+              <a:avLst/>
+            </a:prstTxWarp>
+            <a:noAutofit/>
+          </a:bodyPr>
+          <a:lstStyle>
+            <a:defPPr>
+              <a:defRPr lang="en-US"/>
+            </a:defPPr>
+            <a:lvl1pPr marL="0" algn="l" defTabSz="914400" rtl="0" eaLnBrk="1" latinLnBrk="0" hangingPunct="1">
+              <a:defRPr sz="1800" kern="1200">
+                <a:solidFill>
+                  <a:schemeClr val="lt1"/>
+                </a:solidFill>
+                <a:latin typeface="+mn-lt"/>
+                <a:ea typeface="+mn-ea"/>
+                <a:cs typeface="+mn-cs"/>
+              </a:defRPr>
+            </a:lvl1pPr>
+            <a:lvl2pPr marL="457200" algn="l" defTabSz="914400" rtl="0" eaLnBrk="1" latinLnBrk="0" hangingPunct="1">
+              <a:defRPr sz="1800" kern="1200">
+                <a:solidFill>
+                  <a:schemeClr val="lt1"/>
+                </a:solidFill>
+                <a:latin typeface="+mn-lt"/>
+                <a:ea typeface="+mn-ea"/>
+                <a:cs typeface="+mn-cs"/>
+              </a:defRPr>
+            </a:lvl2pPr>
+            <a:lvl3pPr marL="914400" algn="l" defTabSz="914400" rtl="0" eaLnBrk="1" latinLnBrk="0" hangingPunct="1">
+              <a:defRPr sz="1800" kern="1200">
+                <a:solidFill>
+                  <a:schemeClr val="lt1"/>
+                </a:solidFill>
+                <a:latin typeface="+mn-lt"/>
+                <a:ea typeface="+mn-ea"/>
+                <a:cs typeface="+mn-cs"/>
+              </a:defRPr>
+            </a:lvl3pPr>
+            <a:lvl4pPr marL="1371600" algn="l" defTabSz="914400" rtl="0" eaLnBrk="1" latinLnBrk="0" hangingPunct="1">
+              <a:defRPr sz="1800" kern="1200">
+                <a:solidFill>
+                  <a:schemeClr val="lt1"/>
+                </a:solidFill>
+                <a:latin typeface="+mn-lt"/>
+                <a:ea typeface="+mn-ea"/>
+                <a:cs typeface="+mn-cs"/>
+              </a:defRPr>
+            </a:lvl4pPr>
+            <a:lvl5pPr marL="1828800" algn="l" defTabSz="914400" rtl="0" eaLnBrk="1" latinLnBrk="0" hangingPunct="1">
+              <a:defRPr sz="1800" kern="1200">
+                <a:solidFill>
+                  <a:schemeClr val="lt1"/>
+                </a:solidFill>
+                <a:latin typeface="+mn-lt"/>
+                <a:ea typeface="+mn-ea"/>
+                <a:cs typeface="+mn-cs"/>
+              </a:defRPr>
+            </a:lvl5pPr>
+            <a:lvl6pPr marL="2286000" algn="l" defTabSz="914400" rtl="0" eaLnBrk="1" latinLnBrk="0" hangingPunct="1">
+              <a:defRPr sz="1800" kern="1200">
+                <a:solidFill>
+                  <a:schemeClr val="lt1"/>
+                </a:solidFill>
+                <a:latin typeface="+mn-lt"/>
+                <a:ea typeface="+mn-ea"/>
+                <a:cs typeface="+mn-cs"/>
+              </a:defRPr>
+            </a:lvl6pPr>
+            <a:lvl7pPr marL="2743200" algn="l" defTabSz="914400" rtl="0" eaLnBrk="1" latinLnBrk="0" hangingPunct="1">
+              <a:defRPr sz="1800" kern="1200">
+                <a:solidFill>
+                  <a:schemeClr val="lt1"/>
+                </a:solidFill>
+                <a:latin typeface="+mn-lt"/>
+                <a:ea typeface="+mn-ea"/>
+                <a:cs typeface="+mn-cs"/>
+              </a:defRPr>
+            </a:lvl7pPr>
+            <a:lvl8pPr marL="3200400" algn="l" defTabSz="914400" rtl="0" eaLnBrk="1" latinLnBrk="0" hangingPunct="1">
+              <a:defRPr sz="1800" kern="1200">
+                <a:solidFill>
+                  <a:schemeClr val="lt1"/>
+                </a:solidFill>
+                <a:latin typeface="+mn-lt"/>
+                <a:ea typeface="+mn-ea"/>
+                <a:cs typeface="+mn-cs"/>
+              </a:defRPr>
+            </a:lvl8pPr>
+            <a:lvl9pPr marL="3657600" algn="l" defTabSz="914400" rtl="0" eaLnBrk="1" latinLnBrk="0" hangingPunct="1">
+              <a:defRPr sz="1800" kern="1200">
+                <a:solidFill>
+                  <a:schemeClr val="lt1"/>
+                </a:solidFill>
+                <a:latin typeface="+mn-lt"/>
+                <a:ea typeface="+mn-ea"/>
+                <a:cs typeface="+mn-cs"/>
+              </a:defRPr>
+            </a:lvl9pPr>
+          </a:lstStyle>
+          <a:p>
+            <a:pPr algn="ctr"/>
+            <a:endParaRPr lang="en-US"/>
+          </a:p>
+        </p:txBody>
+      </p:sp>
+      <p:sp>
+        <p:nvSpPr>
+          <p:cNvPr id="69" name="Rectangle 68">
+            <a:extLst>
+              <a:ext uri="{FF2B5EF4-FFF2-40B4-BE49-F238E27FC236}">
+                <a16:creationId xmlns:a16="http://schemas.microsoft.com/office/drawing/2014/main" id="{B73713AD-AEA5-4C0F-B838-28130E9A345A}"/>
+              </a:ext>
+              <a:ext uri="{C183D7F6-B498-43B3-948B-1728B52AA6E4}">
+                <adec:decorative xmlns:adec="http://schemas.microsoft.com/office/drawing/2017/decorative" val="1"/>
+              </a:ext>
+            </a:extLst>
+          </p:cNvPr>
+          <p:cNvSpPr>
+            <a:spLocks noGrp="1" noRot="1" noChangeAspect="1" noMove="1" noResize="1" noEditPoints="1" noAdjustHandles="1" noChangeArrowheads="1" noChangeShapeType="1" noTextEdit="1"/>
+          </p:cNvSpPr>
+          <p:nvPr>
+            <p:extLst>
+              <p:ext uri="{386F3935-93C4-4BCD-93E2-E3B085C9AB24}">
+                <p16:designElem xmlns:p16="http://schemas.microsoft.com/office/powerpoint/2015/main" val="1"/>
+              </p:ext>
+            </p:extLst>
+          </p:nvPr>
+        </p:nvSpPr>
+        <p:spPr>
+          <a:xfrm>
+            <a:off x="920834" y="928117"/>
+            <a:ext cx="10351008" cy="80683"/>
+          </a:xfrm>
+          <a:prstGeom prst="rect">
+            <a:avLst/>
+          </a:prstGeom>
+          <a:blipFill dpi="0" rotWithShape="1">
+            <a:blip r:embed="rId2">
+              <a:alphaModFix amt="85000"/>
+              <a:lum bright="70000" contrast="-70000"/>
+              <a:extLst>
+                <a:ext uri="{BEBA8EAE-BF5A-486C-A8C5-ECC9F3942E4B}">
+                  <a14:imgProps xmlns:a14="http://schemas.microsoft.com/office/drawing/2010/main">
+                    <a14:imgLayer r:embed="rId3">
+                      <a14:imgEffect>
+                        <a14:sharpenSoften amount="61000"/>
+                      </a14:imgEffect>
+                    </a14:imgLayer>
+                  </a14:imgProps>
+                </a:ext>
+                <a:ext uri="{28A0092B-C50C-407E-A947-70E740481C1C}">
+                  <a14:useLocalDpi xmlns:a14="http://schemas.microsoft.com/office/drawing/2010/main" val="0"/>
+                </a:ext>
+              </a:extLst>
+            </a:blip>
+            <a:srcRect/>
+            <a:tile tx="0" ty="-762000" sx="92000" sy="89000" flip="xy" algn="ctr"/>
+          </a:blipFill>
+          <a:ln>
+            <a:noFill/>
+          </a:ln>
+        </p:spPr>
+        <p:style>
+          <a:lnRef idx="2">
+            <a:schemeClr val="accent1">
+              <a:shade val="50000"/>
+            </a:schemeClr>
+          </a:lnRef>
+          <a:fillRef idx="1">
+            <a:schemeClr val="accent1"/>
+          </a:fillRef>
+          <a:effectRef idx="0">
+            <a:schemeClr val="accent1"/>
+          </a:effectRef>
+          <a:fontRef idx="minor">
+            <a:schemeClr val="lt1"/>
+          </a:fontRef>
+        </p:style>
+        <p:txBody>
+          <a:bodyPr rtlCol="0" anchor="ctr"/>
+          <a:lstStyle/>
+          <a:p>
+            <a:pPr algn="ctr"/>
+            <a:endParaRPr lang="en-US"/>
+          </a:p>
+        </p:txBody>
+      </p:sp>
+      <p:sp>
+        <p:nvSpPr>
+          <p:cNvPr id="71" name="Rectangle 70">
+            <a:extLst>
+              <a:ext uri="{FF2B5EF4-FFF2-40B4-BE49-F238E27FC236}">
+                <a16:creationId xmlns:a16="http://schemas.microsoft.com/office/drawing/2014/main" id="{85283539-BDE7-461E-BE9E-3BDB91175D64}"/>
+              </a:ext>
+              <a:ext uri="{C183D7F6-B498-43B3-948B-1728B52AA6E4}">
+                <adec:decorative xmlns:adec="http://schemas.microsoft.com/office/drawing/2017/decorative" val="1"/>
+              </a:ext>
+            </a:extLst>
+          </p:cNvPr>
+          <p:cNvSpPr>
+            <a:spLocks noGrp="1" noRot="1" noChangeAspect="1" noMove="1" noResize="1" noEditPoints="1" noAdjustHandles="1" noChangeArrowheads="1" noChangeShapeType="1" noTextEdit="1"/>
+          </p:cNvSpPr>
+          <p:nvPr>
+            <p:extLst>
+              <p:ext uri="{386F3935-93C4-4BCD-93E2-E3B085C9AB24}">
+                <p16:designElem xmlns:p16="http://schemas.microsoft.com/office/powerpoint/2015/main" val="1"/>
+              </p:ext>
+            </p:extLst>
+          </p:nvPr>
+        </p:nvSpPr>
+        <p:spPr>
+          <a:xfrm>
+            <a:off x="7885470" y="1110053"/>
+            <a:ext cx="3386371" cy="4580301"/>
+          </a:xfrm>
+          <a:prstGeom prst="rect">
+            <a:avLst/>
+          </a:prstGeom>
+          <a:blipFill dpi="0" rotWithShape="1">
+            <a:blip r:embed="rId2">
+              <a:alphaModFix amt="85000"/>
+              <a:lum bright="70000" contrast="-70000"/>
+              <a:extLst>
+                <a:ext uri="{BEBA8EAE-BF5A-486C-A8C5-ECC9F3942E4B}">
+                  <a14:imgProps xmlns:a14="http://schemas.microsoft.com/office/drawing/2010/main">
+                    <a14:imgLayer r:embed="rId3">
+                      <a14:imgEffect>
+                        <a14:sharpenSoften amount="61000"/>
+                      </a14:imgEffect>
+                    </a14:imgLayer>
+                  </a14:imgProps>
+                </a:ext>
+                <a:ext uri="{28A0092B-C50C-407E-A947-70E740481C1C}">
+                  <a14:useLocalDpi xmlns:a14="http://schemas.microsoft.com/office/drawing/2010/main" val="0"/>
+                </a:ext>
+              </a:extLst>
+            </a:blip>
+            <a:srcRect/>
+            <a:tile tx="0" ty="-704850" sx="92000" sy="89000" flip="xy" algn="ctr"/>
+          </a:blipFill>
+          <a:ln>
+            <a:noFill/>
+          </a:ln>
+        </p:spPr>
+        <p:style>
+          <a:lnRef idx="2">
+            <a:schemeClr val="accent1">
+              <a:shade val="50000"/>
+            </a:schemeClr>
+          </a:lnRef>
+          <a:fillRef idx="1">
+            <a:schemeClr val="accent1"/>
+          </a:fillRef>
+          <a:effectRef idx="0">
+            <a:schemeClr val="accent1"/>
+          </a:effectRef>
+          <a:fontRef idx="minor">
+            <a:schemeClr val="lt1"/>
+          </a:fontRef>
+        </p:style>
+        <p:txBody>
+          <a:bodyPr rtlCol="0" anchor="ctr"/>
+          <a:lstStyle/>
+          <a:p>
+            <a:pPr algn="ctr"/>
+            <a:endParaRPr lang="en-US"/>
+          </a:p>
+        </p:txBody>
+      </p:sp>
+      <p:sp>
+        <p:nvSpPr>
+          <p:cNvPr id="2" name="Title 1">
+            <a:extLst>
+              <a:ext uri="{FF2B5EF4-FFF2-40B4-BE49-F238E27FC236}">
+                <a16:creationId xmlns:a16="http://schemas.microsoft.com/office/drawing/2014/main" id="{ACC61EB7-5F4C-58C0-C8BE-DA1BF6BF4D24}"/>
+              </a:ext>
+            </a:extLst>
+          </p:cNvPr>
+          <p:cNvSpPr>
+            <a:spLocks noGrp="1"/>
+          </p:cNvSpPr>
+          <p:nvPr>
+            <p:ph type="title"/>
+          </p:nvPr>
+        </p:nvSpPr>
+        <p:spPr>
+          <a:xfrm>
+            <a:off x="9092738" y="783307"/>
+            <a:ext cx="3386371" cy="6087365"/>
+          </a:xfrm>
+        </p:spPr>
+        <p:txBody>
+          <a:bodyPr vert="horz" lIns="91440" tIns="45720" rIns="91440" bIns="45720" rtlCol="0" anchor="ctr">
+            <a:normAutofit/>
+          </a:bodyPr>
+          <a:lstStyle/>
+          <a:p>
+            <a:pPr>
+              <a:lnSpc>
+                <a:spcPct val="85000"/>
+              </a:lnSpc>
+            </a:pPr>
+            <a:r>
+              <a:rPr lang="en-US" sz="4200" b="1" kern="1200" cap="none" baseline="0" dirty="0">
+                <a:blipFill dpi="0" rotWithShape="1">
+                  <a:blip r:embed="rId4"/>
+                  <a:srcRect/>
+                  <a:tile tx="6350" ty="-127000" sx="65000" sy="64000" flip="none" algn="tl"/>
+                </a:blipFill>
+                <a:latin typeface="+mj-lt"/>
+                <a:ea typeface="+mj-ea"/>
+                <a:cs typeface="+mj-cs"/>
+              </a:rPr>
+              <a:t>Literature survey</a:t>
+            </a:r>
+          </a:p>
+        </p:txBody>
+      </p:sp>
+      <p:sp>
+        <p:nvSpPr>
+          <p:cNvPr id="73" name="Rectangle 72">
+            <a:extLst>
+              <a:ext uri="{FF2B5EF4-FFF2-40B4-BE49-F238E27FC236}">
+                <a16:creationId xmlns:a16="http://schemas.microsoft.com/office/drawing/2014/main" id="{6233F125-A88E-45A1-8B34-B43D593C3D44}"/>
+              </a:ext>
+              <a:ext uri="{C183D7F6-B498-43B3-948B-1728B52AA6E4}">
+                <adec:decorative xmlns:adec="http://schemas.microsoft.com/office/drawing/2017/decorative" val="1"/>
+              </a:ext>
+            </a:extLst>
+          </p:cNvPr>
+          <p:cNvSpPr>
+            <a:spLocks noGrp="1" noRot="1" noChangeAspect="1" noMove="1" noResize="1" noEditPoints="1" noAdjustHandles="1" noChangeArrowheads="1" noChangeShapeType="1" noTextEdit="1"/>
+          </p:cNvSpPr>
+          <p:nvPr>
+            <p:extLst>
+              <p:ext uri="{386F3935-93C4-4BCD-93E2-E3B085C9AB24}">
+                <p16:designElem xmlns:p16="http://schemas.microsoft.com/office/powerpoint/2015/main" val="1"/>
+              </p:ext>
+            </p:extLst>
+          </p:nvPr>
+        </p:nvSpPr>
+        <p:spPr>
+          <a:xfrm>
+            <a:off x="920834" y="5780565"/>
+            <a:ext cx="10351008" cy="80683"/>
+          </a:xfrm>
+          <a:prstGeom prst="rect">
+            <a:avLst/>
+          </a:prstGeom>
+          <a:blipFill dpi="0" rotWithShape="1">
+            <a:blip r:embed="rId2">
+              <a:alphaModFix amt="85000"/>
+              <a:lum bright="70000" contrast="-70000"/>
+              <a:extLst>
+                <a:ext uri="{BEBA8EAE-BF5A-486C-A8C5-ECC9F3942E4B}">
+                  <a14:imgProps xmlns:a14="http://schemas.microsoft.com/office/drawing/2010/main">
+                    <a14:imgLayer r:embed="rId3">
+                      <a14:imgEffect>
+                        <a14:sharpenSoften amount="61000"/>
+                      </a14:imgEffect>
+                    </a14:imgLayer>
+                  </a14:imgProps>
+                </a:ext>
+                <a:ext uri="{28A0092B-C50C-407E-A947-70E740481C1C}">
+                  <a14:useLocalDpi xmlns:a14="http://schemas.microsoft.com/office/drawing/2010/main" val="0"/>
+                </a:ext>
+              </a:extLst>
+            </a:blip>
+            <a:srcRect/>
+            <a:tile tx="0" ty="-717550" sx="92000" sy="89000" flip="xy" algn="ctr"/>
+          </a:blipFill>
+          <a:ln>
+            <a:noFill/>
+          </a:ln>
+        </p:spPr>
+        <p:style>
+          <a:lnRef idx="2">
+            <a:schemeClr val="accent1">
+              <a:shade val="50000"/>
+            </a:schemeClr>
+          </a:lnRef>
+          <a:fillRef idx="1">
+            <a:schemeClr val="accent1"/>
+          </a:fillRef>
+          <a:effectRef idx="0">
+            <a:schemeClr val="accent1"/>
+          </a:effectRef>
+          <a:fontRef idx="minor">
+            <a:schemeClr val="lt1"/>
+          </a:fontRef>
+        </p:style>
+        <p:txBody>
+          <a:bodyPr rtlCol="0" anchor="ctr"/>
+          <a:lstStyle/>
+          <a:p>
+            <a:pPr algn="ctr"/>
+            <a:endParaRPr lang="en-US"/>
+          </a:p>
+        </p:txBody>
+      </p:sp>
+      <p:sp>
+        <p:nvSpPr>
+          <p:cNvPr id="4" name="Footer Placeholder 3">
+            <a:extLst>
+              <a:ext uri="{FF2B5EF4-FFF2-40B4-BE49-F238E27FC236}">
+                <a16:creationId xmlns:a16="http://schemas.microsoft.com/office/drawing/2014/main" id="{81009539-1088-9D4A-EF4A-FBF0F18038D3}"/>
+              </a:ext>
+            </a:extLst>
+          </p:cNvPr>
+          <p:cNvSpPr>
+            <a:spLocks noGrp="1"/>
+          </p:cNvSpPr>
+          <p:nvPr>
+            <p:ph type="ftr" sz="quarter" idx="11"/>
+          </p:nvPr>
+        </p:nvSpPr>
+        <p:spPr>
+          <a:xfrm>
+            <a:off x="1088136" y="6272784"/>
+            <a:ext cx="6327648" cy="365125"/>
+          </a:xfrm>
+        </p:spPr>
+        <p:txBody>
+          <a:bodyPr vert="horz" lIns="91440" tIns="45720" rIns="91440" bIns="45720" rtlCol="0" anchor="ctr">
+            <a:normAutofit/>
+          </a:bodyPr>
+          <a:lstStyle/>
+          <a:p>
+            <a:pPr>
+              <a:spcAft>
+                <a:spcPts val="600"/>
+              </a:spcAft>
+            </a:pPr>
+            <a:r>
+              <a:rPr lang="en-US" kern="1200" dirty="0">
+                <a:solidFill>
+                  <a:schemeClr val="accent2">
+                    <a:lumMod val="50000"/>
+                  </a:schemeClr>
+                </a:solidFill>
+                <a:latin typeface="+mn-lt"/>
+                <a:ea typeface="+mn-ea"/>
+                <a:cs typeface="+mn-cs"/>
+              </a:rPr>
+              <a:t>Dept. of ECE, SJBIT</a:t>
+            </a:r>
+          </a:p>
+        </p:txBody>
+      </p:sp>
+      <p:grpSp>
+        <p:nvGrpSpPr>
+          <p:cNvPr id="75" name="Group 74">
+            <a:extLst>
+              <a:ext uri="{FF2B5EF4-FFF2-40B4-BE49-F238E27FC236}">
+                <a16:creationId xmlns:a16="http://schemas.microsoft.com/office/drawing/2014/main" id="{7EF36CD5-C683-4336-A09C-7C9F7DA5751C}"/>
+              </a:ext>
+              <a:ext uri="{C183D7F6-B498-43B3-948B-1728B52AA6E4}">
+                <adec:decorative xmlns:adec="http://schemas.microsoft.com/office/drawing/2017/decorative" val="1"/>
+              </a:ext>
+            </a:extLst>
+          </p:cNvPr>
+          <p:cNvGrpSpPr>
+            <a:grpSpLocks noGrp="1" noUngrp="1" noRot="1" noChangeAspect="1" noMove="1" noResize="1"/>
+          </p:cNvGrpSpPr>
+          <p:nvPr>
+            <p:extLst>
+              <p:ext uri="{386F3935-93C4-4BCD-93E2-E3B085C9AB24}">
+                <p16:designElem xmlns:p16="http://schemas.microsoft.com/office/powerpoint/2015/main" val="1"/>
+              </p:ext>
+            </p:extLst>
+          </p:nvPr>
+        </p:nvGrpSpPr>
+        <p:grpSpPr>
+          <a:xfrm>
+            <a:off x="9646920" y="5257800"/>
+            <a:ext cx="1080904" cy="1080902"/>
+            <a:chOff x="9685338" y="4460675"/>
+            <a:chExt cx="1080904" cy="1080902"/>
+          </a:xfrm>
+        </p:grpSpPr>
+        <p:sp>
+          <p:nvSpPr>
+            <p:cNvPr id="76" name="Oval 75">
+              <a:extLst>
+                <a:ext uri="{FF2B5EF4-FFF2-40B4-BE49-F238E27FC236}">
+                  <a16:creationId xmlns:a16="http://schemas.microsoft.com/office/drawing/2014/main" id="{9D73A11D-D540-4951-BA1D-A37F4BD6C2D2}"/>
+                </a:ext>
+                <a:ext uri="{C183D7F6-B498-43B3-948B-1728B52AA6E4}">
+                  <adec:decorative xmlns:adec="http://schemas.microsoft.com/office/drawing/2017/decorative" val="1"/>
+                </a:ext>
+              </a:extLst>
+            </p:cNvPr>
+            <p:cNvSpPr/>
+            <p:nvPr>
+              <p:extLst>
+                <p:ext uri="{386F3935-93C4-4BCD-93E2-E3B085C9AB24}">
+                  <p16:designElem xmlns:p16="http://schemas.microsoft.com/office/powerpoint/2015/main" val="1"/>
+                </p:ext>
+              </p:extLst>
+            </p:nvPr>
+          </p:nvSpPr>
+          <p:spPr>
+            <a:xfrm>
+              <a:off x="9685338" y="4460675"/>
+              <a:ext cx="1080904" cy="1080902"/>
+            </a:xfrm>
+            <a:prstGeom prst="ellipse">
+              <a:avLst/>
+            </a:prstGeom>
+            <a:blipFill dpi="0" rotWithShape="1">
+              <a:blip r:embed="rId4">
+                <a:duotone>
+                  <a:schemeClr val="accent2">
+                    <a:shade val="45000"/>
+                    <a:satMod val="135000"/>
+                  </a:schemeClr>
+                  <a:prstClr val="white"/>
+                </a:duotone>
+              </a:blip>
+              <a:srcRect/>
+              <a:tile tx="0" ty="0" sx="85000" sy="85000" flip="none" algn="tl"/>
+            </a:blipFill>
+            <a:ln w="25400" cap="flat" cmpd="sng" algn="ctr">
+              <a:noFill/>
+              <a:prstDash val="solid"/>
+            </a:ln>
+            <a:effectLst/>
+          </p:spPr>
+          <p:txBody>
+            <a:bodyPr lIns="0" tIns="0" rIns="0" bIns="0" rtlCol="0" anchor="ctr"/>
+            <a:lstStyle/>
+            <a:p>
+              <a:pPr marL="0" marR="0" lvl="0" indent="0" algn="ctr" defTabSz="914400" eaLnBrk="1" fontAlgn="auto" latinLnBrk="0" hangingPunct="1">
+                <a:lnSpc>
+                  <a:spcPct val="100000"/>
+                </a:lnSpc>
+                <a:spcBef>
+                  <a:spcPts val="0"/>
+                </a:spcBef>
+                <a:spcAft>
+                  <a:spcPts val="0"/>
+                </a:spcAft>
+                <a:buClrTx/>
+                <a:buSzTx/>
+                <a:buFontTx/>
+                <a:buNone/>
+                <a:tabLst/>
+                <a:defRPr/>
+              </a:pPr>
+              <a:endParaRPr kumimoji="0" lang="en-US" sz="2000" b="0" i="0" u="none" strike="noStrike" kern="0" cap="none" spc="0" normalizeH="0" baseline="0" noProof="0" dirty="0">
+                <a:ln>
+                  <a:noFill/>
+                </a:ln>
+                <a:solidFill>
+                  <a:prstClr val="white"/>
+                </a:solidFill>
+                <a:effectLst/>
+                <a:uLnTx/>
+                <a:uFillTx/>
+                <a:latin typeface="Rockwell Extra Bold" pitchFamily="18" charset="0"/>
+                <a:ea typeface="+mn-ea"/>
+                <a:cs typeface="+mn-cs"/>
+              </a:endParaRPr>
+            </a:p>
+          </p:txBody>
+        </p:sp>
+        <p:sp>
+          <p:nvSpPr>
+            <p:cNvPr id="77" name="Oval 76">
+              <a:extLst>
+                <a:ext uri="{FF2B5EF4-FFF2-40B4-BE49-F238E27FC236}">
+                  <a16:creationId xmlns:a16="http://schemas.microsoft.com/office/drawing/2014/main" id="{FFF1ABBF-EB49-4D37-9088-FD5E110C3DC5}"/>
+                </a:ext>
+                <a:ext uri="{C183D7F6-B498-43B3-948B-1728B52AA6E4}">
+                  <adec:decorative xmlns:adec="http://schemas.microsoft.com/office/drawing/2017/decorative" val="1"/>
+                </a:ext>
+              </a:extLst>
+            </p:cNvPr>
+            <p:cNvSpPr/>
+            <p:nvPr>
+              <p:extLst>
+                <p:ext uri="{386F3935-93C4-4BCD-93E2-E3B085C9AB24}">
+                  <p16:designElem xmlns:p16="http://schemas.microsoft.com/office/powerpoint/2015/main" val="1"/>
+                </p:ext>
+              </p:extLst>
+            </p:nvPr>
+          </p:nvSpPr>
+          <p:spPr>
+            <a:xfrm>
+              <a:off x="9793429" y="4568765"/>
+              <a:ext cx="864723" cy="864722"/>
+            </a:xfrm>
+            <a:prstGeom prst="ellipse">
+              <a:avLst/>
+            </a:prstGeom>
+            <a:noFill/>
+            <a:ln w="25400" cap="flat" cmpd="sng" algn="ctr">
+              <a:solidFill>
+                <a:sysClr val="window" lastClr="FFFFFF"/>
+              </a:solidFill>
+              <a:prstDash val="solid"/>
+            </a:ln>
+            <a:effectLst/>
+          </p:spPr>
+          <p:txBody>
+            <a:bodyPr rtlCol="0" anchor="ctr"/>
+            <a:lstStyle/>
+            <a:p>
+              <a:pPr marL="0" marR="0" lvl="0" indent="0" algn="ctr" defTabSz="914400" eaLnBrk="1" fontAlgn="auto" latinLnBrk="0" hangingPunct="1">
+                <a:lnSpc>
+                  <a:spcPct val="100000"/>
+                </a:lnSpc>
+                <a:spcBef>
+                  <a:spcPts val="0"/>
+                </a:spcBef>
+                <a:spcAft>
+                  <a:spcPts val="0"/>
+                </a:spcAft>
+                <a:buClrTx/>
+                <a:buSzTx/>
+                <a:buFontTx/>
+                <a:buNone/>
+                <a:tabLst/>
+                <a:defRPr/>
+              </a:pPr>
+              <a:endParaRPr kumimoji="0" lang="en-US" sz="1800" b="0" i="0" u="none" strike="noStrike" kern="0" cap="none" spc="0" normalizeH="0" baseline="0" noProof="0" dirty="0">
+                <a:ln>
+                  <a:noFill/>
+                </a:ln>
+                <a:solidFill>
+                  <a:prstClr val="white"/>
+                </a:solidFill>
+                <a:effectLst/>
+                <a:uLnTx/>
+                <a:uFillTx/>
+                <a:latin typeface="Calibri"/>
+                <a:ea typeface="+mn-ea"/>
+                <a:cs typeface="+mn-cs"/>
+              </a:endParaRPr>
+            </a:p>
+          </p:txBody>
+        </p:sp>
+      </p:grpSp>
+      <p:sp>
+        <p:nvSpPr>
+          <p:cNvPr id="5" name="Slide Number Placeholder 4">
+            <a:extLst>
+              <a:ext uri="{FF2B5EF4-FFF2-40B4-BE49-F238E27FC236}">
+                <a16:creationId xmlns:a16="http://schemas.microsoft.com/office/drawing/2014/main" id="{BED989DA-3ACE-A064-D5AE-E9C28C1703F3}"/>
+              </a:ext>
+            </a:extLst>
+          </p:cNvPr>
+          <p:cNvSpPr>
+            <a:spLocks noGrp="1"/>
+          </p:cNvSpPr>
+          <p:nvPr>
+            <p:ph type="sldNum" sz="quarter" idx="12"/>
+          </p:nvPr>
+        </p:nvSpPr>
+        <p:spPr>
+          <a:xfrm>
+            <a:off x="9592056" y="5477256"/>
+            <a:ext cx="1193868" cy="640080"/>
+          </a:xfrm>
+        </p:spPr>
+        <p:txBody>
+          <a:bodyPr vert="horz" lIns="91440" tIns="45720" rIns="91440" bIns="45720" rtlCol="0" anchor="ctr">
+            <a:normAutofit/>
+          </a:bodyPr>
+          <a:lstStyle/>
+          <a:p>
+            <a:pPr>
+              <a:spcAft>
+                <a:spcPts val="600"/>
+              </a:spcAft>
+            </a:pPr>
+            <a:fld id="{DD7ACEB4-2473-4E5A-98D7-034FDA90FB20}" type="slidenum">
+              <a:rPr lang="en-US" sz="2800" smtClean="0"/>
+              <a:pPr>
+                <a:spcAft>
+                  <a:spcPts val="600"/>
+                </a:spcAft>
+              </a:pPr>
+              <a:t>7</a:t>
+            </a:fld>
+            <a:endParaRPr lang="en-US" sz="2800"/>
+          </a:p>
+        </p:txBody>
+      </p:sp>
+      <p:graphicFrame>
+        <p:nvGraphicFramePr>
+          <p:cNvPr id="6" name="Table 6">
+            <a:extLst>
+              <a:ext uri="{FF2B5EF4-FFF2-40B4-BE49-F238E27FC236}">
+                <a16:creationId xmlns:a16="http://schemas.microsoft.com/office/drawing/2014/main" id="{940B0A61-270A-B0F4-94F4-EE40E47FEC6C}"/>
+              </a:ext>
+            </a:extLst>
+          </p:cNvPr>
+          <p:cNvGraphicFramePr>
+            <a:graphicFrameLocks noGrp="1"/>
+          </p:cNvGraphicFramePr>
+          <p:nvPr/>
+        </p:nvGraphicFramePr>
+        <p:xfrm>
+          <a:off x="681354" y="3497910"/>
+          <a:ext cx="415178" cy="1286532"/>
+        </p:xfrm>
+        <a:graphic>
+          <a:graphicData uri="http://schemas.openxmlformats.org/drawingml/2006/table">
+            <a:tbl>
+              <a:tblPr firstRow="1" bandRow="1">
+                <a:solidFill>
+                  <a:schemeClr val="bg1"/>
+                </a:solidFill>
+                <a:tableStyleId>{8EC20E35-A176-4012-BC5E-935CFFF8708E}</a:tableStyleId>
+              </a:tblPr>
+              <a:tblGrid>
+                <a:gridCol w="162560">
+                  <a:extLst>
+                    <a:ext uri="{9D8B030D-6E8A-4147-A177-3AD203B41FA5}">
+                      <a16:colId xmlns:a16="http://schemas.microsoft.com/office/drawing/2014/main" val="4255632847"/>
+                    </a:ext>
+                  </a:extLst>
+                </a:gridCol>
+                <a:gridCol w="126309">
+                  <a:extLst>
+                    <a:ext uri="{9D8B030D-6E8A-4147-A177-3AD203B41FA5}">
+                      <a16:colId xmlns:a16="http://schemas.microsoft.com/office/drawing/2014/main" val="4210294420"/>
+                    </a:ext>
+                  </a:extLst>
+                </a:gridCol>
+                <a:gridCol w="126309">
+                  <a:extLst>
+                    <a:ext uri="{9D8B030D-6E8A-4147-A177-3AD203B41FA5}">
+                      <a16:colId xmlns:a16="http://schemas.microsoft.com/office/drawing/2014/main" val="20002"/>
+                    </a:ext>
+                  </a:extLst>
+                </a:gridCol>
+              </a:tblGrid>
+              <a:tr h="0">
+                <a:tc>
+                  <a:txBody>
+                    <a:bodyPr/>
+                    <a:lstStyle/>
+                    <a:p>
+                      <a:pPr algn="ctr"/>
+                      <a:endParaRPr lang="en-IN" sz="1050" b="0" cap="none" spc="0" dirty="0">
+                        <a:solidFill>
+                          <a:schemeClr val="bg1"/>
+                        </a:solidFill>
+                      </a:endParaRPr>
+                    </a:p>
+                  </a:txBody>
+                  <a:tcPr marL="69139" marR="31770" marT="53184" marB="53184" anchor="ctr">
+                    <a:lnL w="19050" cap="flat" cmpd="sng" algn="ctr">
+                      <a:solidFill>
+                        <a:schemeClr val="tx1"/>
+                      </a:solidFill>
+                      <a:prstDash val="solid"/>
+                    </a:lnL>
+                    <a:lnR w="19050" cap="flat" cmpd="sng" algn="ctr">
+                      <a:solidFill>
+                        <a:schemeClr val="tx1"/>
+                      </a:solidFill>
+                      <a:prstDash val="solid"/>
+                    </a:lnR>
+                    <a:lnT w="19050" cap="flat" cmpd="sng" algn="ctr">
+                      <a:solidFill>
+                        <a:schemeClr val="tx1"/>
+                      </a:solidFill>
+                      <a:prstDash val="solid"/>
+                    </a:lnT>
+                    <a:lnB w="38100" cmpd="sng">
+                      <a:noFill/>
+                    </a:lnB>
+                    <a:solidFill>
+                      <a:schemeClr val="tx1"/>
+                    </a:solidFill>
+                  </a:tcPr>
+                </a:tc>
+                <a:tc>
+                  <a:txBody>
+                    <a:bodyPr/>
+                    <a:lstStyle/>
+                    <a:p>
+                      <a:pPr algn="ctr"/>
+                      <a:endParaRPr lang="en-IN" sz="800" b="0" cap="none" spc="0" dirty="0">
+                        <a:solidFill>
+                          <a:schemeClr val="bg1"/>
+                        </a:solidFill>
+                      </a:endParaRPr>
+                    </a:p>
+                  </a:txBody>
+                  <a:tcPr marL="69139" marR="31770" marT="53184" marB="53184" anchor="ctr">
+                    <a:lnL w="19050" cap="flat" cmpd="sng" algn="ctr">
+                      <a:solidFill>
+                        <a:schemeClr val="tx1"/>
+                      </a:solidFill>
+                      <a:prstDash val="solid"/>
+                    </a:lnL>
+                    <a:lnR w="19050" cap="flat" cmpd="sng" algn="ctr">
+                      <a:solidFill>
+                        <a:schemeClr val="tx1"/>
+                      </a:solidFill>
+                      <a:prstDash val="solid"/>
+                    </a:lnR>
+                    <a:lnT w="19050" cap="flat" cmpd="sng" algn="ctr">
+                      <a:solidFill>
+                        <a:schemeClr val="tx1"/>
+                      </a:solidFill>
+                      <a:prstDash val="solid"/>
+                    </a:lnT>
+                    <a:lnB w="38100" cmpd="sng">
+                      <a:noFill/>
+                    </a:lnB>
+                    <a:solidFill>
+                      <a:schemeClr val="tx1"/>
+                    </a:solidFill>
+                  </a:tcPr>
+                </a:tc>
+                <a:tc>
+                  <a:txBody>
+                    <a:bodyPr/>
+                    <a:lstStyle/>
+                    <a:p>
+                      <a:pPr algn="ctr"/>
+                      <a:endParaRPr lang="en-IN" sz="800" b="0" cap="none" spc="0" dirty="0">
+                        <a:solidFill>
+                          <a:schemeClr val="bg1"/>
+                        </a:solidFill>
+                      </a:endParaRPr>
+                    </a:p>
+                  </a:txBody>
+                  <a:tcPr marL="69139" marR="31770" marT="53184" marB="53184" anchor="ctr">
+                    <a:lnL w="19050" cap="flat" cmpd="sng" algn="ctr">
+                      <a:solidFill>
+                        <a:schemeClr val="tx1"/>
+                      </a:solidFill>
+                      <a:prstDash val="solid"/>
+                    </a:lnL>
+                    <a:lnR w="12700" cmpd="sng">
+                      <a:noFill/>
+                    </a:lnR>
+                    <a:lnT w="19050" cap="flat" cmpd="sng" algn="ctr">
+                      <a:solidFill>
+                        <a:schemeClr val="tx1"/>
+                      </a:solidFill>
+                      <a:prstDash val="solid"/>
+                    </a:lnT>
+                    <a:lnB w="38100" cmpd="sng">
+                      <a:noFill/>
+                    </a:lnB>
+                    <a:solidFill>
+                      <a:schemeClr val="tx1"/>
+                    </a:solidFill>
+                  </a:tcPr>
+                </a:tc>
+                <a:extLst>
+                  <a:ext uri="{0D108BD9-81ED-4DB2-BD59-A6C34878D82A}">
+                    <a16:rowId xmlns:a16="http://schemas.microsoft.com/office/drawing/2014/main" val="131821461"/>
+                  </a:ext>
+                </a:extLst>
+              </a:tr>
+              <a:tr h="0">
+                <a:tc>
+                  <a:txBody>
+                    <a:bodyPr/>
+                    <a:lstStyle/>
+                    <a:p>
+                      <a:pPr>
+                        <a:lnSpc>
+                          <a:spcPct val="115000"/>
+                        </a:lnSpc>
+                        <a:spcAft>
+                          <a:spcPts val="1000"/>
+                        </a:spcAft>
+                      </a:pPr>
+                      <a:endParaRPr lang="en-IN" sz="1100" dirty="0">
+                        <a:effectLst/>
+                        <a:latin typeface="Calibri" panose="020F0502020204030204" pitchFamily="34" charset="0"/>
+                        <a:ea typeface="Calibri" panose="020F0502020204030204" pitchFamily="34" charset="0"/>
+                        <a:cs typeface="Times New Roman" panose="02020603050405020304" pitchFamily="18" charset="0"/>
+                      </a:endParaRPr>
+                    </a:p>
+                  </a:txBody>
+                  <a:tcPr marL="68580" marR="68580" marT="0" marB="0">
+                    <a:lnL w="19050" cap="flat" cmpd="sng" algn="ctr">
+                      <a:solidFill>
+                        <a:schemeClr val="tx1"/>
+                      </a:solidFill>
+                      <a:prstDash val="solid"/>
+                    </a:lnL>
+                    <a:lnR w="6350" cap="flat" cmpd="sng" algn="ctr">
+                      <a:solidFill>
+                        <a:schemeClr val="tx1">
+                          <a:lumMod val="50000"/>
+                          <a:lumOff val="50000"/>
+                        </a:schemeClr>
+                      </a:solidFill>
+                      <a:prstDash val="solid"/>
+                    </a:lnR>
+                    <a:lnT w="38100" cmpd="sng">
+                      <a:noFill/>
+                    </a:lnT>
+                    <a:lnB w="19050" cap="flat" cmpd="sng" algn="ctr">
+                      <a:solidFill>
+                        <a:schemeClr val="tx1"/>
+                      </a:solidFill>
+                      <a:prstDash val="solid"/>
+                    </a:lnB>
+                    <a:noFill/>
+                  </a:tcPr>
+                </a:tc>
+                <a:tc>
+                  <a:txBody>
+                    <a:bodyPr/>
+                    <a:lstStyle/>
+                    <a:p>
+                      <a:endParaRPr lang="en-IN" sz="1400" cap="none" spc="0" dirty="0">
+                        <a:solidFill>
+                          <a:schemeClr val="tx1"/>
+                        </a:solidFill>
+                      </a:endParaRPr>
+                    </a:p>
+                  </a:txBody>
+                  <a:tcPr marL="69139" marR="31770" marT="53184" marB="53184">
+                    <a:lnL w="6350" cap="flat" cmpd="sng" algn="ctr">
+                      <a:solidFill>
+                        <a:schemeClr val="tx1">
+                          <a:lumMod val="50000"/>
+                          <a:lumOff val="50000"/>
+                        </a:schemeClr>
+                      </a:solidFill>
+                      <a:prstDash val="solid"/>
+                      <a:round/>
+                      <a:headEnd type="none" w="med" len="med"/>
+                      <a:tailEnd type="none" w="med" len="med"/>
+                    </a:lnL>
+                    <a:lnR w="6350" cap="flat" cmpd="sng" algn="ctr">
+                      <a:solidFill>
+                        <a:schemeClr val="tx1">
+                          <a:lumMod val="50000"/>
+                          <a:lumOff val="50000"/>
+                        </a:schemeClr>
+                      </a:solidFill>
+                      <a:prstDash val="solid"/>
+                    </a:lnR>
+                    <a:lnT w="38100" cmpd="sng">
+                      <a:noFill/>
+                    </a:lnT>
+                    <a:lnB w="19050" cap="flat" cmpd="sng" algn="ctr">
+                      <a:solidFill>
+                        <a:schemeClr val="tx1"/>
+                      </a:solidFill>
+                      <a:prstDash val="solid"/>
+                    </a:lnB>
+                    <a:noFill/>
+                  </a:tcPr>
+                </a:tc>
+                <a:tc>
+                  <a:txBody>
+                    <a:bodyPr/>
+                    <a:lstStyle/>
+                    <a:p>
+                      <a:pPr algn="ctr"/>
+                      <a:endParaRPr lang="en-IN" sz="1600" cap="none" spc="0" baseline="0" dirty="0">
+                        <a:solidFill>
+                          <a:schemeClr val="tx1"/>
+                        </a:solidFill>
+                      </a:endParaRPr>
+                    </a:p>
+                  </a:txBody>
+                  <a:tcPr marL="69139" marR="31770" marT="53184" marB="53184">
+                    <a:lnL w="6350" cap="flat" cmpd="sng" algn="ctr">
+                      <a:solidFill>
+                        <a:schemeClr val="tx1">
+                          <a:lumMod val="50000"/>
+                          <a:lumOff val="50000"/>
+                        </a:schemeClr>
+                      </a:solidFill>
+                      <a:prstDash val="solid"/>
+                    </a:lnL>
+                    <a:lnR w="19050" cap="flat" cmpd="sng" algn="ctr">
+                      <a:solidFill>
+                        <a:schemeClr val="tx1"/>
+                      </a:solidFill>
+                      <a:prstDash val="solid"/>
+                    </a:lnR>
+                    <a:lnT w="38100" cmpd="sng">
+                      <a:noFill/>
+                    </a:lnT>
+                    <a:lnB w="19050" cap="flat" cmpd="sng" algn="ctr">
+                      <a:solidFill>
+                        <a:schemeClr val="tx1"/>
+                      </a:solidFill>
+                      <a:prstDash val="solid"/>
+                    </a:lnB>
+                    <a:noFill/>
+                  </a:tcPr>
+                </a:tc>
+                <a:extLst>
+                  <a:ext uri="{0D108BD9-81ED-4DB2-BD59-A6C34878D82A}">
+                    <a16:rowId xmlns:a16="http://schemas.microsoft.com/office/drawing/2014/main" val="813317124"/>
+                  </a:ext>
+                </a:extLst>
+              </a:tr>
+              <a:tr h="0">
+                <a:tc>
+                  <a:txBody>
+                    <a:bodyPr/>
+                    <a:lstStyle/>
+                    <a:p>
+                      <a:endParaRPr lang="en-IN" sz="1100" cap="none" spc="0" dirty="0">
+                        <a:solidFill>
+                          <a:schemeClr val="tx1"/>
+                        </a:solidFill>
+                      </a:endParaRPr>
+                    </a:p>
+                  </a:txBody>
+                  <a:tcPr marL="69139" marR="31770" marT="53184" marB="53184">
+                    <a:lnL w="6350" cap="flat" cmpd="sng" algn="ctr">
+                      <a:solidFill>
+                        <a:schemeClr val="tx1">
+                          <a:lumMod val="50000"/>
+                          <a:lumOff val="50000"/>
+                        </a:schemeClr>
+                      </a:solidFill>
+                      <a:prstDash val="solid"/>
+                    </a:lnL>
+                    <a:lnR w="6350" cap="flat" cmpd="sng" algn="ctr">
+                      <a:solidFill>
+                        <a:schemeClr val="tx1">
+                          <a:lumMod val="50000"/>
+                          <a:lumOff val="50000"/>
+                        </a:schemeClr>
+                      </a:solidFill>
+                      <a:prstDash val="solid"/>
+                    </a:lnR>
+                    <a:lnT w="19050" cap="flat" cmpd="sng" algn="ctr">
+                      <a:solidFill>
+                        <a:schemeClr val="tx1"/>
+                      </a:solidFill>
+                      <a:prstDash val="solid"/>
+                      <a:round/>
+                      <a:headEnd type="none" w="med" len="med"/>
+                      <a:tailEnd type="none" w="med" len="med"/>
+                    </a:lnT>
+                    <a:lnB w="12700" cmpd="sng">
+                      <a:noFill/>
+                      <a:prstDash val="solid"/>
+                    </a:lnB>
+                    <a:solidFill>
+                      <a:schemeClr val="bg1">
+                        <a:lumMod val="85000"/>
+                      </a:schemeClr>
+                    </a:solidFill>
+                  </a:tcPr>
+                </a:tc>
+                <a:tc>
+                  <a:txBody>
+                    <a:bodyPr/>
+                    <a:lstStyle/>
+                    <a:p>
+                      <a:endParaRPr lang="en-IN" sz="1400" cap="none" spc="0" dirty="0">
+                        <a:solidFill>
+                          <a:schemeClr val="tx1"/>
+                        </a:solidFill>
+                      </a:endParaRPr>
+                    </a:p>
+                  </a:txBody>
+                  <a:tcPr marL="69139" marR="31770" marT="53184" marB="53184">
+                    <a:lnL w="6350" cap="flat" cmpd="sng" algn="ctr">
+                      <a:solidFill>
+                        <a:schemeClr val="tx1">
+                          <a:lumMod val="50000"/>
+                          <a:lumOff val="50000"/>
+                        </a:schemeClr>
+                      </a:solidFill>
+                      <a:prstDash val="solid"/>
+                    </a:lnL>
+                    <a:lnR w="6350" cap="flat" cmpd="sng" algn="ctr">
+                      <a:solidFill>
+                        <a:schemeClr val="tx1">
+                          <a:lumMod val="50000"/>
+                          <a:lumOff val="50000"/>
+                        </a:schemeClr>
+                      </a:solidFill>
+                      <a:prstDash val="solid"/>
+                    </a:lnR>
+                    <a:lnT w="19050" cap="flat" cmpd="sng" algn="ctr">
+                      <a:solidFill>
+                        <a:schemeClr val="tx1"/>
+                      </a:solidFill>
+                      <a:prstDash val="solid"/>
+                    </a:lnT>
+                    <a:lnB w="12700" cmpd="sng">
+                      <a:noFill/>
+                      <a:prstDash val="solid"/>
+                    </a:lnB>
+                    <a:solidFill>
+                      <a:schemeClr val="bg1">
+                        <a:lumMod val="85000"/>
+                      </a:schemeClr>
+                    </a:solidFill>
+                  </a:tcPr>
+                </a:tc>
+                <a:tc>
+                  <a:txBody>
+                    <a:bodyPr/>
+                    <a:lstStyle/>
+                    <a:p>
+                      <a:endParaRPr lang="en-IN" sz="1400" cap="none" spc="0" dirty="0">
+                        <a:solidFill>
+                          <a:schemeClr val="tx1"/>
+                        </a:solidFill>
+                      </a:endParaRPr>
+                    </a:p>
+                  </a:txBody>
+                  <a:tcPr marL="69139" marR="31770" marT="53184" marB="53184">
+                    <a:lnL w="6350" cap="flat" cmpd="sng" algn="ctr">
+                      <a:solidFill>
+                        <a:schemeClr val="tx1">
+                          <a:lumMod val="50000"/>
+                          <a:lumOff val="50000"/>
+                        </a:schemeClr>
+                      </a:solidFill>
+                      <a:prstDash val="solid"/>
+                    </a:lnL>
+                    <a:lnR w="12700" cmpd="sng">
+                      <a:noFill/>
+                      <a:prstDash val="solid"/>
+                    </a:lnR>
+                    <a:lnT w="19050" cap="flat" cmpd="sng" algn="ctr">
+                      <a:solidFill>
+                        <a:schemeClr val="tx1"/>
+                      </a:solidFill>
+                      <a:prstDash val="solid"/>
+                    </a:lnT>
+                    <a:lnB w="12700" cmpd="sng">
+                      <a:noFill/>
+                      <a:prstDash val="solid"/>
+                    </a:lnB>
+                    <a:solidFill>
+                      <a:schemeClr val="bg1">
+                        <a:lumMod val="85000"/>
+                      </a:schemeClr>
+                    </a:solidFill>
+                  </a:tcPr>
+                </a:tc>
+                <a:extLst>
+                  <a:ext uri="{0D108BD9-81ED-4DB2-BD59-A6C34878D82A}">
+                    <a16:rowId xmlns:a16="http://schemas.microsoft.com/office/drawing/2014/main" val="2423180473"/>
+                  </a:ext>
+                </a:extLst>
+              </a:tr>
+              <a:tr h="0">
+                <a:tc>
+                  <a:txBody>
+                    <a:bodyPr/>
+                    <a:lstStyle/>
+                    <a:p>
+                      <a:endParaRPr lang="en-IN" sz="1050" cap="none" spc="0" dirty="0">
+                        <a:solidFill>
+                          <a:schemeClr val="tx1"/>
+                        </a:solidFill>
+                      </a:endParaRPr>
+                    </a:p>
+                  </a:txBody>
+                  <a:tcPr marL="69139" marR="31770" marT="53184" marB="53184">
+                    <a:lnL w="19050" cap="flat" cmpd="sng" algn="ctr">
+                      <a:solidFill>
+                        <a:schemeClr val="tx1"/>
+                      </a:solidFill>
+                      <a:prstDash val="solid"/>
+                    </a:lnL>
+                    <a:lnR w="6350" cap="flat" cmpd="sng" algn="ctr">
+                      <a:solidFill>
+                        <a:schemeClr val="tx1">
+                          <a:lumMod val="50000"/>
+                          <a:lumOff val="50000"/>
+                        </a:schemeClr>
+                      </a:solidFill>
+                      <a:prstDash val="solid"/>
+                    </a:lnR>
+                    <a:lnT w="12700" cmpd="sng">
+                      <a:noFill/>
+                      <a:prstDash val="solid"/>
+                    </a:lnT>
+                    <a:lnB w="19050" cap="flat" cmpd="sng" algn="ctr">
+                      <a:solidFill>
+                        <a:schemeClr val="tx1"/>
+                      </a:solidFill>
+                      <a:prstDash val="solid"/>
+                    </a:lnB>
+                    <a:noFill/>
+                  </a:tcPr>
+                </a:tc>
+                <a:tc>
+                  <a:txBody>
+                    <a:bodyPr/>
+                    <a:lstStyle/>
+                    <a:p>
+                      <a:endParaRPr lang="en-IN" sz="1600" cap="none" spc="0" dirty="0">
+                        <a:solidFill>
+                          <a:schemeClr val="tx1"/>
+                        </a:solidFill>
+                      </a:endParaRPr>
+                    </a:p>
+                  </a:txBody>
+                  <a:tcPr marL="69139" marR="31770" marT="53184" marB="53184">
+                    <a:lnL w="6350" cap="flat" cmpd="sng" algn="ctr">
+                      <a:solidFill>
+                        <a:schemeClr val="tx1">
+                          <a:lumMod val="50000"/>
+                          <a:lumOff val="50000"/>
+                        </a:schemeClr>
+                      </a:solidFill>
+                      <a:prstDash val="solid"/>
+                    </a:lnL>
+                    <a:lnR w="6350" cap="flat" cmpd="sng" algn="ctr">
+                      <a:solidFill>
+                        <a:schemeClr val="tx1">
+                          <a:lumMod val="50000"/>
+                          <a:lumOff val="50000"/>
+                        </a:schemeClr>
+                      </a:solidFill>
+                      <a:prstDash val="solid"/>
+                    </a:lnR>
+                    <a:lnT w="12700" cmpd="sng">
+                      <a:noFill/>
+                      <a:prstDash val="solid"/>
+                    </a:lnT>
+                    <a:lnB w="19050" cap="flat" cmpd="sng" algn="ctr">
+                      <a:solidFill>
+                        <a:schemeClr val="tx1"/>
+                      </a:solidFill>
+                      <a:prstDash val="solid"/>
+                    </a:lnB>
+                    <a:noFill/>
+                  </a:tcPr>
+                </a:tc>
+                <a:tc>
+                  <a:txBody>
+                    <a:bodyPr/>
+                    <a:lstStyle/>
+                    <a:p>
+                      <a:endParaRPr lang="en-IN" sz="800" cap="none" spc="0" dirty="0">
+                        <a:solidFill>
+                          <a:schemeClr val="tx1"/>
+                        </a:solidFill>
+                      </a:endParaRPr>
+                    </a:p>
+                  </a:txBody>
+                  <a:tcPr marL="69139" marR="31770" marT="53184" marB="53184">
+                    <a:lnL w="6350" cap="flat" cmpd="sng" algn="ctr">
+                      <a:solidFill>
+                        <a:schemeClr val="tx1">
+                          <a:lumMod val="50000"/>
+                          <a:lumOff val="50000"/>
+                        </a:schemeClr>
+                      </a:solidFill>
+                      <a:prstDash val="solid"/>
+                    </a:lnL>
+                    <a:lnR w="19050" cap="flat" cmpd="sng" algn="ctr">
+                      <a:solidFill>
+                        <a:schemeClr val="tx1"/>
+                      </a:solidFill>
+                      <a:prstDash val="solid"/>
+                    </a:lnR>
+                    <a:lnT w="12700" cmpd="sng">
+                      <a:noFill/>
+                      <a:prstDash val="solid"/>
+                    </a:lnT>
+                    <a:lnB w="19050" cap="flat" cmpd="sng" algn="ctr">
+                      <a:solidFill>
+                        <a:schemeClr val="tx1"/>
+                      </a:solidFill>
+                      <a:prstDash val="solid"/>
+                    </a:lnB>
+                    <a:noFill/>
+                  </a:tcPr>
+                </a:tc>
+                <a:extLst>
+                  <a:ext uri="{0D108BD9-81ED-4DB2-BD59-A6C34878D82A}">
+                    <a16:rowId xmlns:a16="http://schemas.microsoft.com/office/drawing/2014/main" val="1321138188"/>
+                  </a:ext>
+                </a:extLst>
+              </a:tr>
+            </a:tbl>
+          </a:graphicData>
+        </a:graphic>
+      </p:graphicFrame>
+      <p:graphicFrame>
+        <p:nvGraphicFramePr>
+          <p:cNvPr id="3" name="Table 6">
+            <a:extLst>
+              <a:ext uri="{FF2B5EF4-FFF2-40B4-BE49-F238E27FC236}">
+                <a16:creationId xmlns:a16="http://schemas.microsoft.com/office/drawing/2014/main" id="{B43FE2F8-148E-0E08-0494-8C5207D4AF45}"/>
+              </a:ext>
+            </a:extLst>
+          </p:cNvPr>
+          <p:cNvGraphicFramePr>
+            <a:graphicFrameLocks noGrp="1"/>
+          </p:cNvGraphicFramePr>
+          <p:nvPr>
+            <p:extLst>
+              <p:ext uri="{D42A27DB-BD31-4B8C-83A1-F6EECF244321}">
+                <p14:modId xmlns:p14="http://schemas.microsoft.com/office/powerpoint/2010/main" val="573943992"/>
+              </p:ext>
+            </p:extLst>
+          </p:nvPr>
+        </p:nvGraphicFramePr>
+        <p:xfrm>
+          <a:off x="-12092" y="-973"/>
+          <a:ext cx="9006186" cy="8802180"/>
+        </p:xfrm>
+        <a:graphic>
+          <a:graphicData uri="http://schemas.openxmlformats.org/drawingml/2006/table">
+            <a:tbl>
+              <a:tblPr firstRow="1" bandRow="1">
+                <a:tableStyleId>{073A0DAA-6AF3-43AB-8588-CEC1D06C72B9}</a:tableStyleId>
+              </a:tblPr>
+              <a:tblGrid>
+                <a:gridCol w="603699">
+                  <a:extLst>
+                    <a:ext uri="{9D8B030D-6E8A-4147-A177-3AD203B41FA5}">
+                      <a16:colId xmlns:a16="http://schemas.microsoft.com/office/drawing/2014/main" val="770403340"/>
+                    </a:ext>
+                  </a:extLst>
+                </a:gridCol>
+                <a:gridCol w="1930734">
+                  <a:extLst>
+                    <a:ext uri="{9D8B030D-6E8A-4147-A177-3AD203B41FA5}">
+                      <a16:colId xmlns:a16="http://schemas.microsoft.com/office/drawing/2014/main" val="112157796"/>
+                    </a:ext>
+                  </a:extLst>
+                </a:gridCol>
+                <a:gridCol w="2238475">
+                  <a:extLst>
+                    <a:ext uri="{9D8B030D-6E8A-4147-A177-3AD203B41FA5}">
+                      <a16:colId xmlns:a16="http://schemas.microsoft.com/office/drawing/2014/main" val="2103049838"/>
+                    </a:ext>
+                  </a:extLst>
+                </a:gridCol>
+                <a:gridCol w="1100088">
+                  <a:extLst>
+                    <a:ext uri="{9D8B030D-6E8A-4147-A177-3AD203B41FA5}">
+                      <a16:colId xmlns:a16="http://schemas.microsoft.com/office/drawing/2014/main" val="1797480239"/>
+                    </a:ext>
+                  </a:extLst>
+                </a:gridCol>
+                <a:gridCol w="3133190">
+                  <a:extLst>
+                    <a:ext uri="{9D8B030D-6E8A-4147-A177-3AD203B41FA5}">
+                      <a16:colId xmlns:a16="http://schemas.microsoft.com/office/drawing/2014/main" val="289494007"/>
+                    </a:ext>
+                  </a:extLst>
+                </a:gridCol>
+              </a:tblGrid>
+              <a:tr h="291946">
+                <a:tc>
+                  <a:txBody>
+                    <a:bodyPr/>
+                    <a:lstStyle/>
+                    <a:p>
+                      <a:pPr algn="ctr">
+                        <a:lnSpc>
+                          <a:spcPct val="115000"/>
+                        </a:lnSpc>
+                        <a:spcAft>
+                          <a:spcPts val="1000"/>
+                        </a:spcAft>
+                      </a:pPr>
+                      <a:r>
+                        <a:rPr lang="en-US" sz="1800" b="1" kern="1200" dirty="0" err="1">
+                          <a:solidFill>
+                            <a:schemeClr val="lt1"/>
+                          </a:solidFill>
+                          <a:effectLst/>
+                          <a:latin typeface="+mn-lt"/>
+                          <a:ea typeface="+mn-ea"/>
+                          <a:cs typeface="+mn-cs"/>
+                        </a:rPr>
+                        <a:t>pril</a:t>
+                      </a:r>
+                      <a:endParaRPr lang="en-IN" sz="1100" dirty="0">
+                        <a:effectLst/>
+                        <a:latin typeface="Calibri" panose="020F0502020204030204" pitchFamily="34" charset="0"/>
+                        <a:ea typeface="Calibri" panose="020F0502020204030204" pitchFamily="34" charset="0"/>
+                        <a:cs typeface="Times New Roman" panose="02020603050405020304" pitchFamily="18" charset="0"/>
+                      </a:endParaRPr>
+                    </a:p>
+                  </a:txBody>
+                  <a:tcPr marL="68580" marR="68580" marT="0" marB="0"/>
+                </a:tc>
+                <a:tc>
+                  <a:txBody>
+                    <a:bodyPr/>
+                    <a:lstStyle/>
+                    <a:p>
+                      <a:pPr algn="ctr">
+                        <a:lnSpc>
+                          <a:spcPct val="150000"/>
+                        </a:lnSpc>
+                        <a:spcAft>
+                          <a:spcPts val="1000"/>
+                        </a:spcAft>
+                      </a:pPr>
+                      <a:r>
+                        <a:rPr lang="en-US" sz="1800" b="1" kern="1200" dirty="0">
+                          <a:solidFill>
+                            <a:schemeClr val="lt1"/>
+                          </a:solidFill>
+                          <a:effectLst/>
+                          <a:latin typeface="+mn-lt"/>
+                          <a:ea typeface="+mn-ea"/>
+                          <a:cs typeface="+mn-cs"/>
+                        </a:rPr>
+                        <a:t>Author</a:t>
+                      </a:r>
+                      <a:endParaRPr lang="en-IN" sz="1100" dirty="0">
+                        <a:effectLst/>
+                        <a:latin typeface="Calibri" panose="020F0502020204030204" pitchFamily="34" charset="0"/>
+                        <a:ea typeface="Calibri" panose="020F0502020204030204" pitchFamily="34" charset="0"/>
+                        <a:cs typeface="Times New Roman" panose="02020603050405020304" pitchFamily="18" charset="0"/>
+                      </a:endParaRPr>
+                    </a:p>
+                  </a:txBody>
+                  <a:tcPr marL="68580" marR="68580" marT="0" marB="0"/>
+                </a:tc>
+                <a:tc>
+                  <a:txBody>
+                    <a:bodyPr/>
+                    <a:lstStyle/>
+                    <a:p>
+                      <a:pPr algn="ctr">
+                        <a:lnSpc>
+                          <a:spcPct val="150000"/>
+                        </a:lnSpc>
+                        <a:spcAft>
+                          <a:spcPts val="1000"/>
+                        </a:spcAft>
+                      </a:pPr>
+                      <a:r>
+                        <a:rPr lang="en-US" sz="1800" b="1" kern="1200" dirty="0">
+                          <a:solidFill>
+                            <a:schemeClr val="lt1"/>
+                          </a:solidFill>
+                          <a:effectLst/>
+                          <a:latin typeface="+mn-lt"/>
+                          <a:ea typeface="+mn-ea"/>
+                          <a:cs typeface="+mn-cs"/>
+                        </a:rPr>
+                        <a:t>Title</a:t>
+                      </a:r>
+                      <a:endParaRPr lang="en-IN" sz="1100" dirty="0">
+                        <a:effectLst/>
+                        <a:latin typeface="Calibri" panose="020F0502020204030204" pitchFamily="34" charset="0"/>
+                        <a:ea typeface="Calibri" panose="020F0502020204030204" pitchFamily="34" charset="0"/>
+                        <a:cs typeface="Times New Roman" panose="02020603050405020304" pitchFamily="18" charset="0"/>
+                      </a:endParaRPr>
+                    </a:p>
+                  </a:txBody>
+                  <a:tcPr marL="68580" marR="68580" marT="0" marB="0"/>
+                </a:tc>
+                <a:tc>
+                  <a:txBody>
+                    <a:bodyPr/>
+                    <a:lstStyle/>
+                    <a:p>
+                      <a:pPr algn="ctr"/>
+                      <a:r>
+                        <a:rPr lang="en-US" sz="1800" b="1" kern="1200" dirty="0">
+                          <a:solidFill>
+                            <a:schemeClr val="lt1"/>
+                          </a:solidFill>
+                          <a:effectLst/>
+                          <a:latin typeface="+mn-lt"/>
+                          <a:ea typeface="+mn-ea"/>
+                          <a:cs typeface="+mn-cs"/>
+                        </a:rPr>
+                        <a:t>Year</a:t>
+                      </a:r>
+                      <a:endParaRPr lang="en-IN" dirty="0"/>
+                    </a:p>
+                  </a:txBody>
+                  <a:tcPr/>
+                </a:tc>
+                <a:tc>
+                  <a:txBody>
+                    <a:bodyPr/>
+                    <a:lstStyle/>
+                    <a:p>
+                      <a:pPr algn="ctr"/>
+                      <a:r>
+                        <a:rPr lang="en-US" sz="1800" b="1" kern="1200" dirty="0">
+                          <a:solidFill>
+                            <a:schemeClr val="lt1"/>
+                          </a:solidFill>
+                          <a:effectLst/>
+                          <a:latin typeface="+mn-lt"/>
+                          <a:ea typeface="+mn-ea"/>
+                          <a:cs typeface="+mn-cs"/>
+                        </a:rPr>
+                        <a:t>Inference</a:t>
+                      </a:r>
+                      <a:endParaRPr lang="en-IN" dirty="0"/>
+                    </a:p>
+                  </a:txBody>
+                  <a:tcPr/>
+                </a:tc>
+                <a:extLst>
+                  <a:ext uri="{0D108BD9-81ED-4DB2-BD59-A6C34878D82A}">
+                    <a16:rowId xmlns:a16="http://schemas.microsoft.com/office/drawing/2014/main" val="2812663386"/>
+                  </a:ext>
+                </a:extLst>
+              </a:tr>
+              <a:tr h="2835625">
+                <a:tc>
+                  <a:txBody>
+                    <a:bodyPr/>
+                    <a:lstStyle/>
+                    <a:p>
+                      <a:r>
+                        <a:rPr lang="en-IN" sz="1400" dirty="0"/>
+                        <a:t>4.</a:t>
+                      </a:r>
+                    </a:p>
+                  </a:txBody>
+                  <a:tcPr/>
+                </a:tc>
+                <a:tc>
+                  <a:txBody>
+                    <a:bodyPr/>
+                    <a:lstStyle/>
+                    <a:p>
+                      <a:r>
+                        <a:rPr lang="en-IN" sz="1400" dirty="0" err="1"/>
+                        <a:t>Vanu</a:t>
+                      </a:r>
+                      <a:r>
+                        <a:rPr lang="en-IN" sz="1400" dirty="0"/>
+                        <a:t> Bose, Michael </a:t>
+                      </a:r>
+                      <a:r>
+                        <a:rPr lang="en-IN" sz="1400" dirty="0" err="1"/>
+                        <a:t>Ismert</a:t>
+                      </a:r>
+                      <a:r>
+                        <a:rPr lang="en-IN" sz="1400" dirty="0"/>
+                        <a:t>, Matt Welborn, and John </a:t>
+                      </a:r>
+                      <a:r>
+                        <a:rPr lang="en-IN" sz="1400" dirty="0" err="1"/>
+                        <a:t>Guttag</a:t>
+                      </a:r>
+                      <a:r>
+                        <a:rPr lang="en-IN" sz="1400" dirty="0"/>
+                        <a:t> </a:t>
+                      </a:r>
+                    </a:p>
+                  </a:txBody>
+                  <a:tcPr/>
+                </a:tc>
+                <a:tc>
+                  <a:txBody>
+                    <a:bodyPr/>
+                    <a:lstStyle/>
+                    <a:p>
+                      <a:pPr algn="ctr"/>
+                      <a:r>
+                        <a:rPr lang="en-IN" sz="1400" dirty="0"/>
+                        <a:t>Virtual Radios </a:t>
+                      </a:r>
+                    </a:p>
+                  </a:txBody>
+                  <a:tcPr/>
+                </a:tc>
+                <a:tc>
+                  <a:txBody>
+                    <a:bodyPr/>
+                    <a:lstStyle/>
+                    <a:p>
+                      <a:pPr algn="ctr"/>
+                      <a:r>
+                        <a:rPr lang="en-US" sz="1400" kern="1200" dirty="0">
+                          <a:solidFill>
+                            <a:schemeClr val="dk1"/>
+                          </a:solidFill>
+                          <a:effectLst/>
+                          <a:latin typeface="+mn-lt"/>
+                          <a:ea typeface="+mn-ea"/>
+                          <a:cs typeface="+mn-cs"/>
+                        </a:rPr>
+                        <a:t>April 4, 1999</a:t>
+                      </a:r>
+                      <a:endParaRPr lang="en-IN" sz="1400" dirty="0"/>
+                    </a:p>
+                  </a:txBody>
+                  <a:tcPr/>
+                </a:tc>
+                <a:tc>
+                  <a:txBody>
+                    <a:bodyPr/>
+                    <a:lstStyle/>
+                    <a:p>
+                      <a:r>
+                        <a:rPr lang="en-US" sz="1400" dirty="0"/>
+                        <a:t>Conventional software radios take advantage of vastly improved analog to digital converters (ADC’s) and digital signal processing (DSP) hardware. This paper approaches, with what they refer to as virtual radios, rather than use DSP’s, they have chosen to ride the curve of rapidly improving workstation hardware. Use of wideband digitization and then perform all of the digital signal processing in user space on a general purpose workstation. This approach provides new way  to signal processing that exploit the hardware and software resources of the workstation.</a:t>
+                      </a:r>
+                      <a:endParaRPr lang="en-IN" sz="1400" dirty="0"/>
+                    </a:p>
+                  </a:txBody>
+                  <a:tcPr/>
+                </a:tc>
+                <a:extLst>
+                  <a:ext uri="{0D108BD9-81ED-4DB2-BD59-A6C34878D82A}">
+                    <a16:rowId xmlns:a16="http://schemas.microsoft.com/office/drawing/2014/main" val="1628359438"/>
+                  </a:ext>
+                </a:extLst>
+              </a:tr>
+              <a:tr h="961121">
+                <a:tc>
+                  <a:txBody>
+                    <a:bodyPr/>
+                    <a:lstStyle/>
+                    <a:p>
+                      <a:r>
+                        <a:rPr lang="en-IN" sz="1400" dirty="0"/>
+                        <a:t>5.</a:t>
+                      </a:r>
+                    </a:p>
+                  </a:txBody>
+                  <a:tcPr/>
+                </a:tc>
+                <a:tc>
+                  <a:txBody>
+                    <a:bodyPr/>
+                    <a:lstStyle/>
+                    <a:p>
+                      <a:pPr fontAlgn="base"/>
+                      <a:r>
+                        <a:rPr lang="en-IN" sz="1400" dirty="0"/>
+                        <a:t>James </a:t>
+                      </a:r>
+                      <a:r>
+                        <a:rPr lang="en-IN" sz="1400" dirty="0" err="1"/>
+                        <a:t>Schueckler</a:t>
+                      </a:r>
+                      <a:r>
+                        <a:rPr lang="en-IN" sz="1400" dirty="0"/>
+                        <a:t> </a:t>
+                      </a:r>
+                    </a:p>
+                  </a:txBody>
+                  <a:tcPr/>
+                </a:tc>
+                <a:tc>
+                  <a:txBody>
+                    <a:bodyPr/>
+                    <a:lstStyle/>
+                    <a:p>
+                      <a:pPr algn="ctr"/>
+                      <a:r>
+                        <a:rPr lang="en-US" sz="1400" dirty="0"/>
+                        <a:t>A digital image processing system for slow scan television </a:t>
+                      </a:r>
+                      <a:endParaRPr lang="en-IN" sz="1400" dirty="0"/>
+                    </a:p>
+                  </a:txBody>
+                  <a:tcPr/>
+                </a:tc>
+                <a:tc>
+                  <a:txBody>
+                    <a:bodyPr/>
+                    <a:lstStyle/>
+                    <a:p>
+                      <a:pPr algn="ctr"/>
+                      <a:r>
+                        <a:rPr lang="en-US" sz="1400" kern="1200" dirty="0">
+                          <a:solidFill>
+                            <a:schemeClr val="dk1"/>
+                          </a:solidFill>
+                          <a:effectLst/>
+                          <a:latin typeface="+mn-lt"/>
+                          <a:ea typeface="+mn-ea"/>
+                          <a:cs typeface="+mn-cs"/>
+                        </a:rPr>
+                        <a:t>May 9, 1981</a:t>
+                      </a:r>
+                      <a:endParaRPr lang="en-IN" sz="1400" dirty="0"/>
+                    </a:p>
+                  </a:txBody>
+                  <a:tcPr/>
+                </a:tc>
+                <a:tc>
+                  <a:txBody>
+                    <a:bodyPr/>
+                    <a:lstStyle/>
+                    <a:p>
+                      <a:r>
+                        <a:rPr lang="en-US" sz="1400" dirty="0"/>
+                        <a:t>This paper describes a low cost, but powerful, digital image processing system. Although general purpose, it was designed for experimentation with amateur radio slow scan television (SSTV)</a:t>
+                      </a:r>
+                      <a:endParaRPr lang="en-IN" sz="1400" dirty="0"/>
+                    </a:p>
+                  </a:txBody>
+                  <a:tcPr/>
+                </a:tc>
+                <a:extLst>
+                  <a:ext uri="{0D108BD9-81ED-4DB2-BD59-A6C34878D82A}">
+                    <a16:rowId xmlns:a16="http://schemas.microsoft.com/office/drawing/2014/main" val="3394244173"/>
+                  </a:ext>
+                </a:extLst>
+              </a:tr>
+              <a:tr h="949370">
+                <a:tc>
+                  <a:txBody>
+                    <a:bodyPr/>
+                    <a:lstStyle/>
+                    <a:p>
+                      <a:r>
+                        <a:rPr lang="en-IN" sz="1400" dirty="0"/>
+                        <a:t>6</a:t>
+                      </a:r>
+                      <a:r>
+                        <a:rPr lang="en-IN" dirty="0"/>
+                        <a:t>.</a:t>
+                      </a:r>
+                    </a:p>
+                  </a:txBody>
+                  <a:tcPr/>
+                </a:tc>
+                <a:tc>
+                  <a:txBody>
+                    <a:bodyPr/>
+                    <a:lstStyle/>
+                    <a:p>
+                      <a:r>
+                        <a:rPr lang="en-IN" sz="1400" dirty="0"/>
+                        <a:t>Brian G. Ferguson </a:t>
+                      </a:r>
+                    </a:p>
+                  </a:txBody>
+                  <a:tcPr/>
+                </a:tc>
+                <a:tc>
+                  <a:txBody>
+                    <a:bodyPr/>
+                    <a:lstStyle/>
+                    <a:p>
+                      <a:pPr algn="ctr">
+                        <a:lnSpc>
+                          <a:spcPct val="115000"/>
+                        </a:lnSpc>
+                        <a:spcAft>
+                          <a:spcPts val="1000"/>
+                        </a:spcAft>
+                      </a:pPr>
+                      <a:r>
+                        <a:rPr lang="en-US" sz="1400" dirty="0"/>
+                        <a:t>Acoustic signal processing for enhanced situational awareness during military operations on land and under the sea</a:t>
+                      </a:r>
+                      <a:endParaRPr lang="en-IN" sz="1800" dirty="0">
+                        <a:effectLst/>
+                        <a:latin typeface="+mn-lt"/>
+                        <a:ea typeface="Calibri" panose="020F0502020204030204" pitchFamily="34" charset="0"/>
+                        <a:cs typeface="Times New Roman" panose="02020603050405020304" pitchFamily="18" charset="0"/>
+                      </a:endParaRPr>
+                    </a:p>
+                  </a:txBody>
+                  <a:tcPr marL="68580" marR="68580" marT="0" marB="0"/>
+                </a:tc>
+                <a:tc>
+                  <a:txBody>
+                    <a:bodyPr/>
+                    <a:lstStyle/>
+                    <a:p>
+                      <a:pPr algn="ctr"/>
+                      <a:r>
+                        <a:rPr lang="en-US" sz="1400" kern="1200" dirty="0">
+                          <a:solidFill>
+                            <a:schemeClr val="dk1"/>
+                          </a:solidFill>
+                          <a:effectLst/>
+                          <a:latin typeface="+mn-lt"/>
+                          <a:ea typeface="+mn-ea"/>
+                          <a:cs typeface="+mn-cs"/>
+                        </a:rPr>
+                        <a:t>2014</a:t>
+                      </a:r>
+                      <a:endParaRPr lang="en-IN" dirty="0"/>
+                    </a:p>
+                  </a:txBody>
+                  <a:tcPr/>
+                </a:tc>
+                <a:tc>
+                  <a:txBody>
+                    <a:bodyPr/>
+                    <a:lstStyle/>
+                    <a:p>
+                      <a:r>
+                        <a:rPr lang="en-US" sz="1400" kern="1200" dirty="0">
+                          <a:solidFill>
+                            <a:schemeClr val="dk1"/>
+                          </a:solidFill>
+                          <a:effectLst/>
+                          <a:latin typeface="+mn-lt"/>
+                          <a:ea typeface="+mn-ea"/>
+                          <a:cs typeface="+mn-cs"/>
+                        </a:rPr>
+                        <a:t>The paper discusses the military </a:t>
+                      </a:r>
+                      <a:r>
+                        <a:rPr lang="en-US" sz="1400" kern="1200" dirty="0" err="1">
+                          <a:solidFill>
+                            <a:schemeClr val="dk1"/>
+                          </a:solidFill>
+                          <a:effectLst/>
+                          <a:latin typeface="+mn-lt"/>
+                          <a:ea typeface="+mn-ea"/>
+                          <a:cs typeface="+mn-cs"/>
+                        </a:rPr>
+                        <a:t>underwatwer</a:t>
+                      </a:r>
+                      <a:r>
+                        <a:rPr lang="en-US" sz="1400" kern="1200" dirty="0">
+                          <a:solidFill>
+                            <a:schemeClr val="dk1"/>
+                          </a:solidFill>
+                          <a:effectLst/>
+                          <a:latin typeface="+mn-lt"/>
+                          <a:ea typeface="+mn-ea"/>
+                          <a:cs typeface="+mn-cs"/>
+                        </a:rPr>
+                        <a:t> applications of ASP.</a:t>
+                      </a:r>
+                      <a:endParaRPr lang="en-IN" sz="1400" dirty="0"/>
+                    </a:p>
+                  </a:txBody>
+                  <a:tcPr/>
+                </a:tc>
+                <a:extLst>
+                  <a:ext uri="{0D108BD9-81ED-4DB2-BD59-A6C34878D82A}">
+                    <a16:rowId xmlns:a16="http://schemas.microsoft.com/office/drawing/2014/main" val="3859295102"/>
+                  </a:ext>
+                </a:extLst>
+              </a:tr>
+              <a:tr h="287411">
+                <a:tc>
+                  <a:txBody>
+                    <a:bodyPr/>
+                    <a:lstStyle/>
+                    <a:p>
+                      <a:r>
+                        <a:rPr lang="en-IN" dirty="0"/>
+                        <a:t>4.</a:t>
+                      </a:r>
+                    </a:p>
+                  </a:txBody>
+                  <a:tcPr/>
+                </a:tc>
+                <a:tc>
+                  <a:txBody>
+                    <a:bodyPr/>
+                    <a:lstStyle/>
+                    <a:p>
+                      <a:endParaRPr lang="en-IN" dirty="0"/>
+                    </a:p>
+                  </a:txBody>
+                  <a:tcPr/>
+                </a:tc>
+                <a:tc>
+                  <a:txBody>
+                    <a:bodyPr/>
+                    <a:lstStyle/>
+                    <a:p>
+                      <a:endParaRPr lang="en-IN" dirty="0"/>
+                    </a:p>
+                  </a:txBody>
+                  <a:tcPr/>
+                </a:tc>
+                <a:tc>
+                  <a:txBody>
+                    <a:bodyPr/>
+                    <a:lstStyle/>
+                    <a:p>
+                      <a:endParaRPr lang="en-IN"/>
+                    </a:p>
+                  </a:txBody>
+                  <a:tcPr/>
+                </a:tc>
+                <a:tc>
+                  <a:txBody>
+                    <a:bodyPr/>
+                    <a:lstStyle/>
+                    <a:p>
+                      <a:endParaRPr lang="en-IN"/>
+                    </a:p>
+                  </a:txBody>
+                  <a:tcPr/>
+                </a:tc>
+                <a:extLst>
+                  <a:ext uri="{0D108BD9-81ED-4DB2-BD59-A6C34878D82A}">
+                    <a16:rowId xmlns:a16="http://schemas.microsoft.com/office/drawing/2014/main" val="3259972513"/>
+                  </a:ext>
+                </a:extLst>
+              </a:tr>
+              <a:tr h="287411">
+                <a:tc>
+                  <a:txBody>
+                    <a:bodyPr/>
+                    <a:lstStyle/>
+                    <a:p>
+                      <a:r>
+                        <a:rPr lang="en-IN" dirty="0"/>
+                        <a:t>5.</a:t>
+                      </a:r>
+                    </a:p>
+                  </a:txBody>
+                  <a:tcPr/>
+                </a:tc>
+                <a:tc>
+                  <a:txBody>
+                    <a:bodyPr/>
+                    <a:lstStyle/>
+                    <a:p>
+                      <a:endParaRPr lang="en-IN"/>
+                    </a:p>
+                  </a:txBody>
+                  <a:tcPr/>
+                </a:tc>
+                <a:tc>
+                  <a:txBody>
+                    <a:bodyPr/>
+                    <a:lstStyle/>
+                    <a:p>
+                      <a:endParaRPr lang="en-IN"/>
+                    </a:p>
+                  </a:txBody>
+                  <a:tcPr/>
+                </a:tc>
+                <a:tc>
+                  <a:txBody>
+                    <a:bodyPr/>
+                    <a:lstStyle/>
+                    <a:p>
+                      <a:endParaRPr lang="en-IN"/>
+                    </a:p>
+                  </a:txBody>
+                  <a:tcPr/>
+                </a:tc>
+                <a:tc>
+                  <a:txBody>
+                    <a:bodyPr/>
+                    <a:lstStyle/>
+                    <a:p>
+                      <a:endParaRPr lang="en-IN" dirty="0"/>
+                    </a:p>
+                  </a:txBody>
+                  <a:tcPr/>
+                </a:tc>
+                <a:extLst>
+                  <a:ext uri="{0D108BD9-81ED-4DB2-BD59-A6C34878D82A}">
+                    <a16:rowId xmlns:a16="http://schemas.microsoft.com/office/drawing/2014/main" val="567855040"/>
+                  </a:ext>
+                </a:extLst>
+              </a:tr>
+              <a:tr h="287411">
+                <a:tc>
+                  <a:txBody>
+                    <a:bodyPr/>
+                    <a:lstStyle/>
+                    <a:p>
+                      <a:r>
+                        <a:rPr lang="en-IN" dirty="0"/>
+                        <a:t>6.</a:t>
+                      </a:r>
+                    </a:p>
+                  </a:txBody>
+                  <a:tcPr/>
+                </a:tc>
+                <a:tc>
+                  <a:txBody>
+                    <a:bodyPr/>
+                    <a:lstStyle/>
+                    <a:p>
+                      <a:endParaRPr lang="en-IN"/>
+                    </a:p>
+                  </a:txBody>
+                  <a:tcPr/>
+                </a:tc>
+                <a:tc>
+                  <a:txBody>
+                    <a:bodyPr/>
+                    <a:lstStyle/>
+                    <a:p>
+                      <a:endParaRPr lang="en-IN"/>
+                    </a:p>
+                  </a:txBody>
+                  <a:tcPr/>
+                </a:tc>
+                <a:tc>
+                  <a:txBody>
+                    <a:bodyPr/>
+                    <a:lstStyle/>
+                    <a:p>
+                      <a:endParaRPr lang="en-IN"/>
+                    </a:p>
+                  </a:txBody>
+                  <a:tcPr/>
+                </a:tc>
+                <a:tc>
+                  <a:txBody>
+                    <a:bodyPr/>
+                    <a:lstStyle/>
+                    <a:p>
+                      <a:endParaRPr lang="en-IN"/>
+                    </a:p>
+                  </a:txBody>
+                  <a:tcPr/>
+                </a:tc>
+                <a:extLst>
+                  <a:ext uri="{0D108BD9-81ED-4DB2-BD59-A6C34878D82A}">
+                    <a16:rowId xmlns:a16="http://schemas.microsoft.com/office/drawing/2014/main" val="2054594373"/>
+                  </a:ext>
+                </a:extLst>
+              </a:tr>
+              <a:tr h="287411">
+                <a:tc>
+                  <a:txBody>
+                    <a:bodyPr/>
+                    <a:lstStyle/>
+                    <a:p>
+                      <a:r>
+                        <a:rPr lang="en-IN" dirty="0"/>
+                        <a:t>7.</a:t>
+                      </a:r>
+                    </a:p>
+                  </a:txBody>
+                  <a:tcPr/>
+                </a:tc>
+                <a:tc>
+                  <a:txBody>
+                    <a:bodyPr/>
+                    <a:lstStyle/>
+                    <a:p>
+                      <a:endParaRPr lang="en-IN"/>
+                    </a:p>
+                  </a:txBody>
+                  <a:tcPr/>
+                </a:tc>
+                <a:tc>
+                  <a:txBody>
+                    <a:bodyPr/>
+                    <a:lstStyle/>
+                    <a:p>
+                      <a:endParaRPr lang="en-IN" dirty="0"/>
+                    </a:p>
+                  </a:txBody>
+                  <a:tcPr/>
+                </a:tc>
+                <a:tc>
+                  <a:txBody>
+                    <a:bodyPr/>
+                    <a:lstStyle/>
+                    <a:p>
+                      <a:endParaRPr lang="en-IN"/>
+                    </a:p>
+                  </a:txBody>
+                  <a:tcPr/>
+                </a:tc>
+                <a:tc>
+                  <a:txBody>
+                    <a:bodyPr/>
+                    <a:lstStyle/>
+                    <a:p>
+                      <a:endParaRPr lang="en-IN" dirty="0"/>
+                    </a:p>
+                  </a:txBody>
+                  <a:tcPr/>
+                </a:tc>
+                <a:extLst>
+                  <a:ext uri="{0D108BD9-81ED-4DB2-BD59-A6C34878D82A}">
+                    <a16:rowId xmlns:a16="http://schemas.microsoft.com/office/drawing/2014/main" val="1705387692"/>
+                  </a:ext>
+                </a:extLst>
+              </a:tr>
+            </a:tbl>
+          </a:graphicData>
+        </a:graphic>
+      </p:graphicFrame>
+    </p:spTree>
+    <p:extLst>
+      <p:ext uri="{BB962C8B-B14F-4D97-AF65-F5344CB8AC3E}">
+        <p14:creationId xmlns:p14="http://schemas.microsoft.com/office/powerpoint/2010/main" val="4097395037"/>
+      </p:ext>
+    </p:extLst>
+  </p:cSld>
+  <p:clrMapOvr>
+    <a:masterClrMapping/>
+  </p:clrMapOvr>
+</p:sld>
+</file>
+
+<file path=ppt/slides/slide9.xml><?xml version="1.0" encoding="utf-8"?>
 <p:sld xmlns:a="http://schemas.openxmlformats.org/drawingml/2006/main" xmlns:r="http://schemas.openxmlformats.org/officeDocument/2006/relationships" xmlns:p="http://schemas.openxmlformats.org/presentationml/2006/main">
   <p:cSld>
     <p:bg>
@@ -49685,7 +52842,7 @@
                 <a:ea typeface="Calibri" panose="020F0502020204030204" pitchFamily="34" charset="0"/>
                 <a:cs typeface="Times New Roman" panose="02020603050405020304" pitchFamily="18" charset="0"/>
               </a:rPr>
-              <a:t> and similar signals are not well suited for the wilderness type of environment with dense folia Cursive handwriting makes the separation and recognition of characters challenging.</a:t>
+              <a:t> and similar signals are not well suited for the wilderness type of environment with dense folia.</a:t>
             </a:r>
             <a:r>
               <a:rPr lang="en-US" sz="1600" dirty="0">
@@ -50084,7 +53241,7 @@
                   <a:spcPts val="600"/>
                 </a:spcAft>
               </a:pPr>
-              <a:t>7</a:t>
+              <a:t>8</a:t>
             </a:fld>
             <a:endParaRPr lang="en-US"/>
           </a:p>
@@ -50094,509 +53251,6 @@
     <p:extLst>
       <p:ext uri="{BB962C8B-B14F-4D97-AF65-F5344CB8AC3E}">
         <p14:creationId xmlns:p14="http://schemas.microsoft.com/office/powerpoint/2010/main" val="3743117882"/>
-      </p:ext>
-    </p:extLst>
-  </p:cSld>
-  <p:clrMapOvr>
-    <a:masterClrMapping/>
-  </p:clrMapOvr>
-</p:sld>
-</file>
-
-<file path=ppt/slides/slide9.xml><?xml version="1.0" encoding="utf-8"?>
-<p:sld xmlns:a="http://schemas.openxmlformats.org/drawingml/2006/main" xmlns:r="http://schemas.openxmlformats.org/officeDocument/2006/relationships" xmlns:p="http://schemas.openxmlformats.org/presentationml/2006/main">
-  <p:cSld>
-    <p:bg>
-      <p:bgPr>
-        <a:solidFill>
-          <a:schemeClr val="bg1"/>
-        </a:solidFill>
-        <a:effectLst/>
-      </p:bgPr>
-    </p:bg>
-    <p:spTree>
-      <p:nvGrpSpPr>
-        <p:cNvPr id="1" name=""/>
-        <p:cNvGrpSpPr/>
-        <p:nvPr/>
-      </p:nvGrpSpPr>
-      <p:grpSpPr>
-        <a:xfrm>
-          <a:off x="0" y="0"/>
-          <a:ext cx="0" cy="0"/>
-          <a:chOff x="0" y="0"/>
-          <a:chExt cx="0" cy="0"/>
-        </a:xfrm>
-      </p:grpSpPr>
-      <p:sp useBgFill="1">
-        <p:nvSpPr>
-          <p:cNvPr id="22" name="Rectangle 21">
-            <a:extLst>
-              <a:ext uri="{FF2B5EF4-FFF2-40B4-BE49-F238E27FC236}">
-                <a16:creationId xmlns:a16="http://schemas.microsoft.com/office/drawing/2014/main" id="{04812C46-200A-4DEB-A05E-3ED6C68C2387}"/>
-              </a:ext>
-              <a:ext uri="{C183D7F6-B498-43B3-948B-1728B52AA6E4}">
-                <adec:decorative xmlns:adec="http://schemas.microsoft.com/office/drawing/2017/decorative" val="1"/>
-              </a:ext>
-            </a:extLst>
-          </p:cNvPr>
-          <p:cNvSpPr>
-            <a:spLocks noGrp="1" noRot="1" noChangeAspect="1" noMove="1" noResize="1" noEditPoints="1" noAdjustHandles="1" noChangeArrowheads="1" noChangeShapeType="1" noTextEdit="1"/>
-          </p:cNvSpPr>
-          <p:nvPr>
-            <p:extLst>
-              <p:ext uri="{386F3935-93C4-4BCD-93E2-E3B085C9AB24}">
-                <p16:designElem xmlns:p16="http://schemas.microsoft.com/office/powerpoint/2015/main" val="1"/>
-              </p:ext>
-            </p:extLst>
-          </p:nvPr>
-        </p:nvSpPr>
-        <p:spPr>
-          <a:xfrm>
-            <a:off x="-1" y="0"/>
-            <a:ext cx="12188952" cy="6858000"/>
-          </a:xfrm>
-          <a:prstGeom prst="rect">
-            <a:avLst/>
-          </a:prstGeom>
-          <a:ln>
-            <a:noFill/>
-          </a:ln>
-        </p:spPr>
-        <p:style>
-          <a:lnRef idx="2">
-            <a:schemeClr val="accent1">
-              <a:shade val="50000"/>
-            </a:schemeClr>
-          </a:lnRef>
-          <a:fillRef idx="1">
-            <a:schemeClr val="accent1"/>
-          </a:fillRef>
-          <a:effectRef idx="0">
-            <a:schemeClr val="accent1"/>
-          </a:effectRef>
-          <a:fontRef idx="minor">
-            <a:schemeClr val="lt1"/>
-          </a:fontRef>
-        </p:style>
-        <p:txBody>
-          <a:bodyPr rtlCol="0" anchor="ctr"/>
-          <a:lstStyle/>
-          <a:p>
-            <a:pPr algn="ctr"/>
-            <a:endParaRPr lang="en-US"/>
-          </a:p>
-        </p:txBody>
-      </p:sp>
-      <p:pic>
-        <p:nvPicPr>
-          <p:cNvPr id="16" name="Picture 6">
-            <a:extLst>
-              <a:ext uri="{FF2B5EF4-FFF2-40B4-BE49-F238E27FC236}">
-                <a16:creationId xmlns:a16="http://schemas.microsoft.com/office/drawing/2014/main" id="{F0709888-58C6-14A8-44E9-D1012AB370E0}"/>
-              </a:ext>
-            </a:extLst>
-          </p:cNvPr>
-          <p:cNvPicPr>
-            <a:picLocks noChangeAspect="1"/>
-          </p:cNvPicPr>
-          <p:nvPr/>
-        </p:nvPicPr>
-        <p:blipFill rotWithShape="1">
-          <a:blip r:embed="rId2"/>
-          <a:srcRect l="3887" r="16802"/>
-          <a:stretch/>
-        </p:blipFill>
-        <p:spPr>
-          <a:xfrm>
-            <a:off x="0" y="10"/>
-            <a:ext cx="12191999" cy="6857990"/>
-          </a:xfrm>
-          <a:prstGeom prst="rect">
-            <a:avLst/>
-          </a:prstGeom>
-        </p:spPr>
-      </p:pic>
-      <p:sp>
-        <p:nvSpPr>
-          <p:cNvPr id="24" name="Rectangle 23">
-            <a:extLst>
-              <a:ext uri="{FF2B5EF4-FFF2-40B4-BE49-F238E27FC236}">
-                <a16:creationId xmlns:a16="http://schemas.microsoft.com/office/drawing/2014/main" id="{D1EA859B-E555-4109-94F3-6700E046E008}"/>
-              </a:ext>
-              <a:ext uri="{C183D7F6-B498-43B3-948B-1728B52AA6E4}">
-                <adec:decorative xmlns:adec="http://schemas.microsoft.com/office/drawing/2017/decorative" val="1"/>
-              </a:ext>
-            </a:extLst>
-          </p:cNvPr>
-          <p:cNvSpPr>
-            <a:spLocks noGrp="1" noRot="1" noChangeAspect="1" noMove="1" noResize="1" noEditPoints="1" noAdjustHandles="1" noChangeArrowheads="1" noChangeShapeType="1" noTextEdit="1"/>
-          </p:cNvSpPr>
-          <p:nvPr>
-            <p:extLst>
-              <p:ext uri="{386F3935-93C4-4BCD-93E2-E3B085C9AB24}">
-                <p16:designElem xmlns:p16="http://schemas.microsoft.com/office/powerpoint/2015/main" val="1"/>
-              </p:ext>
-            </p:extLst>
-          </p:nvPr>
-        </p:nvSpPr>
-        <p:spPr>
-          <a:xfrm flipH="1">
-            <a:off x="5125019" y="0"/>
-            <a:ext cx="7066978" cy="6858000"/>
-          </a:xfrm>
-          <a:prstGeom prst="rect">
-            <a:avLst/>
-          </a:prstGeom>
-          <a:gradFill>
-            <a:gsLst>
-              <a:gs pos="48000">
-                <a:schemeClr val="bg1"/>
-              </a:gs>
-              <a:gs pos="35000">
-                <a:schemeClr val="bg1">
-                  <a:alpha val="77000"/>
-                </a:schemeClr>
-              </a:gs>
-              <a:gs pos="19000">
-                <a:schemeClr val="bg1">
-                  <a:alpha val="38000"/>
-                </a:schemeClr>
-              </a:gs>
-              <a:gs pos="0">
-                <a:schemeClr val="bg1">
-                  <a:alpha val="0"/>
-                </a:schemeClr>
-              </a:gs>
-              <a:gs pos="100000">
-                <a:schemeClr val="bg1"/>
-              </a:gs>
-            </a:gsLst>
-            <a:lin ang="10800000" scaled="0"/>
-          </a:gradFill>
-          <a:ln>
-            <a:noFill/>
-          </a:ln>
-        </p:spPr>
-        <p:style>
-          <a:lnRef idx="2">
-            <a:schemeClr val="accent1">
-              <a:shade val="50000"/>
-            </a:schemeClr>
-          </a:lnRef>
-          <a:fillRef idx="1">
-            <a:schemeClr val="accent1"/>
-          </a:fillRef>
-          <a:effectRef idx="0">
-            <a:schemeClr val="accent1"/>
-          </a:effectRef>
-          <a:fontRef idx="minor">
-            <a:schemeClr val="lt1"/>
-          </a:fontRef>
-        </p:style>
-        <p:txBody>
-          <a:bodyPr rtlCol="0" anchor="ctr"/>
-          <a:lstStyle/>
-          <a:p>
-            <a:pPr algn="ctr"/>
-            <a:endParaRPr lang="en-US" dirty="0"/>
-          </a:p>
-        </p:txBody>
-      </p:sp>
-      <p:sp>
-        <p:nvSpPr>
-          <p:cNvPr id="2" name="Title 1">
-            <a:extLst>
-              <a:ext uri="{FF2B5EF4-FFF2-40B4-BE49-F238E27FC236}">
-                <a16:creationId xmlns:a16="http://schemas.microsoft.com/office/drawing/2014/main" id="{E02EEEEA-4C4B-4616-ADC0-34B2661467FE}"/>
-              </a:ext>
-            </a:extLst>
-          </p:cNvPr>
-          <p:cNvSpPr>
-            <a:spLocks noGrp="1"/>
-          </p:cNvSpPr>
-          <p:nvPr>
-            <p:ph type="title"/>
-          </p:nvPr>
-        </p:nvSpPr>
-        <p:spPr>
-          <a:xfrm>
-            <a:off x="7867512" y="328312"/>
-            <a:ext cx="4542202" cy="1899912"/>
-          </a:xfrm>
-        </p:spPr>
-        <p:txBody>
-          <a:bodyPr>
-            <a:normAutofit/>
-          </a:bodyPr>
-          <a:lstStyle/>
-          <a:p>
-            <a:r>
-              <a:rPr lang="en-IN" sz="7200" dirty="0">
-                <a:latin typeface="Agency FB" panose="020B0503020202020204" pitchFamily="34" charset="0"/>
-              </a:rPr>
-              <a:t>  Challenges</a:t>
-            </a:r>
-          </a:p>
-        </p:txBody>
-      </p:sp>
-      <p:sp>
-        <p:nvSpPr>
-          <p:cNvPr id="17" name="Content Placeholder 2">
-            <a:extLst>
-              <a:ext uri="{FF2B5EF4-FFF2-40B4-BE49-F238E27FC236}">
-                <a16:creationId xmlns:a16="http://schemas.microsoft.com/office/drawing/2014/main" id="{776D3921-A774-F137-EEE5-FD1868A329FF}"/>
-              </a:ext>
-            </a:extLst>
-          </p:cNvPr>
-          <p:cNvSpPr>
-            <a:spLocks noGrp="1"/>
-          </p:cNvSpPr>
-          <p:nvPr>
-            <p:ph idx="1"/>
-          </p:nvPr>
-        </p:nvSpPr>
-        <p:spPr>
-          <a:xfrm>
-            <a:off x="7531610" y="1813560"/>
-            <a:ext cx="3959350" cy="4363403"/>
-          </a:xfrm>
-        </p:spPr>
-        <p:txBody>
-          <a:bodyPr>
-            <a:normAutofit/>
-          </a:bodyPr>
-          <a:lstStyle/>
-          <a:p>
-            <a:endParaRPr lang="en-IN" dirty="0">
-              <a:effectLst/>
-            </a:endParaRPr>
-          </a:p>
-          <a:p>
-            <a:pPr marL="742950" lvl="1" indent="-285750" algn="just">
-              <a:lnSpc>
-                <a:spcPct val="115000"/>
-              </a:lnSpc>
-              <a:spcAft>
-                <a:spcPts val="1000"/>
-              </a:spcAft>
-              <a:buFont typeface="Symbol" panose="05050102010706020507" pitchFamily="18" charset="2"/>
-              <a:buChar char=""/>
-            </a:pPr>
-            <a:r>
-              <a:rPr lang="en-US" sz="1800" dirty="0">
-                <a:effectLst/>
-                <a:latin typeface="Times New Roman" panose="02020603050405020304" pitchFamily="18" charset="0"/>
-                <a:ea typeface="Calibri" panose="020F0502020204030204" pitchFamily="34" charset="0"/>
-                <a:cs typeface="Times New Roman" panose="02020603050405020304" pitchFamily="18" charset="0"/>
-              </a:rPr>
-              <a:t>Difficult to transmit sound over large distances.</a:t>
-            </a:r>
-            <a:endParaRPr lang="en-IN" sz="1800" dirty="0">
-              <a:effectLst/>
-              <a:latin typeface="Calibri" panose="020F0502020204030204" pitchFamily="34" charset="0"/>
-              <a:ea typeface="Calibri" panose="020F0502020204030204" pitchFamily="34" charset="0"/>
-              <a:cs typeface="Times New Roman" panose="02020603050405020304" pitchFamily="18" charset="0"/>
-            </a:endParaRPr>
-          </a:p>
-          <a:p>
-            <a:pPr marL="742950" lvl="1" indent="-285750" algn="just">
-              <a:lnSpc>
-                <a:spcPct val="115000"/>
-              </a:lnSpc>
-              <a:spcAft>
-                <a:spcPts val="1000"/>
-              </a:spcAft>
-              <a:buFont typeface="Symbol" panose="05050102010706020507" pitchFamily="18" charset="2"/>
-              <a:buChar char=""/>
-            </a:pPr>
-            <a:r>
-              <a:rPr lang="en-US" sz="1800" dirty="0">
-                <a:effectLst/>
-                <a:latin typeface="Times New Roman" panose="02020603050405020304" pitchFamily="18" charset="0"/>
-                <a:ea typeface="Calibri" panose="020F0502020204030204" pitchFamily="34" charset="0"/>
-                <a:cs typeface="Times New Roman" panose="02020603050405020304" pitchFamily="18" charset="0"/>
-              </a:rPr>
-              <a:t>Degradation and dampening of sound with terrain change.</a:t>
-            </a:r>
-            <a:endParaRPr lang="en-IN" sz="1800" dirty="0">
-              <a:effectLst/>
-              <a:latin typeface="Calibri" panose="020F0502020204030204" pitchFamily="34" charset="0"/>
-              <a:ea typeface="Calibri" panose="020F0502020204030204" pitchFamily="34" charset="0"/>
-              <a:cs typeface="Times New Roman" panose="02020603050405020304" pitchFamily="18" charset="0"/>
-            </a:endParaRPr>
-          </a:p>
-          <a:p>
-            <a:pPr marL="742950" lvl="1" indent="-285750" algn="just">
-              <a:lnSpc>
-                <a:spcPct val="115000"/>
-              </a:lnSpc>
-              <a:spcAft>
-                <a:spcPts val="1000"/>
-              </a:spcAft>
-              <a:buFont typeface="Symbol" panose="05050102010706020507" pitchFamily="18" charset="2"/>
-              <a:buChar char=""/>
-            </a:pPr>
-            <a:r>
-              <a:rPr lang="en-US" sz="1800" dirty="0">
-                <a:effectLst/>
-                <a:latin typeface="Times New Roman" panose="02020603050405020304" pitchFamily="18" charset="0"/>
-                <a:ea typeface="Calibri" panose="020F0502020204030204" pitchFamily="34" charset="0"/>
-                <a:cs typeface="Times New Roman" panose="02020603050405020304" pitchFamily="18" charset="0"/>
-              </a:rPr>
-              <a:t>Only 64x64 </a:t>
-            </a:r>
-            <a:r>
-              <a:rPr lang="en-US" sz="1800" dirty="0" err="1">
-                <a:effectLst/>
-                <a:latin typeface="Times New Roman" panose="02020603050405020304" pitchFamily="18" charset="0"/>
-                <a:ea typeface="Calibri" panose="020F0502020204030204" pitchFamily="34" charset="0"/>
-                <a:cs typeface="Times New Roman" panose="02020603050405020304" pitchFamily="18" charset="0"/>
-              </a:rPr>
-              <a:t>px</a:t>
-            </a:r>
-            <a:r>
-              <a:rPr lang="en-US" sz="1800" dirty="0">
-                <a:effectLst/>
-                <a:latin typeface="Times New Roman" panose="02020603050405020304" pitchFamily="18" charset="0"/>
-                <a:ea typeface="Calibri" panose="020F0502020204030204" pitchFamily="34" charset="0"/>
-                <a:cs typeface="Times New Roman" panose="02020603050405020304" pitchFamily="18" charset="0"/>
-              </a:rPr>
-              <a:t> image can be converted to sound, any higher or lower it creates interference with intended application.</a:t>
-            </a:r>
-            <a:endParaRPr lang="en-IN" sz="1800" dirty="0">
-              <a:effectLst/>
-              <a:latin typeface="Calibri" panose="020F0502020204030204" pitchFamily="34" charset="0"/>
-              <a:ea typeface="Calibri" panose="020F0502020204030204" pitchFamily="34" charset="0"/>
-              <a:cs typeface="Times New Roman" panose="02020603050405020304" pitchFamily="18" charset="0"/>
-            </a:endParaRPr>
-          </a:p>
-          <a:p>
-            <a:pPr marL="742950" lvl="1" indent="-285750" algn="just">
-              <a:lnSpc>
-                <a:spcPct val="115000"/>
-              </a:lnSpc>
-              <a:spcAft>
-                <a:spcPts val="1000"/>
-              </a:spcAft>
-              <a:buFont typeface="Symbol" panose="05050102010706020507" pitchFamily="18" charset="2"/>
-              <a:buChar char=""/>
-            </a:pPr>
-            <a:r>
-              <a:rPr lang="en-US" sz="1800" dirty="0">
-                <a:effectLst/>
-                <a:latin typeface="Times New Roman" panose="02020603050405020304" pitchFamily="18" charset="0"/>
-                <a:ea typeface="Calibri" panose="020F0502020204030204" pitchFamily="34" charset="0"/>
-                <a:cs typeface="Times New Roman" panose="02020603050405020304" pitchFamily="18" charset="0"/>
-              </a:rPr>
-              <a:t>Conversion of image and video data is taking 10 -30min.</a:t>
-            </a:r>
-            <a:endParaRPr lang="en-IN" sz="1800" dirty="0">
-              <a:effectLst/>
-              <a:latin typeface="Calibri" panose="020F0502020204030204" pitchFamily="34" charset="0"/>
-              <a:ea typeface="Calibri" panose="020F0502020204030204" pitchFamily="34" charset="0"/>
-              <a:cs typeface="Times New Roman" panose="02020603050405020304" pitchFamily="18" charset="0"/>
-            </a:endParaRPr>
-          </a:p>
-        </p:txBody>
-      </p:sp>
-      <p:sp>
-        <p:nvSpPr>
-          <p:cNvPr id="4" name="Footer Placeholder 3">
-            <a:extLst>
-              <a:ext uri="{FF2B5EF4-FFF2-40B4-BE49-F238E27FC236}">
-                <a16:creationId xmlns:a16="http://schemas.microsoft.com/office/drawing/2014/main" id="{9E085CD6-23E6-7136-6B02-C765EE2BB2FC}"/>
-              </a:ext>
-            </a:extLst>
-          </p:cNvPr>
-          <p:cNvSpPr>
-            <a:spLocks noGrp="1"/>
-          </p:cNvSpPr>
-          <p:nvPr>
-            <p:ph type="ftr" sz="quarter" idx="11"/>
-          </p:nvPr>
-        </p:nvSpPr>
-        <p:spPr>
-          <a:xfrm>
-            <a:off x="4038600" y="6356350"/>
-            <a:ext cx="4114800" cy="365125"/>
-          </a:xfrm>
-        </p:spPr>
-        <p:txBody>
-          <a:bodyPr>
-            <a:normAutofit/>
-          </a:bodyPr>
-          <a:lstStyle/>
-          <a:p>
-            <a:pPr>
-              <a:lnSpc>
-                <a:spcPct val="90000"/>
-              </a:lnSpc>
-              <a:spcAft>
-                <a:spcPts val="600"/>
-              </a:spcAft>
-            </a:pPr>
-            <a:r>
-              <a:rPr lang="en-IN">
-                <a:solidFill>
-                  <a:srgbClr val="FFFFFF"/>
-                </a:solidFill>
-              </a:rPr>
-              <a:t>Dept. of ECE, SJBIT</a:t>
-            </a:r>
-          </a:p>
-        </p:txBody>
-      </p:sp>
-      <p:sp>
-        <p:nvSpPr>
-          <p:cNvPr id="5" name="Slide Number Placeholder 4">
-            <a:extLst>
-              <a:ext uri="{FF2B5EF4-FFF2-40B4-BE49-F238E27FC236}">
-                <a16:creationId xmlns:a16="http://schemas.microsoft.com/office/drawing/2014/main" id="{435FED4D-61FE-CCA1-3A93-756E0B4CC422}"/>
-              </a:ext>
-            </a:extLst>
-          </p:cNvPr>
-          <p:cNvSpPr>
-            <a:spLocks noGrp="1"/>
-          </p:cNvSpPr>
-          <p:nvPr>
-            <p:ph type="sldNum" sz="quarter" idx="12"/>
-          </p:nvPr>
-        </p:nvSpPr>
-        <p:spPr>
-          <a:xfrm>
-            <a:off x="8610600" y="6356350"/>
-            <a:ext cx="2743200" cy="365125"/>
-          </a:xfrm>
-        </p:spPr>
-        <p:txBody>
-          <a:bodyPr>
-            <a:normAutofit/>
-          </a:bodyPr>
-          <a:lstStyle/>
-          <a:p>
-            <a:pPr>
-              <a:spcAft>
-                <a:spcPts val="600"/>
-              </a:spcAft>
-            </a:pPr>
-            <a:fld id="{98BE86A0-2B3E-4B29-89C1-BAE9784D7065}" type="slidenum">
-              <a:rPr lang="en-IN" smtClean="0"/>
-              <a:pPr>
-                <a:spcAft>
-                  <a:spcPts val="600"/>
-                </a:spcAft>
-              </a:pPr>
-              <a:t>8</a:t>
-            </a:fld>
-            <a:endParaRPr lang="en-IN"/>
-          </a:p>
-        </p:txBody>
-      </p:sp>
-    </p:spTree>
-    <p:extLst>
-      <p:ext uri="{BB962C8B-B14F-4D97-AF65-F5344CB8AC3E}">
-        <p14:creationId xmlns:p14="http://schemas.microsoft.com/office/powerpoint/2010/main" val="2347157513"/>
       </p:ext>
     </p:extLst>
   </p:cSld>
